--- a/presentation/presentation.pptx
+++ b/presentation/presentation.pptx
@@ -2,14 +2,25 @@
 <file path=ppt/presentation.xml><?xml version="1.0" encoding="utf-8"?>
 <p:presentation xmlns:a="http://schemas.openxmlformats.org/drawingml/2006/main" xmlns:r="http://schemas.openxmlformats.org/officeDocument/2006/relationships" xmlns:p="http://schemas.openxmlformats.org/presentationml/2006/main" saveSubsetFonts="1" autoCompressPictures="0">
   <p:sldMasterIdLst>
-    <p:sldMasterId id="2147483648" r:id="rId1"/>
+    <p:sldMasterId id="2147483739" r:id="rId1"/>
   </p:sldMasterIdLst>
+  <p:notesMasterIdLst>
+    <p:notesMasterId r:id="rId15"/>
+  </p:notesMasterIdLst>
   <p:sldIdLst>
     <p:sldId id="256" r:id="rId2"/>
-    <p:sldId id="258" r:id="rId3"/>
-    <p:sldId id="259" r:id="rId4"/>
-    <p:sldId id="260" r:id="rId5"/>
-    <p:sldId id="261" r:id="rId6"/>
+    <p:sldId id="263" r:id="rId3"/>
+    <p:sldId id="262" r:id="rId4"/>
+    <p:sldId id="264" r:id="rId5"/>
+    <p:sldId id="265" r:id="rId6"/>
+    <p:sldId id="266" r:id="rId7"/>
+    <p:sldId id="267" r:id="rId8"/>
+    <p:sldId id="268" r:id="rId9"/>
+    <p:sldId id="269" r:id="rId10"/>
+    <p:sldId id="258" r:id="rId11"/>
+    <p:sldId id="259" r:id="rId12"/>
+    <p:sldId id="260" r:id="rId13"/>
+    <p:sldId id="261" r:id="rId14"/>
   </p:sldIdLst>
   <p:sldSz cx="9144000" cy="6858000" type="screen4x3"/>
   <p:notesSz cx="6858000" cy="9144000"/>
@@ -9092,6 +9103,526 @@
     <c:autoUpdate val="0"/>
   </c:externalData>
 </c:chartSpace>
+</file>
+
+<file path=ppt/notesMasters/notesMaster1.xml><?xml version="1.0" encoding="utf-8"?>
+<p:notesMaster xmlns:a="http://schemas.openxmlformats.org/drawingml/2006/main" xmlns:r="http://schemas.openxmlformats.org/officeDocument/2006/relationships" xmlns:p="http://schemas.openxmlformats.org/presentationml/2006/main">
+  <p:cSld>
+    <p:bg>
+      <p:bgRef idx="1001">
+        <a:schemeClr val="bg1"/>
+      </p:bgRef>
+    </p:bg>
+    <p:spTree>
+      <p:nvGrpSpPr>
+        <p:cNvPr id="1" name=""/>
+        <p:cNvGrpSpPr/>
+        <p:nvPr/>
+      </p:nvGrpSpPr>
+      <p:grpSpPr>
+        <a:xfrm>
+          <a:off x="0" y="0"/>
+          <a:ext cx="0" cy="0"/>
+          <a:chOff x="0" y="0"/>
+          <a:chExt cx="0" cy="0"/>
+        </a:xfrm>
+      </p:grpSpPr>
+      <p:sp>
+        <p:nvSpPr>
+          <p:cNvPr id="2" name="Überschriftenplatzhalter 1"/>
+          <p:cNvSpPr>
+            <a:spLocks noGrp="1"/>
+          </p:cNvSpPr>
+          <p:nvPr>
+            <p:ph type="hdr" sz="quarter"/>
+          </p:nvPr>
+        </p:nvSpPr>
+        <p:spPr>
+          <a:xfrm>
+            <a:off x="0" y="0"/>
+            <a:ext cx="2971800" cy="457200"/>
+          </a:xfrm>
+          <a:prstGeom prst="rect">
+            <a:avLst/>
+          </a:prstGeom>
+        </p:spPr>
+        <p:txBody>
+          <a:bodyPr vert="horz" lIns="91440" tIns="45720" rIns="91440" bIns="45720" rtlCol="0"/>
+          <a:lstStyle>
+            <a:lvl1pPr algn="l">
+              <a:defRPr sz="1200"/>
+            </a:lvl1pPr>
+          </a:lstStyle>
+          <a:p>
+            <a:endParaRPr lang="de-DE"/>
+          </a:p>
+        </p:txBody>
+      </p:sp>
+      <p:sp>
+        <p:nvSpPr>
+          <p:cNvPr id="3" name="Datumsplatzhalter 2"/>
+          <p:cNvSpPr>
+            <a:spLocks noGrp="1"/>
+          </p:cNvSpPr>
+          <p:nvPr>
+            <p:ph type="dt" idx="1"/>
+          </p:nvPr>
+        </p:nvSpPr>
+        <p:spPr>
+          <a:xfrm>
+            <a:off x="3884613" y="0"/>
+            <a:ext cx="2971800" cy="457200"/>
+          </a:xfrm>
+          <a:prstGeom prst="rect">
+            <a:avLst/>
+          </a:prstGeom>
+        </p:spPr>
+        <p:txBody>
+          <a:bodyPr vert="horz" lIns="91440" tIns="45720" rIns="91440" bIns="45720" rtlCol="0"/>
+          <a:lstStyle>
+            <a:lvl1pPr algn="r">
+              <a:defRPr sz="1200"/>
+            </a:lvl1pPr>
+          </a:lstStyle>
+          <a:p>
+            <a:fld id="{C8882854-F662-C74C-B96B-A88193AC883D}" type="datetimeFigureOut">
+              <a:rPr lang="de-DE" smtClean="0"/>
+              <a:t>04.06.12</a:t>
+            </a:fld>
+            <a:endParaRPr lang="de-DE"/>
+          </a:p>
+        </p:txBody>
+      </p:sp>
+      <p:sp>
+        <p:nvSpPr>
+          <p:cNvPr id="4" name="Folienbildplatzhalter 3"/>
+          <p:cNvSpPr>
+            <a:spLocks noGrp="1" noRot="1" noChangeAspect="1"/>
+          </p:cNvSpPr>
+          <p:nvPr>
+            <p:ph type="sldImg" idx="2"/>
+          </p:nvPr>
+        </p:nvSpPr>
+        <p:spPr>
+          <a:xfrm>
+            <a:off x="1143000" y="685800"/>
+            <a:ext cx="4572000" cy="3429000"/>
+          </a:xfrm>
+          <a:prstGeom prst="rect">
+            <a:avLst/>
+          </a:prstGeom>
+          <a:noFill/>
+          <a:ln w="12700">
+            <a:solidFill>
+              <a:prstClr val="black"/>
+            </a:solidFill>
+          </a:ln>
+        </p:spPr>
+        <p:txBody>
+          <a:bodyPr vert="horz" lIns="91440" tIns="45720" rIns="91440" bIns="45720" rtlCol="0" anchor="ctr"/>
+          <a:lstStyle/>
+          <a:p>
+            <a:endParaRPr lang="de-DE"/>
+          </a:p>
+        </p:txBody>
+      </p:sp>
+      <p:sp>
+        <p:nvSpPr>
+          <p:cNvPr id="5" name="Notizenplatzhalter 4"/>
+          <p:cNvSpPr>
+            <a:spLocks noGrp="1"/>
+          </p:cNvSpPr>
+          <p:nvPr>
+            <p:ph type="body" sz="quarter" idx="3"/>
+          </p:nvPr>
+        </p:nvSpPr>
+        <p:spPr>
+          <a:xfrm>
+            <a:off x="685800" y="4343400"/>
+            <a:ext cx="5486400" cy="4114800"/>
+          </a:xfrm>
+          <a:prstGeom prst="rect">
+            <a:avLst/>
+          </a:prstGeom>
+        </p:spPr>
+        <p:txBody>
+          <a:bodyPr vert="horz" lIns="91440" tIns="45720" rIns="91440" bIns="45720" rtlCol="0"/>
+          <a:lstStyle/>
+          <a:p>
+            <a:pPr lvl="0"/>
+            <a:r>
+              <a:rPr lang="de-DE" smtClean="0"/>
+              <a:t>Mastertextformat bearbeiten</a:t>
+            </a:r>
+          </a:p>
+          <a:p>
+            <a:pPr lvl="1"/>
+            <a:r>
+              <a:rPr lang="de-DE" smtClean="0"/>
+              <a:t>Zweite Ebene</a:t>
+            </a:r>
+          </a:p>
+          <a:p>
+            <a:pPr lvl="2"/>
+            <a:r>
+              <a:rPr lang="de-DE" smtClean="0"/>
+              <a:t>Dritte Ebene</a:t>
+            </a:r>
+          </a:p>
+          <a:p>
+            <a:pPr lvl="3"/>
+            <a:r>
+              <a:rPr lang="de-DE" smtClean="0"/>
+              <a:t>Vierte Ebene</a:t>
+            </a:r>
+          </a:p>
+          <a:p>
+            <a:pPr lvl="4"/>
+            <a:r>
+              <a:rPr lang="de-DE" smtClean="0"/>
+              <a:t>Fünfte Ebene</a:t>
+            </a:r>
+            <a:endParaRPr lang="de-DE"/>
+          </a:p>
+        </p:txBody>
+      </p:sp>
+      <p:sp>
+        <p:nvSpPr>
+          <p:cNvPr id="6" name="Fußzeilenplatzhalter 5"/>
+          <p:cNvSpPr>
+            <a:spLocks noGrp="1"/>
+          </p:cNvSpPr>
+          <p:nvPr>
+            <p:ph type="ftr" sz="quarter" idx="4"/>
+          </p:nvPr>
+        </p:nvSpPr>
+        <p:spPr>
+          <a:xfrm>
+            <a:off x="0" y="8685213"/>
+            <a:ext cx="2971800" cy="457200"/>
+          </a:xfrm>
+          <a:prstGeom prst="rect">
+            <a:avLst/>
+          </a:prstGeom>
+        </p:spPr>
+        <p:txBody>
+          <a:bodyPr vert="horz" lIns="91440" tIns="45720" rIns="91440" bIns="45720" rtlCol="0" anchor="b"/>
+          <a:lstStyle>
+            <a:lvl1pPr algn="l">
+              <a:defRPr sz="1200"/>
+            </a:lvl1pPr>
+          </a:lstStyle>
+          <a:p>
+            <a:endParaRPr lang="de-DE"/>
+          </a:p>
+        </p:txBody>
+      </p:sp>
+      <p:sp>
+        <p:nvSpPr>
+          <p:cNvPr id="7" name="Foliennummernplatzhalter 6"/>
+          <p:cNvSpPr>
+            <a:spLocks noGrp="1"/>
+          </p:cNvSpPr>
+          <p:nvPr>
+            <p:ph type="sldNum" sz="quarter" idx="5"/>
+          </p:nvPr>
+        </p:nvSpPr>
+        <p:spPr>
+          <a:xfrm>
+            <a:off x="3884613" y="8685213"/>
+            <a:ext cx="2971800" cy="457200"/>
+          </a:xfrm>
+          <a:prstGeom prst="rect">
+            <a:avLst/>
+          </a:prstGeom>
+        </p:spPr>
+        <p:txBody>
+          <a:bodyPr vert="horz" lIns="91440" tIns="45720" rIns="91440" bIns="45720" rtlCol="0" anchor="b"/>
+          <a:lstStyle>
+            <a:lvl1pPr algn="r">
+              <a:defRPr sz="1200"/>
+            </a:lvl1pPr>
+          </a:lstStyle>
+          <a:p>
+            <a:fld id="{F53960C4-F960-2F45-8E85-531FA0D7BD58}" type="slidenum">
+              <a:rPr lang="de-DE" smtClean="0"/>
+              <a:t>‹Nr.›</a:t>
+            </a:fld>
+            <a:endParaRPr lang="de-DE"/>
+          </a:p>
+        </p:txBody>
+      </p:sp>
+    </p:spTree>
+    <p:extLst>
+      <p:ext uri="{BB962C8B-B14F-4D97-AF65-F5344CB8AC3E}">
+        <p14:creationId xmlns:p14="http://schemas.microsoft.com/office/powerpoint/2010/main" val="1558928411"/>
+      </p:ext>
+    </p:extLst>
+  </p:cSld>
+  <p:clrMap bg1="lt1" tx1="dk1" bg2="lt2" tx2="dk2" accent1="accent1" accent2="accent2" accent3="accent3" accent4="accent4" accent5="accent5" accent6="accent6" hlink="hlink" folHlink="folHlink"/>
+  <p:notesStyle>
+    <a:lvl1pPr marL="0" algn="l" defTabSz="457200" rtl="0" eaLnBrk="1" latinLnBrk="0" hangingPunct="1">
+      <a:defRPr sz="1200" kern="1200">
+        <a:solidFill>
+          <a:schemeClr val="tx1"/>
+        </a:solidFill>
+        <a:latin typeface="+mn-lt"/>
+        <a:ea typeface="+mn-ea"/>
+        <a:cs typeface="+mn-cs"/>
+      </a:defRPr>
+    </a:lvl1pPr>
+    <a:lvl2pPr marL="457200" algn="l" defTabSz="457200" rtl="0" eaLnBrk="1" latinLnBrk="0" hangingPunct="1">
+      <a:defRPr sz="1200" kern="1200">
+        <a:solidFill>
+          <a:schemeClr val="tx1"/>
+        </a:solidFill>
+        <a:latin typeface="+mn-lt"/>
+        <a:ea typeface="+mn-ea"/>
+        <a:cs typeface="+mn-cs"/>
+      </a:defRPr>
+    </a:lvl2pPr>
+    <a:lvl3pPr marL="914400" algn="l" defTabSz="457200" rtl="0" eaLnBrk="1" latinLnBrk="0" hangingPunct="1">
+      <a:defRPr sz="1200" kern="1200">
+        <a:solidFill>
+          <a:schemeClr val="tx1"/>
+        </a:solidFill>
+        <a:latin typeface="+mn-lt"/>
+        <a:ea typeface="+mn-ea"/>
+        <a:cs typeface="+mn-cs"/>
+      </a:defRPr>
+    </a:lvl3pPr>
+    <a:lvl4pPr marL="1371600" algn="l" defTabSz="457200" rtl="0" eaLnBrk="1" latinLnBrk="0" hangingPunct="1">
+      <a:defRPr sz="1200" kern="1200">
+        <a:solidFill>
+          <a:schemeClr val="tx1"/>
+        </a:solidFill>
+        <a:latin typeface="+mn-lt"/>
+        <a:ea typeface="+mn-ea"/>
+        <a:cs typeface="+mn-cs"/>
+      </a:defRPr>
+    </a:lvl4pPr>
+    <a:lvl5pPr marL="1828800" algn="l" defTabSz="457200" rtl="0" eaLnBrk="1" latinLnBrk="0" hangingPunct="1">
+      <a:defRPr sz="1200" kern="1200">
+        <a:solidFill>
+          <a:schemeClr val="tx1"/>
+        </a:solidFill>
+        <a:latin typeface="+mn-lt"/>
+        <a:ea typeface="+mn-ea"/>
+        <a:cs typeface="+mn-cs"/>
+      </a:defRPr>
+    </a:lvl5pPr>
+    <a:lvl6pPr marL="2286000" algn="l" defTabSz="457200" rtl="0" eaLnBrk="1" latinLnBrk="0" hangingPunct="1">
+      <a:defRPr sz="1200" kern="1200">
+        <a:solidFill>
+          <a:schemeClr val="tx1"/>
+        </a:solidFill>
+        <a:latin typeface="+mn-lt"/>
+        <a:ea typeface="+mn-ea"/>
+        <a:cs typeface="+mn-cs"/>
+      </a:defRPr>
+    </a:lvl6pPr>
+    <a:lvl7pPr marL="2743200" algn="l" defTabSz="457200" rtl="0" eaLnBrk="1" latinLnBrk="0" hangingPunct="1">
+      <a:defRPr sz="1200" kern="1200">
+        <a:solidFill>
+          <a:schemeClr val="tx1"/>
+        </a:solidFill>
+        <a:latin typeface="+mn-lt"/>
+        <a:ea typeface="+mn-ea"/>
+        <a:cs typeface="+mn-cs"/>
+      </a:defRPr>
+    </a:lvl7pPr>
+    <a:lvl8pPr marL="3200400" algn="l" defTabSz="457200" rtl="0" eaLnBrk="1" latinLnBrk="0" hangingPunct="1">
+      <a:defRPr sz="1200" kern="1200">
+        <a:solidFill>
+          <a:schemeClr val="tx1"/>
+        </a:solidFill>
+        <a:latin typeface="+mn-lt"/>
+        <a:ea typeface="+mn-ea"/>
+        <a:cs typeface="+mn-cs"/>
+      </a:defRPr>
+    </a:lvl8pPr>
+    <a:lvl9pPr marL="3657600" algn="l" defTabSz="457200" rtl="0" eaLnBrk="1" latinLnBrk="0" hangingPunct="1">
+      <a:defRPr sz="1200" kern="1200">
+        <a:solidFill>
+          <a:schemeClr val="tx1"/>
+        </a:solidFill>
+        <a:latin typeface="+mn-lt"/>
+        <a:ea typeface="+mn-ea"/>
+        <a:cs typeface="+mn-cs"/>
+      </a:defRPr>
+    </a:lvl9pPr>
+  </p:notesStyle>
+</p:notesMaster>
+</file>
+
+<file path=ppt/notesSlides/notesSlide1.xml><?xml version="1.0" encoding="utf-8"?>
+<p:notes xmlns:a="http://schemas.openxmlformats.org/drawingml/2006/main" xmlns:r="http://schemas.openxmlformats.org/officeDocument/2006/relationships" xmlns:p="http://schemas.openxmlformats.org/presentationml/2006/main">
+  <p:cSld>
+    <p:spTree>
+      <p:nvGrpSpPr>
+        <p:cNvPr id="1" name=""/>
+        <p:cNvGrpSpPr/>
+        <p:nvPr/>
+      </p:nvGrpSpPr>
+      <p:grpSpPr>
+        <a:xfrm>
+          <a:off x="0" y="0"/>
+          <a:ext cx="0" cy="0"/>
+          <a:chOff x="0" y="0"/>
+          <a:chExt cx="0" cy="0"/>
+        </a:xfrm>
+      </p:grpSpPr>
+      <p:sp>
+        <p:nvSpPr>
+          <p:cNvPr id="2" name="Folienbildplatzhalter 1"/>
+          <p:cNvSpPr>
+            <a:spLocks noGrp="1" noRot="1" noChangeAspect="1"/>
+          </p:cNvSpPr>
+          <p:nvPr>
+            <p:ph type="sldImg"/>
+          </p:nvPr>
+        </p:nvSpPr>
+        <p:spPr/>
+      </p:sp>
+      <p:sp>
+        <p:nvSpPr>
+          <p:cNvPr id="3" name="Notizenplatzhalter 2"/>
+          <p:cNvSpPr>
+            <a:spLocks noGrp="1"/>
+          </p:cNvSpPr>
+          <p:nvPr>
+            <p:ph type="body" idx="1"/>
+          </p:nvPr>
+        </p:nvSpPr>
+        <p:spPr/>
+        <p:txBody>
+          <a:bodyPr/>
+          <a:lstStyle/>
+          <a:p>
+            <a:r>
+              <a:rPr lang="de-DE" dirty="0" smtClean="0"/>
+              <a:t>Virtual </a:t>
+            </a:r>
+            <a:r>
+              <a:rPr lang="de-DE" dirty="0" err="1" smtClean="0"/>
+              <a:t>overlay</a:t>
+            </a:r>
+            <a:r>
+              <a:rPr lang="de-DE" dirty="0" smtClean="0"/>
+              <a:t> </a:t>
+            </a:r>
+            <a:r>
+              <a:rPr lang="de-DE" dirty="0" err="1" smtClean="0"/>
+              <a:t>network</a:t>
+            </a:r>
+            <a:endParaRPr lang="de-DE" dirty="0" smtClean="0"/>
+          </a:p>
+          <a:p>
+            <a:r>
+              <a:rPr lang="de-DE" dirty="0" smtClean="0"/>
+              <a:t>Space</a:t>
+            </a:r>
+            <a:r>
+              <a:rPr lang="de-DE" baseline="0" dirty="0" smtClean="0"/>
+              <a:t> </a:t>
+            </a:r>
+            <a:r>
+              <a:rPr lang="de-DE" baseline="0" dirty="0" err="1" smtClean="0"/>
+              <a:t>of</a:t>
+            </a:r>
+            <a:r>
+              <a:rPr lang="de-DE" baseline="0" dirty="0" smtClean="0"/>
+              <a:t> </a:t>
+            </a:r>
+            <a:r>
+              <a:rPr lang="de-DE" baseline="0" dirty="0" err="1" smtClean="0"/>
+              <a:t>the</a:t>
+            </a:r>
+            <a:r>
+              <a:rPr lang="de-DE" baseline="0" dirty="0" smtClean="0"/>
+              <a:t> </a:t>
+            </a:r>
+            <a:r>
+              <a:rPr lang="de-DE" baseline="0" dirty="0" err="1" smtClean="0"/>
+              <a:t>length</a:t>
+            </a:r>
+            <a:r>
+              <a:rPr lang="de-DE" baseline="0" dirty="0" smtClean="0"/>
+              <a:t> </a:t>
+            </a:r>
+            <a:r>
+              <a:rPr lang="de-DE" baseline="0" dirty="0" err="1" smtClean="0"/>
+              <a:t>of</a:t>
+            </a:r>
+            <a:r>
+              <a:rPr lang="de-DE" baseline="0" dirty="0" smtClean="0"/>
+              <a:t> </a:t>
+            </a:r>
+            <a:r>
+              <a:rPr lang="de-DE" baseline="0" dirty="0" err="1" smtClean="0"/>
+              <a:t>the</a:t>
+            </a:r>
+            <a:r>
+              <a:rPr lang="de-DE" baseline="0" dirty="0" smtClean="0"/>
+              <a:t> </a:t>
+            </a:r>
+            <a:r>
+              <a:rPr lang="de-DE" baseline="0" dirty="0" err="1" smtClean="0"/>
+              <a:t>hash</a:t>
+            </a:r>
+            <a:r>
+              <a:rPr lang="de-DE" baseline="0" dirty="0" smtClean="0"/>
+              <a:t> </a:t>
+            </a:r>
+            <a:r>
+              <a:rPr lang="de-DE" baseline="0" dirty="0" err="1" smtClean="0"/>
+              <a:t>function</a:t>
+            </a:r>
+            <a:endParaRPr lang="de-DE" baseline="0" dirty="0" smtClean="0"/>
+          </a:p>
+          <a:p>
+            <a:r>
+              <a:rPr lang="de-DE" baseline="0" dirty="0" smtClean="0"/>
+              <a:t>...</a:t>
+            </a:r>
+            <a:endParaRPr lang="de-DE" dirty="0" smtClean="0"/>
+          </a:p>
+        </p:txBody>
+      </p:sp>
+      <p:sp>
+        <p:nvSpPr>
+          <p:cNvPr id="4" name="Foliennummernplatzhalter 3"/>
+          <p:cNvSpPr>
+            <a:spLocks noGrp="1"/>
+          </p:cNvSpPr>
+          <p:nvPr>
+            <p:ph type="sldNum" sz="quarter" idx="10"/>
+          </p:nvPr>
+        </p:nvSpPr>
+        <p:spPr/>
+        <p:txBody>
+          <a:bodyPr/>
+          <a:lstStyle/>
+          <a:p>
+            <a:fld id="{F53960C4-F960-2F45-8E85-531FA0D7BD58}" type="slidenum">
+              <a:rPr lang="de-DE" smtClean="0"/>
+              <a:t>4</a:t>
+            </a:fld>
+            <a:endParaRPr lang="de-DE"/>
+          </a:p>
+        </p:txBody>
+      </p:sp>
+    </p:spTree>
+    <p:extLst>
+      <p:ext uri="{BB962C8B-B14F-4D97-AF65-F5344CB8AC3E}">
+        <p14:creationId xmlns:p14="http://schemas.microsoft.com/office/powerpoint/2010/main" val="3952785960"/>
+      </p:ext>
+    </p:extLst>
+  </p:cSld>
+  <p:clrMapOvr>
+    <a:masterClrMapping/>
+  </p:clrMapOvr>
+</p:notes>
 </file>
 
 <file path=ppt/slideLayouts/slideLayout1.xml><?xml version="1.0" encoding="utf-8"?>
@@ -9326,7 +9857,7 @@
     </p:spTree>
     <p:extLst>
       <p:ext uri="{BB962C8B-B14F-4D97-AF65-F5344CB8AC3E}">
-        <p14:creationId xmlns:p14="http://schemas.microsoft.com/office/powerpoint/2010/main" val="4215123839"/>
+        <p14:creationId xmlns:p14="http://schemas.microsoft.com/office/powerpoint/2010/main" val="3902991421"/>
       </p:ext>
     </p:extLst>
   </p:cSld>
@@ -9496,7 +10027,7 @@
     </p:spTree>
     <p:extLst>
       <p:ext uri="{BB962C8B-B14F-4D97-AF65-F5344CB8AC3E}">
-        <p14:creationId xmlns:p14="http://schemas.microsoft.com/office/powerpoint/2010/main" val="3027511686"/>
+        <p14:creationId xmlns:p14="http://schemas.microsoft.com/office/powerpoint/2010/main" val="4027939408"/>
       </p:ext>
     </p:extLst>
   </p:cSld>
@@ -9676,7 +10207,7 @@
     </p:spTree>
     <p:extLst>
       <p:ext uri="{BB962C8B-B14F-4D97-AF65-F5344CB8AC3E}">
-        <p14:creationId xmlns:p14="http://schemas.microsoft.com/office/powerpoint/2010/main" val="1699036727"/>
+        <p14:creationId xmlns:p14="http://schemas.microsoft.com/office/powerpoint/2010/main" val="1805410529"/>
       </p:ext>
     </p:extLst>
   </p:cSld>
@@ -9846,7 +10377,7 @@
     </p:spTree>
     <p:extLst>
       <p:ext uri="{BB962C8B-B14F-4D97-AF65-F5344CB8AC3E}">
-        <p14:creationId xmlns:p14="http://schemas.microsoft.com/office/powerpoint/2010/main" val="1932782535"/>
+        <p14:creationId xmlns:p14="http://schemas.microsoft.com/office/powerpoint/2010/main" val="2274786913"/>
       </p:ext>
     </p:extLst>
   </p:cSld>
@@ -10092,7 +10623,7 @@
     </p:spTree>
     <p:extLst>
       <p:ext uri="{BB962C8B-B14F-4D97-AF65-F5344CB8AC3E}">
-        <p14:creationId xmlns:p14="http://schemas.microsoft.com/office/powerpoint/2010/main" val="3032535666"/>
+        <p14:creationId xmlns:p14="http://schemas.microsoft.com/office/powerpoint/2010/main" val="3216941605"/>
       </p:ext>
     </p:extLst>
   </p:cSld>
@@ -10380,7 +10911,7 @@
     </p:spTree>
     <p:extLst>
       <p:ext uri="{BB962C8B-B14F-4D97-AF65-F5344CB8AC3E}">
-        <p14:creationId xmlns:p14="http://schemas.microsoft.com/office/powerpoint/2010/main" val="3275596036"/>
+        <p14:creationId xmlns:p14="http://schemas.microsoft.com/office/powerpoint/2010/main" val="599087786"/>
       </p:ext>
     </p:extLst>
   </p:cSld>
@@ -10802,7 +11333,7 @@
     </p:spTree>
     <p:extLst>
       <p:ext uri="{BB962C8B-B14F-4D97-AF65-F5344CB8AC3E}">
-        <p14:creationId xmlns:p14="http://schemas.microsoft.com/office/powerpoint/2010/main" val="3972235190"/>
+        <p14:creationId xmlns:p14="http://schemas.microsoft.com/office/powerpoint/2010/main" val="2272584297"/>
       </p:ext>
     </p:extLst>
   </p:cSld>
@@ -10920,7 +11451,7 @@
     </p:spTree>
     <p:extLst>
       <p:ext uri="{BB962C8B-B14F-4D97-AF65-F5344CB8AC3E}">
-        <p14:creationId xmlns:p14="http://schemas.microsoft.com/office/powerpoint/2010/main" val="2369088571"/>
+        <p14:creationId xmlns:p14="http://schemas.microsoft.com/office/powerpoint/2010/main" val="4044011358"/>
       </p:ext>
     </p:extLst>
   </p:cSld>
@@ -11015,7 +11546,7 @@
     </p:spTree>
     <p:extLst>
       <p:ext uri="{BB962C8B-B14F-4D97-AF65-F5344CB8AC3E}">
-        <p14:creationId xmlns:p14="http://schemas.microsoft.com/office/powerpoint/2010/main" val="2172139420"/>
+        <p14:creationId xmlns:p14="http://schemas.microsoft.com/office/powerpoint/2010/main" val="170992904"/>
       </p:ext>
     </p:extLst>
   </p:cSld>
@@ -11292,7 +11823,7 @@
     </p:spTree>
     <p:extLst>
       <p:ext uri="{BB962C8B-B14F-4D97-AF65-F5344CB8AC3E}">
-        <p14:creationId xmlns:p14="http://schemas.microsoft.com/office/powerpoint/2010/main" val="1342819568"/>
+        <p14:creationId xmlns:p14="http://schemas.microsoft.com/office/powerpoint/2010/main" val="1035392376"/>
       </p:ext>
     </p:extLst>
   </p:cSld>
@@ -11545,7 +12076,7 @@
     </p:spTree>
     <p:extLst>
       <p:ext uri="{BB962C8B-B14F-4D97-AF65-F5344CB8AC3E}">
-        <p14:creationId xmlns:p14="http://schemas.microsoft.com/office/powerpoint/2010/main" val="2815452724"/>
+        <p14:creationId xmlns:p14="http://schemas.microsoft.com/office/powerpoint/2010/main" val="1327038932"/>
       </p:ext>
     </p:extLst>
   </p:cSld>
@@ -11794,23 +12325,23 @@
     </p:spTree>
     <p:extLst>
       <p:ext uri="{BB962C8B-B14F-4D97-AF65-F5344CB8AC3E}">
-        <p14:creationId xmlns:p14="http://schemas.microsoft.com/office/powerpoint/2010/main" val="3499880763"/>
+        <p14:creationId xmlns:p14="http://schemas.microsoft.com/office/powerpoint/2010/main" val="229860505"/>
       </p:ext>
     </p:extLst>
   </p:cSld>
   <p:clrMap bg1="lt1" tx1="dk1" bg2="lt2" tx2="dk2" accent1="accent1" accent2="accent2" accent3="accent3" accent4="accent4" accent5="accent5" accent6="accent6" hlink="hlink" folHlink="folHlink"/>
   <p:sldLayoutIdLst>
-    <p:sldLayoutId id="2147483649" r:id="rId1"/>
-    <p:sldLayoutId id="2147483650" r:id="rId2"/>
-    <p:sldLayoutId id="2147483651" r:id="rId3"/>
-    <p:sldLayoutId id="2147483652" r:id="rId4"/>
-    <p:sldLayoutId id="2147483653" r:id="rId5"/>
-    <p:sldLayoutId id="2147483654" r:id="rId6"/>
-    <p:sldLayoutId id="2147483655" r:id="rId7"/>
-    <p:sldLayoutId id="2147483656" r:id="rId8"/>
-    <p:sldLayoutId id="2147483657" r:id="rId9"/>
-    <p:sldLayoutId id="2147483658" r:id="rId10"/>
-    <p:sldLayoutId id="2147483659" r:id="rId11"/>
+    <p:sldLayoutId id="2147483740" r:id="rId1"/>
+    <p:sldLayoutId id="2147483741" r:id="rId2"/>
+    <p:sldLayoutId id="2147483742" r:id="rId3"/>
+    <p:sldLayoutId id="2147483743" r:id="rId4"/>
+    <p:sldLayoutId id="2147483744" r:id="rId5"/>
+    <p:sldLayoutId id="2147483745" r:id="rId6"/>
+    <p:sldLayoutId id="2147483746" r:id="rId7"/>
+    <p:sldLayoutId id="2147483747" r:id="rId8"/>
+    <p:sldLayoutId id="2147483748" r:id="rId9"/>
+    <p:sldLayoutId id="2147483749" r:id="rId10"/>
+    <p:sldLayoutId id="2147483750" r:id="rId11"/>
   </p:sldLayoutIdLst>
   <p:txStyles>
     <p:titleStyle>
@@ -12094,10 +12625,35 @@
         </p:nvSpPr>
         <p:spPr/>
         <p:txBody>
-          <a:bodyPr/>
+          <a:bodyPr>
+            <a:normAutofit fontScale="90000"/>
+          </a:bodyPr>
           <a:lstStyle/>
           <a:p>
-            <a:endParaRPr lang="de-DE"/>
+            <a:r>
+              <a:rPr lang="en-GB" dirty="0" smtClean="0">
+                <a:effectLst/>
+              </a:rPr>
+              <a:t>Reliable UDP and Circular DHT implementation for the </a:t>
+            </a:r>
+            <a:r>
+              <a:rPr lang="en-GB" dirty="0" err="1" smtClean="0">
+                <a:effectLst/>
+              </a:rPr>
+              <a:t>MediaSense</a:t>
+            </a:r>
+            <a:r>
+              <a:rPr lang="en-GB" dirty="0" smtClean="0">
+                <a:effectLst/>
+              </a:rPr>
+              <a:t> Open-Source Platform</a:t>
+            </a:r>
+            <a:br>
+              <a:rPr lang="en-GB" dirty="0" smtClean="0">
+                <a:effectLst/>
+              </a:rPr>
+            </a:br>
+            <a:endParaRPr lang="de-DE" dirty="0"/>
           </a:p>
         </p:txBody>
       </p:sp>
@@ -12113,10 +12669,22 @@
         </p:nvSpPr>
         <p:spPr/>
         <p:txBody>
-          <a:bodyPr/>
+          <a:bodyPr>
+            <a:normAutofit/>
+          </a:bodyPr>
           <a:lstStyle/>
           <a:p>
-            <a:endParaRPr lang="de-DE"/>
+            <a:r>
+              <a:rPr lang="de-DE" dirty="0" smtClean="0"/>
+              <a:t>Bachelor Thesis, Computer Science 2012</a:t>
+            </a:r>
+          </a:p>
+          <a:p>
+            <a:r>
+              <a:rPr lang="de-DE" dirty="0" smtClean="0"/>
+              <a:t>Florian Rüter, Timo Schröder</a:t>
+            </a:r>
+            <a:endParaRPr lang="de-DE" dirty="0"/>
           </a:p>
         </p:txBody>
       </p:sp>
@@ -12140,7 +12708,7 @@
 </p:sld>
 </file>
 
-<file path=ppt/slides/slide2.xml><?xml version="1.0" encoding="utf-8"?>
+<file path=ppt/slides/slide10.xml><?xml version="1.0" encoding="utf-8"?>
 <p:sld xmlns:a="http://schemas.openxmlformats.org/drawingml/2006/main" xmlns:r="http://schemas.openxmlformats.org/officeDocument/2006/relationships" xmlns:p="http://schemas.openxmlformats.org/presentationml/2006/main">
   <p:cSld>
     <p:spTree>
@@ -12172,7 +12740,7 @@
           <a:bodyPr/>
           <a:lstStyle/>
           <a:p>
-            <a:endParaRPr lang="de-DE"/>
+            <a:endParaRPr lang="de-DE" dirty="0"/>
           </a:p>
         </p:txBody>
       </p:sp>
@@ -12434,7 +13002,7 @@
 </p:sld>
 </file>
 
-<file path=ppt/slides/slide3.xml><?xml version="1.0" encoding="utf-8"?>
+<file path=ppt/slides/slide11.xml><?xml version="1.0" encoding="utf-8"?>
 <p:sld xmlns:a="http://schemas.openxmlformats.org/drawingml/2006/main" xmlns:r="http://schemas.openxmlformats.org/officeDocument/2006/relationships" xmlns:p="http://schemas.openxmlformats.org/presentationml/2006/main">
   <p:cSld>
     <p:spTree>
@@ -12779,7 +13347,7 @@
       </p:par>
     </p:tnLst>
     <p:bldLst>
-      <p:bldGraphic spid="4" grpId="0" uiExpand="1">
+      <p:bldGraphic spid="4" grpId="0">
         <p:bldSub>
           <a:bldChart bld="series"/>
         </p:bldSub>
@@ -12789,7 +13357,7 @@
 </p:sld>
 </file>
 
-<file path=ppt/slides/slide4.xml><?xml version="1.0" encoding="utf-8"?>
+<file path=ppt/slides/slide12.xml><?xml version="1.0" encoding="utf-8"?>
 <p:sld xmlns:a="http://schemas.openxmlformats.org/drawingml/2006/main" xmlns:r="http://schemas.openxmlformats.org/officeDocument/2006/relationships" xmlns:p="http://schemas.openxmlformats.org/presentationml/2006/main">
   <p:cSld>
     <p:spTree>
@@ -13083,7 +13651,7 @@
 </p:sld>
 </file>
 
-<file path=ppt/slides/slide5.xml><?xml version="1.0" encoding="utf-8"?>
+<file path=ppt/slides/slide13.xml><?xml version="1.0" encoding="utf-8"?>
 <p:sld xmlns:a="http://schemas.openxmlformats.org/drawingml/2006/main" xmlns:r="http://schemas.openxmlformats.org/officeDocument/2006/relationships" xmlns:p="http://schemas.openxmlformats.org/presentationml/2006/main">
   <p:cSld>
     <p:spTree>
@@ -13312,6 +13880,7268 @@
         </p:bldSub>
       </p:bldGraphic>
     </p:bldLst>
+  </p:timing>
+</p:sld>
+</file>
+
+<file path=ppt/slides/slide2.xml><?xml version="1.0" encoding="utf-8"?>
+<p:sld xmlns:a="http://schemas.openxmlformats.org/drawingml/2006/main" xmlns:r="http://schemas.openxmlformats.org/officeDocument/2006/relationships" xmlns:p="http://schemas.openxmlformats.org/presentationml/2006/main">
+  <p:cSld>
+    <p:spTree>
+      <p:nvGrpSpPr>
+        <p:cNvPr id="1" name=""/>
+        <p:cNvGrpSpPr/>
+        <p:nvPr/>
+      </p:nvGrpSpPr>
+      <p:grpSpPr>
+        <a:xfrm>
+          <a:off x="0" y="0"/>
+          <a:ext cx="0" cy="0"/>
+          <a:chOff x="0" y="0"/>
+          <a:chExt cx="0" cy="0"/>
+        </a:xfrm>
+      </p:grpSpPr>
+      <p:sp>
+        <p:nvSpPr>
+          <p:cNvPr id="2" name="Titel 1"/>
+          <p:cNvSpPr>
+            <a:spLocks noGrp="1"/>
+          </p:cNvSpPr>
+          <p:nvPr>
+            <p:ph type="title"/>
+          </p:nvPr>
+        </p:nvSpPr>
+        <p:spPr/>
+        <p:txBody>
+          <a:bodyPr/>
+          <a:lstStyle/>
+          <a:p>
+            <a:r>
+              <a:rPr lang="de-DE" dirty="0" smtClean="0"/>
+              <a:t>Background</a:t>
+            </a:r>
+            <a:endParaRPr lang="de-DE" dirty="0"/>
+          </a:p>
+        </p:txBody>
+      </p:sp>
+      <p:sp>
+        <p:nvSpPr>
+          <p:cNvPr id="3" name="Inhaltsplatzhalter 2"/>
+          <p:cNvSpPr>
+            <a:spLocks noGrp="1"/>
+          </p:cNvSpPr>
+          <p:nvPr>
+            <p:ph idx="1"/>
+          </p:nvPr>
+        </p:nvSpPr>
+        <p:spPr/>
+        <p:txBody>
+          <a:bodyPr/>
+          <a:lstStyle/>
+          <a:p>
+            <a:r>
+              <a:rPr lang="de-DE" dirty="0" smtClean="0"/>
+              <a:t>Internet-</a:t>
+            </a:r>
+            <a:r>
+              <a:rPr lang="de-DE" dirty="0" err="1" smtClean="0"/>
+              <a:t>of</a:t>
+            </a:r>
+            <a:r>
+              <a:rPr lang="de-DE" dirty="0" smtClean="0"/>
+              <a:t>-</a:t>
+            </a:r>
+            <a:r>
+              <a:rPr lang="de-DE" dirty="0"/>
+              <a:t>T</a:t>
+            </a:r>
+            <a:r>
+              <a:rPr lang="de-DE" dirty="0" smtClean="0"/>
+              <a:t>hings </a:t>
+            </a:r>
+            <a:r>
+              <a:rPr lang="de-DE" dirty="0" err="1" smtClean="0"/>
+              <a:t>explanation</a:t>
+            </a:r>
+            <a:endParaRPr lang="de-DE" dirty="0"/>
+          </a:p>
+        </p:txBody>
+      </p:sp>
+    </p:spTree>
+    <p:extLst>
+      <p:ext uri="{BB962C8B-B14F-4D97-AF65-F5344CB8AC3E}">
+        <p14:creationId xmlns:p14="http://schemas.microsoft.com/office/powerpoint/2010/main" val="1479522170"/>
+      </p:ext>
+    </p:extLst>
+  </p:cSld>
+  <p:clrMapOvr>
+    <a:masterClrMapping/>
+  </p:clrMapOvr>
+  <p:timing>
+    <p:tnLst>
+      <p:par>
+        <p:cTn xmlns:p14="http://schemas.microsoft.com/office/powerpoint/2010/main" id="1" dur="indefinite" restart="never" nodeType="tmRoot"/>
+      </p:par>
+    </p:tnLst>
+  </p:timing>
+</p:sld>
+</file>
+
+<file path=ppt/slides/slide3.xml><?xml version="1.0" encoding="utf-8"?>
+<p:sld xmlns:a="http://schemas.openxmlformats.org/drawingml/2006/main" xmlns:r="http://schemas.openxmlformats.org/officeDocument/2006/relationships" xmlns:p="http://schemas.openxmlformats.org/presentationml/2006/main">
+  <p:cSld>
+    <p:spTree>
+      <p:nvGrpSpPr>
+        <p:cNvPr id="1" name=""/>
+        <p:cNvGrpSpPr/>
+        <p:nvPr/>
+      </p:nvGrpSpPr>
+      <p:grpSpPr>
+        <a:xfrm>
+          <a:off x="0" y="0"/>
+          <a:ext cx="0" cy="0"/>
+          <a:chOff x="0" y="0"/>
+          <a:chExt cx="0" cy="0"/>
+        </a:xfrm>
+      </p:grpSpPr>
+      <p:sp>
+        <p:nvSpPr>
+          <p:cNvPr id="2" name="Titel 1"/>
+          <p:cNvSpPr>
+            <a:spLocks noGrp="1"/>
+          </p:cNvSpPr>
+          <p:nvPr>
+            <p:ph type="title"/>
+          </p:nvPr>
+        </p:nvSpPr>
+        <p:spPr/>
+        <p:txBody>
+          <a:bodyPr>
+            <a:normAutofit/>
+          </a:bodyPr>
+          <a:lstStyle/>
+          <a:p>
+            <a:r>
+              <a:rPr lang="en-GB" dirty="0" smtClean="0"/>
+              <a:t>Methodology</a:t>
+            </a:r>
+            <a:endParaRPr lang="en-GB" dirty="0"/>
+          </a:p>
+        </p:txBody>
+      </p:sp>
+      <p:pic>
+        <p:nvPicPr>
+          <p:cNvPr id="8" name="Inhaltsplatzhalter 7" descr="KopievonImplementation.png"/>
+          <p:cNvPicPr>
+            <a:picLocks noGrp="1" noChangeAspect="1"/>
+          </p:cNvPicPr>
+          <p:nvPr>
+            <p:ph idx="1"/>
+          </p:nvPr>
+        </p:nvPicPr>
+        <p:blipFill>
+          <a:blip r:embed="rId2">
+            <a:extLst>
+              <a:ext uri="{28A0092B-C50C-407E-A947-70E740481C1C}">
+                <a14:useLocalDpi xmlns:a14="http://schemas.microsoft.com/office/drawing/2010/main" val="0"/>
+              </a:ext>
+            </a:extLst>
+          </a:blip>
+          <a:srcRect l="-6846" r="-6846"/>
+          <a:stretch>
+            <a:fillRect/>
+          </a:stretch>
+        </p:blipFill>
+        <p:spPr/>
+      </p:pic>
+    </p:spTree>
+    <p:extLst>
+      <p:ext uri="{BB962C8B-B14F-4D97-AF65-F5344CB8AC3E}">
+        <p14:creationId xmlns:p14="http://schemas.microsoft.com/office/powerpoint/2010/main" val="635764044"/>
+      </p:ext>
+    </p:extLst>
+  </p:cSld>
+  <p:clrMapOvr>
+    <a:masterClrMapping/>
+  </p:clrMapOvr>
+  <p:timing>
+    <p:tnLst>
+      <p:par>
+        <p:cTn xmlns:p14="http://schemas.microsoft.com/office/powerpoint/2010/main" id="1" dur="indefinite" restart="never" nodeType="tmRoot"/>
+      </p:par>
+    </p:tnLst>
+  </p:timing>
+</p:sld>
+</file>
+
+<file path=ppt/slides/slide4.xml><?xml version="1.0" encoding="utf-8"?>
+<p:sld xmlns:a="http://schemas.openxmlformats.org/drawingml/2006/main" xmlns:r="http://schemas.openxmlformats.org/officeDocument/2006/relationships" xmlns:p="http://schemas.openxmlformats.org/presentationml/2006/main">
+  <p:cSld>
+    <p:spTree>
+      <p:nvGrpSpPr>
+        <p:cNvPr id="1" name=""/>
+        <p:cNvGrpSpPr/>
+        <p:nvPr/>
+      </p:nvGrpSpPr>
+      <p:grpSpPr>
+        <a:xfrm>
+          <a:off x="0" y="0"/>
+          <a:ext cx="0" cy="0"/>
+          <a:chOff x="0" y="0"/>
+          <a:chExt cx="0" cy="0"/>
+        </a:xfrm>
+      </p:grpSpPr>
+      <p:sp>
+        <p:nvSpPr>
+          <p:cNvPr id="4" name="Oval 3"/>
+          <p:cNvSpPr/>
+          <p:nvPr/>
+        </p:nvSpPr>
+        <p:spPr>
+          <a:xfrm rot="12360000">
+            <a:off x="2588932" y="1821375"/>
+            <a:ext cx="3751132" cy="3751132"/>
+          </a:xfrm>
+          <a:prstGeom prst="ellipse">
+            <a:avLst/>
+          </a:prstGeom>
+          <a:noFill/>
+        </p:spPr>
+        <p:style>
+          <a:lnRef idx="1">
+            <a:schemeClr val="accent1"/>
+          </a:lnRef>
+          <a:fillRef idx="3">
+            <a:schemeClr val="accent1"/>
+          </a:fillRef>
+          <a:effectRef idx="2">
+            <a:schemeClr val="accent1"/>
+          </a:effectRef>
+          <a:fontRef idx="minor">
+            <a:schemeClr val="lt1"/>
+          </a:fontRef>
+        </p:style>
+        <p:txBody>
+          <a:bodyPr rtlCol="0" anchor="ctr"/>
+          <a:lstStyle/>
+          <a:p>
+            <a:pPr algn="ctr"/>
+            <a:r>
+              <a:rPr lang="de-DE" dirty="0" smtClean="0"/>
+              <a:t>&lt;</a:t>
+            </a:r>
+            <a:endParaRPr lang="de-DE" dirty="0"/>
+          </a:p>
+        </p:txBody>
+      </p:sp>
+      <p:grpSp>
+        <p:nvGrpSpPr>
+          <p:cNvPr id="70" name="Gruppierung 69"/>
+          <p:cNvGrpSpPr/>
+          <p:nvPr/>
+        </p:nvGrpSpPr>
+        <p:grpSpPr>
+          <a:xfrm>
+            <a:off x="3551274" y="1785229"/>
+            <a:ext cx="290727" cy="369332"/>
+            <a:chOff x="3551274" y="1785229"/>
+            <a:chExt cx="290727" cy="369332"/>
+          </a:xfrm>
+        </p:grpSpPr>
+        <p:sp>
+          <p:nvSpPr>
+            <p:cNvPr id="26" name="Oval 25"/>
+            <p:cNvSpPr/>
+            <p:nvPr/>
+          </p:nvSpPr>
+          <p:spPr>
+            <a:xfrm rot="20280000">
+              <a:off x="3565110" y="1863389"/>
+              <a:ext cx="265828" cy="265828"/>
+            </a:xfrm>
+            <a:prstGeom prst="ellipse">
+              <a:avLst/>
+            </a:prstGeom>
+          </p:spPr>
+          <p:style>
+            <a:lnRef idx="1">
+              <a:schemeClr val="accent1"/>
+            </a:lnRef>
+            <a:fillRef idx="3">
+              <a:schemeClr val="accent1"/>
+            </a:fillRef>
+            <a:effectRef idx="2">
+              <a:schemeClr val="accent1"/>
+            </a:effectRef>
+            <a:fontRef idx="minor">
+              <a:schemeClr val="lt1"/>
+            </a:fontRef>
+          </p:style>
+          <p:txBody>
+            <a:bodyPr rtlCol="0" anchor="ctr"/>
+            <a:lstStyle/>
+            <a:p>
+              <a:pPr algn="ctr"/>
+              <a:endParaRPr lang="de-DE" dirty="0"/>
+            </a:p>
+          </p:txBody>
+        </p:sp>
+        <p:sp>
+          <p:nvSpPr>
+            <p:cNvPr id="54" name="Textfeld 53"/>
+            <p:cNvSpPr txBox="1"/>
+            <p:nvPr/>
+          </p:nvSpPr>
+          <p:spPr>
+            <a:xfrm>
+              <a:off x="3551274" y="1785229"/>
+              <a:ext cx="290727" cy="369332"/>
+            </a:xfrm>
+            <a:prstGeom prst="rect">
+              <a:avLst/>
+            </a:prstGeom>
+            <a:noFill/>
+          </p:spPr>
+          <p:txBody>
+            <a:bodyPr wrap="none" rtlCol="0">
+              <a:spAutoFit/>
+            </a:bodyPr>
+            <a:lstStyle/>
+            <a:p>
+              <a:r>
+                <a:rPr lang="de-DE" dirty="0"/>
+                <a:t>F</a:t>
+              </a:r>
+              <a:endParaRPr lang="de-DE" dirty="0" smtClean="0"/>
+            </a:p>
+          </p:txBody>
+        </p:sp>
+      </p:grpSp>
+      <p:grpSp>
+        <p:nvGrpSpPr>
+          <p:cNvPr id="91" name="Gruppierung 90"/>
+          <p:cNvGrpSpPr/>
+          <p:nvPr/>
+        </p:nvGrpSpPr>
+        <p:grpSpPr>
+          <a:xfrm>
+            <a:off x="3555964" y="1783414"/>
+            <a:ext cx="297377" cy="369332"/>
+            <a:chOff x="3878087" y="4401311"/>
+            <a:chExt cx="297377" cy="369332"/>
+          </a:xfrm>
+        </p:grpSpPr>
+        <p:sp>
+          <p:nvSpPr>
+            <p:cNvPr id="92" name="Oval 91"/>
+            <p:cNvSpPr/>
+            <p:nvPr/>
+          </p:nvSpPr>
+          <p:spPr>
+            <a:xfrm rot="20280000">
+              <a:off x="3891923" y="4479471"/>
+              <a:ext cx="265828" cy="265828"/>
+            </a:xfrm>
+            <a:prstGeom prst="ellipse">
+              <a:avLst/>
+            </a:prstGeom>
+          </p:spPr>
+          <p:style>
+            <a:lnRef idx="1">
+              <a:schemeClr val="accent3"/>
+            </a:lnRef>
+            <a:fillRef idx="3">
+              <a:schemeClr val="accent3"/>
+            </a:fillRef>
+            <a:effectRef idx="2">
+              <a:schemeClr val="accent3"/>
+            </a:effectRef>
+            <a:fontRef idx="minor">
+              <a:schemeClr val="lt1"/>
+            </a:fontRef>
+          </p:style>
+          <p:txBody>
+            <a:bodyPr rtlCol="0" anchor="ctr"/>
+            <a:lstStyle/>
+            <a:p>
+              <a:pPr algn="ctr"/>
+              <a:endParaRPr lang="de-DE" dirty="0"/>
+            </a:p>
+          </p:txBody>
+        </p:sp>
+        <p:sp>
+          <p:nvSpPr>
+            <p:cNvPr id="93" name="Textfeld 92"/>
+            <p:cNvSpPr txBox="1"/>
+            <p:nvPr/>
+          </p:nvSpPr>
+          <p:spPr>
+            <a:xfrm>
+              <a:off x="3878087" y="4401311"/>
+              <a:ext cx="297377" cy="369332"/>
+            </a:xfrm>
+            <a:prstGeom prst="rect">
+              <a:avLst/>
+            </a:prstGeom>
+            <a:noFill/>
+          </p:spPr>
+          <p:txBody>
+            <a:bodyPr wrap="none" rtlCol="0">
+              <a:spAutoFit/>
+            </a:bodyPr>
+            <a:lstStyle/>
+            <a:p>
+              <a:r>
+                <a:rPr lang="de-DE" dirty="0" smtClean="0"/>
+                <a:t>F</a:t>
+              </a:r>
+            </a:p>
+          </p:txBody>
+        </p:sp>
+      </p:grpSp>
+      <p:grpSp>
+        <p:nvGrpSpPr>
+          <p:cNvPr id="65" name="Gruppierung 64"/>
+          <p:cNvGrpSpPr/>
+          <p:nvPr/>
+        </p:nvGrpSpPr>
+        <p:grpSpPr>
+          <a:xfrm>
+            <a:off x="2929535" y="4764847"/>
+            <a:ext cx="318229" cy="369332"/>
+            <a:chOff x="2929535" y="4764847"/>
+            <a:chExt cx="318229" cy="369332"/>
+          </a:xfrm>
+        </p:grpSpPr>
+        <p:sp>
+          <p:nvSpPr>
+            <p:cNvPr id="14" name="Oval 13"/>
+            <p:cNvSpPr/>
+            <p:nvPr/>
+          </p:nvSpPr>
+          <p:spPr>
+            <a:xfrm rot="13680000">
+              <a:off x="2958021" y="4834288"/>
+              <a:ext cx="265828" cy="265828"/>
+            </a:xfrm>
+            <a:prstGeom prst="ellipse">
+              <a:avLst/>
+            </a:prstGeom>
+          </p:spPr>
+          <p:style>
+            <a:lnRef idx="1">
+              <a:schemeClr val="accent1"/>
+            </a:lnRef>
+            <a:fillRef idx="3">
+              <a:schemeClr val="accent1"/>
+            </a:fillRef>
+            <a:effectRef idx="2">
+              <a:schemeClr val="accent1"/>
+            </a:effectRef>
+            <a:fontRef idx="minor">
+              <a:schemeClr val="lt1"/>
+            </a:fontRef>
+          </p:style>
+          <p:txBody>
+            <a:bodyPr rtlCol="0" anchor="ctr"/>
+            <a:lstStyle/>
+            <a:p>
+              <a:pPr algn="ctr"/>
+              <a:endParaRPr lang="de-DE"/>
+            </a:p>
+          </p:txBody>
+        </p:sp>
+        <p:sp>
+          <p:nvSpPr>
+            <p:cNvPr id="49" name="Textfeld 48"/>
+            <p:cNvSpPr txBox="1"/>
+            <p:nvPr/>
+          </p:nvSpPr>
+          <p:spPr>
+            <a:xfrm>
+              <a:off x="2929535" y="4764847"/>
+              <a:ext cx="318229" cy="369332"/>
+            </a:xfrm>
+            <a:prstGeom prst="rect">
+              <a:avLst/>
+            </a:prstGeom>
+            <a:noFill/>
+          </p:spPr>
+          <p:txBody>
+            <a:bodyPr wrap="none" rtlCol="0">
+              <a:spAutoFit/>
+            </a:bodyPr>
+            <a:lstStyle/>
+            <a:p>
+              <a:r>
+                <a:rPr lang="de-DE" dirty="0" smtClean="0"/>
+                <a:t>A</a:t>
+              </a:r>
+            </a:p>
+          </p:txBody>
+        </p:sp>
+      </p:grpSp>
+      <p:grpSp>
+        <p:nvGrpSpPr>
+          <p:cNvPr id="94" name="Gruppierung 93"/>
+          <p:cNvGrpSpPr/>
+          <p:nvPr/>
+        </p:nvGrpSpPr>
+        <p:grpSpPr>
+          <a:xfrm>
+            <a:off x="2940875" y="4762895"/>
+            <a:ext cx="318229" cy="369332"/>
+            <a:chOff x="3878087" y="4401311"/>
+            <a:chExt cx="318229" cy="369332"/>
+          </a:xfrm>
+        </p:grpSpPr>
+        <p:sp>
+          <p:nvSpPr>
+            <p:cNvPr id="95" name="Oval 94"/>
+            <p:cNvSpPr/>
+            <p:nvPr/>
+          </p:nvSpPr>
+          <p:spPr>
+            <a:xfrm rot="20280000">
+              <a:off x="3891923" y="4479471"/>
+              <a:ext cx="265828" cy="265828"/>
+            </a:xfrm>
+            <a:prstGeom prst="ellipse">
+              <a:avLst/>
+            </a:prstGeom>
+          </p:spPr>
+          <p:style>
+            <a:lnRef idx="1">
+              <a:schemeClr val="accent3"/>
+            </a:lnRef>
+            <a:fillRef idx="3">
+              <a:schemeClr val="accent3"/>
+            </a:fillRef>
+            <a:effectRef idx="2">
+              <a:schemeClr val="accent3"/>
+            </a:effectRef>
+            <a:fontRef idx="minor">
+              <a:schemeClr val="lt1"/>
+            </a:fontRef>
+          </p:style>
+          <p:txBody>
+            <a:bodyPr rtlCol="0" anchor="ctr"/>
+            <a:lstStyle/>
+            <a:p>
+              <a:pPr algn="ctr"/>
+              <a:endParaRPr lang="de-DE" dirty="0"/>
+            </a:p>
+          </p:txBody>
+        </p:sp>
+        <p:sp>
+          <p:nvSpPr>
+            <p:cNvPr id="96" name="Textfeld 95"/>
+            <p:cNvSpPr txBox="1"/>
+            <p:nvPr/>
+          </p:nvSpPr>
+          <p:spPr>
+            <a:xfrm>
+              <a:off x="3878087" y="4401311"/>
+              <a:ext cx="318229" cy="369332"/>
+            </a:xfrm>
+            <a:prstGeom prst="rect">
+              <a:avLst/>
+            </a:prstGeom>
+            <a:noFill/>
+          </p:spPr>
+          <p:txBody>
+            <a:bodyPr wrap="none" rtlCol="0">
+              <a:spAutoFit/>
+            </a:bodyPr>
+            <a:lstStyle/>
+            <a:p>
+              <a:r>
+                <a:rPr lang="de-DE" dirty="0" smtClean="0"/>
+                <a:t>A</a:t>
+              </a:r>
+              <a:endParaRPr lang="de-DE" dirty="0" smtClean="0"/>
+            </a:p>
+          </p:txBody>
+        </p:sp>
+      </p:grpSp>
+      <p:grpSp>
+        <p:nvGrpSpPr>
+          <p:cNvPr id="62" name="Gruppierung 61"/>
+          <p:cNvGrpSpPr/>
+          <p:nvPr/>
+        </p:nvGrpSpPr>
+        <p:grpSpPr>
+          <a:xfrm>
+            <a:off x="5122810" y="5185447"/>
+            <a:ext cx="301660" cy="369332"/>
+            <a:chOff x="5122810" y="5185447"/>
+            <a:chExt cx="301660" cy="369332"/>
+          </a:xfrm>
+        </p:grpSpPr>
+        <p:sp>
+          <p:nvSpPr>
+            <p:cNvPr id="32" name="Oval 31"/>
+            <p:cNvSpPr/>
+            <p:nvPr/>
+          </p:nvSpPr>
+          <p:spPr>
+            <a:xfrm rot="12360000">
+              <a:off x="5138614" y="5249774"/>
+              <a:ext cx="265828" cy="265828"/>
+            </a:xfrm>
+            <a:prstGeom prst="ellipse">
+              <a:avLst/>
+            </a:prstGeom>
+          </p:spPr>
+          <p:style>
+            <a:lnRef idx="1">
+              <a:schemeClr val="accent1"/>
+            </a:lnRef>
+            <a:fillRef idx="3">
+              <a:schemeClr val="accent1"/>
+            </a:fillRef>
+            <a:effectRef idx="2">
+              <a:schemeClr val="accent1"/>
+            </a:effectRef>
+            <a:fontRef idx="minor">
+              <a:schemeClr val="lt1"/>
+            </a:fontRef>
+          </p:style>
+          <p:txBody>
+            <a:bodyPr rtlCol="0" anchor="ctr"/>
+            <a:lstStyle/>
+            <a:p>
+              <a:pPr algn="ctr"/>
+              <a:endParaRPr lang="de-DE"/>
+            </a:p>
+          </p:txBody>
+        </p:sp>
+        <p:sp>
+          <p:nvSpPr>
+            <p:cNvPr id="46" name="Textfeld 45"/>
+            <p:cNvSpPr txBox="1"/>
+            <p:nvPr/>
+          </p:nvSpPr>
+          <p:spPr>
+            <a:xfrm>
+              <a:off x="5122810" y="5185447"/>
+              <a:ext cx="301660" cy="369332"/>
+            </a:xfrm>
+            <a:prstGeom prst="rect">
+              <a:avLst/>
+            </a:prstGeom>
+            <a:noFill/>
+          </p:spPr>
+          <p:txBody>
+            <a:bodyPr wrap="none" rtlCol="0">
+              <a:spAutoFit/>
+            </a:bodyPr>
+            <a:lstStyle/>
+            <a:p>
+              <a:r>
+                <a:rPr lang="de-DE" dirty="0" smtClean="0"/>
+                <a:t>7</a:t>
+              </a:r>
+            </a:p>
+          </p:txBody>
+        </p:sp>
+      </p:grpSp>
+      <p:grpSp>
+        <p:nvGrpSpPr>
+          <p:cNvPr id="90" name="Gruppierung 89"/>
+          <p:cNvGrpSpPr/>
+          <p:nvPr/>
+        </p:nvGrpSpPr>
+        <p:grpSpPr>
+          <a:xfrm>
+            <a:off x="5117714" y="5162123"/>
+            <a:ext cx="301660" cy="369332"/>
+            <a:chOff x="3878087" y="4401311"/>
+            <a:chExt cx="301660" cy="369332"/>
+          </a:xfrm>
+        </p:grpSpPr>
+        <p:sp>
+          <p:nvSpPr>
+            <p:cNvPr id="88" name="Oval 87"/>
+            <p:cNvSpPr/>
+            <p:nvPr/>
+          </p:nvSpPr>
+          <p:spPr>
+            <a:xfrm rot="20280000">
+              <a:off x="3891923" y="4479471"/>
+              <a:ext cx="265828" cy="265828"/>
+            </a:xfrm>
+            <a:prstGeom prst="ellipse">
+              <a:avLst/>
+            </a:prstGeom>
+          </p:spPr>
+          <p:style>
+            <a:lnRef idx="1">
+              <a:schemeClr val="accent3"/>
+            </a:lnRef>
+            <a:fillRef idx="3">
+              <a:schemeClr val="accent3"/>
+            </a:fillRef>
+            <a:effectRef idx="2">
+              <a:schemeClr val="accent3"/>
+            </a:effectRef>
+            <a:fontRef idx="minor">
+              <a:schemeClr val="lt1"/>
+            </a:fontRef>
+          </p:style>
+          <p:txBody>
+            <a:bodyPr rtlCol="0" anchor="ctr"/>
+            <a:lstStyle/>
+            <a:p>
+              <a:pPr algn="ctr"/>
+              <a:endParaRPr lang="de-DE" dirty="0"/>
+            </a:p>
+          </p:txBody>
+        </p:sp>
+        <p:sp>
+          <p:nvSpPr>
+            <p:cNvPr id="89" name="Textfeld 88"/>
+            <p:cNvSpPr txBox="1"/>
+            <p:nvPr/>
+          </p:nvSpPr>
+          <p:spPr>
+            <a:xfrm>
+              <a:off x="3878087" y="4401311"/>
+              <a:ext cx="301660" cy="369332"/>
+            </a:xfrm>
+            <a:prstGeom prst="rect">
+              <a:avLst/>
+            </a:prstGeom>
+            <a:noFill/>
+          </p:spPr>
+          <p:txBody>
+            <a:bodyPr wrap="none" rtlCol="0">
+              <a:spAutoFit/>
+            </a:bodyPr>
+            <a:lstStyle/>
+            <a:p>
+              <a:r>
+                <a:rPr lang="de-DE" dirty="0" smtClean="0"/>
+                <a:t>7</a:t>
+              </a:r>
+              <a:endParaRPr lang="de-DE" dirty="0" smtClean="0"/>
+            </a:p>
+          </p:txBody>
+        </p:sp>
+      </p:grpSp>
+      <p:grpSp>
+        <p:nvGrpSpPr>
+          <p:cNvPr id="55" name="Gruppierung 54"/>
+          <p:cNvGrpSpPr/>
+          <p:nvPr/>
+        </p:nvGrpSpPr>
+        <p:grpSpPr>
+          <a:xfrm>
+            <a:off x="4311988" y="1600563"/>
+            <a:ext cx="301660" cy="369332"/>
+            <a:chOff x="4311988" y="1600563"/>
+            <a:chExt cx="301660" cy="369332"/>
+          </a:xfrm>
+        </p:grpSpPr>
+        <p:sp>
+          <p:nvSpPr>
+            <p:cNvPr id="28" name="Oval 27"/>
+            <p:cNvSpPr/>
+            <p:nvPr/>
+          </p:nvSpPr>
+          <p:spPr>
+            <a:xfrm>
+              <a:off x="4332879" y="1673213"/>
+              <a:ext cx="265828" cy="265828"/>
+            </a:xfrm>
+            <a:prstGeom prst="ellipse">
+              <a:avLst/>
+            </a:prstGeom>
+          </p:spPr>
+          <p:style>
+            <a:lnRef idx="1">
+              <a:schemeClr val="accent1"/>
+            </a:lnRef>
+            <a:fillRef idx="3">
+              <a:schemeClr val="accent1"/>
+            </a:fillRef>
+            <a:effectRef idx="2">
+              <a:schemeClr val="accent1"/>
+            </a:effectRef>
+            <a:fontRef idx="minor">
+              <a:schemeClr val="lt1"/>
+            </a:fontRef>
+          </p:style>
+          <p:txBody>
+            <a:bodyPr rtlCol="0" anchor="ctr"/>
+            <a:lstStyle/>
+            <a:p>
+              <a:pPr algn="ctr"/>
+              <a:endParaRPr lang="de-DE" dirty="0"/>
+            </a:p>
+          </p:txBody>
+        </p:sp>
+        <p:sp>
+          <p:nvSpPr>
+            <p:cNvPr id="38" name="Textfeld 37"/>
+            <p:cNvSpPr txBox="1"/>
+            <p:nvPr/>
+          </p:nvSpPr>
+          <p:spPr>
+            <a:xfrm>
+              <a:off x="4311988" y="1600563"/>
+              <a:ext cx="301660" cy="369332"/>
+            </a:xfrm>
+            <a:prstGeom prst="rect">
+              <a:avLst/>
+            </a:prstGeom>
+            <a:noFill/>
+          </p:spPr>
+          <p:txBody>
+            <a:bodyPr wrap="none" rtlCol="0">
+              <a:spAutoFit/>
+            </a:bodyPr>
+            <a:lstStyle/>
+            <a:p>
+              <a:r>
+                <a:rPr lang="de-DE" dirty="0" smtClean="0"/>
+                <a:t>0</a:t>
+              </a:r>
+            </a:p>
+          </p:txBody>
+        </p:sp>
+      </p:grpSp>
+      <p:sp>
+        <p:nvSpPr>
+          <p:cNvPr id="2" name="Titel 1"/>
+          <p:cNvSpPr>
+            <a:spLocks noGrp="1"/>
+          </p:cNvSpPr>
+          <p:nvPr>
+            <p:ph type="title"/>
+          </p:nvPr>
+        </p:nvSpPr>
+        <p:spPr/>
+        <p:txBody>
+          <a:bodyPr>
+            <a:normAutofit/>
+          </a:bodyPr>
+          <a:lstStyle/>
+          <a:p>
+            <a:endParaRPr lang="de-DE" dirty="0"/>
+          </a:p>
+        </p:txBody>
+      </p:sp>
+      <p:cxnSp>
+        <p:nvCxnSpPr>
+          <p:cNvPr id="6" name="Gerade Verbindung 5"/>
+          <p:cNvCxnSpPr/>
+          <p:nvPr/>
+        </p:nvCxnSpPr>
+        <p:spPr>
+          <a:xfrm>
+            <a:off x="675659" y="1915750"/>
+            <a:ext cx="0" cy="108289"/>
+          </a:xfrm>
+          <a:prstGeom prst="line">
+            <a:avLst/>
+          </a:prstGeom>
+        </p:spPr>
+        <p:style>
+          <a:lnRef idx="2">
+            <a:schemeClr val="accent1"/>
+          </a:lnRef>
+          <a:fillRef idx="0">
+            <a:schemeClr val="accent1"/>
+          </a:fillRef>
+          <a:effectRef idx="1">
+            <a:schemeClr val="accent1"/>
+          </a:effectRef>
+          <a:fontRef idx="minor">
+            <a:schemeClr val="tx1"/>
+          </a:fontRef>
+        </p:style>
+      </p:cxnSp>
+      <p:grpSp>
+        <p:nvGrpSpPr>
+          <p:cNvPr id="56" name="Gruppierung 55"/>
+          <p:cNvGrpSpPr/>
+          <p:nvPr/>
+        </p:nvGrpSpPr>
+        <p:grpSpPr>
+          <a:xfrm>
+            <a:off x="5117714" y="1785229"/>
+            <a:ext cx="301660" cy="369332"/>
+            <a:chOff x="5117714" y="1785229"/>
+            <a:chExt cx="301660" cy="369332"/>
+          </a:xfrm>
+        </p:grpSpPr>
+        <p:sp>
+          <p:nvSpPr>
+            <p:cNvPr id="37" name="Oval 36"/>
+            <p:cNvSpPr/>
+            <p:nvPr/>
+          </p:nvSpPr>
+          <p:spPr>
+            <a:xfrm rot="12360000">
+              <a:off x="5128769" y="1855699"/>
+              <a:ext cx="265828" cy="265828"/>
+            </a:xfrm>
+            <a:prstGeom prst="ellipse">
+              <a:avLst/>
+            </a:prstGeom>
+          </p:spPr>
+          <p:style>
+            <a:lnRef idx="1">
+              <a:schemeClr val="accent1"/>
+            </a:lnRef>
+            <a:fillRef idx="3">
+              <a:schemeClr val="accent1"/>
+            </a:fillRef>
+            <a:effectRef idx="2">
+              <a:schemeClr val="accent1"/>
+            </a:effectRef>
+            <a:fontRef idx="minor">
+              <a:schemeClr val="lt1"/>
+            </a:fontRef>
+          </p:style>
+          <p:txBody>
+            <a:bodyPr rtlCol="0" anchor="ctr"/>
+            <a:lstStyle/>
+            <a:p>
+              <a:pPr algn="ctr"/>
+              <a:endParaRPr lang="de-DE"/>
+            </a:p>
+          </p:txBody>
+        </p:sp>
+        <p:sp>
+          <p:nvSpPr>
+            <p:cNvPr id="40" name="Textfeld 39"/>
+            <p:cNvSpPr txBox="1"/>
+            <p:nvPr/>
+          </p:nvSpPr>
+          <p:spPr>
+            <a:xfrm>
+              <a:off x="5117714" y="1785229"/>
+              <a:ext cx="301660" cy="369332"/>
+            </a:xfrm>
+            <a:prstGeom prst="rect">
+              <a:avLst/>
+            </a:prstGeom>
+            <a:noFill/>
+          </p:spPr>
+          <p:txBody>
+            <a:bodyPr wrap="none" rtlCol="0">
+              <a:spAutoFit/>
+            </a:bodyPr>
+            <a:lstStyle/>
+            <a:p>
+              <a:r>
+                <a:rPr lang="de-DE" dirty="0" smtClean="0"/>
+                <a:t>1</a:t>
+              </a:r>
+            </a:p>
+          </p:txBody>
+        </p:sp>
+      </p:grpSp>
+      <p:grpSp>
+        <p:nvGrpSpPr>
+          <p:cNvPr id="57" name="Gruppierung 56"/>
+          <p:cNvGrpSpPr/>
+          <p:nvPr/>
+        </p:nvGrpSpPr>
+        <p:grpSpPr>
+          <a:xfrm>
+            <a:off x="5719347" y="2199860"/>
+            <a:ext cx="301660" cy="369332"/>
+            <a:chOff x="5719347" y="2199860"/>
+            <a:chExt cx="301660" cy="369332"/>
+          </a:xfrm>
+        </p:grpSpPr>
+        <p:sp>
+          <p:nvSpPr>
+            <p:cNvPr id="35" name="Oval 34"/>
+            <p:cNvSpPr/>
+            <p:nvPr/>
+          </p:nvSpPr>
+          <p:spPr>
+            <a:xfrm rot="13680000">
+              <a:off x="5729322" y="2275201"/>
+              <a:ext cx="265828" cy="265828"/>
+            </a:xfrm>
+            <a:prstGeom prst="ellipse">
+              <a:avLst/>
+            </a:prstGeom>
+          </p:spPr>
+          <p:style>
+            <a:lnRef idx="1">
+              <a:schemeClr val="accent1"/>
+            </a:lnRef>
+            <a:fillRef idx="3">
+              <a:schemeClr val="accent1"/>
+            </a:fillRef>
+            <a:effectRef idx="2">
+              <a:schemeClr val="accent1"/>
+            </a:effectRef>
+            <a:fontRef idx="minor">
+              <a:schemeClr val="lt1"/>
+            </a:fontRef>
+          </p:style>
+          <p:txBody>
+            <a:bodyPr rtlCol="0" anchor="ctr"/>
+            <a:lstStyle/>
+            <a:p>
+              <a:pPr algn="ctr"/>
+              <a:endParaRPr lang="de-DE"/>
+            </a:p>
+          </p:txBody>
+        </p:sp>
+        <p:sp>
+          <p:nvSpPr>
+            <p:cNvPr id="41" name="Textfeld 40"/>
+            <p:cNvSpPr txBox="1"/>
+            <p:nvPr/>
+          </p:nvSpPr>
+          <p:spPr>
+            <a:xfrm>
+              <a:off x="5719347" y="2199860"/>
+              <a:ext cx="301660" cy="369332"/>
+            </a:xfrm>
+            <a:prstGeom prst="rect">
+              <a:avLst/>
+            </a:prstGeom>
+            <a:noFill/>
+          </p:spPr>
+          <p:txBody>
+            <a:bodyPr wrap="none" rtlCol="0">
+              <a:spAutoFit/>
+            </a:bodyPr>
+            <a:lstStyle/>
+            <a:p>
+              <a:r>
+                <a:rPr lang="de-DE" dirty="0"/>
+                <a:t>2</a:t>
+              </a:r>
+              <a:endParaRPr lang="de-DE" dirty="0" smtClean="0"/>
+            </a:p>
+          </p:txBody>
+        </p:sp>
+      </p:grpSp>
+      <p:grpSp>
+        <p:nvGrpSpPr>
+          <p:cNvPr id="58" name="Gruppierung 57"/>
+          <p:cNvGrpSpPr/>
+          <p:nvPr/>
+        </p:nvGrpSpPr>
+        <p:grpSpPr>
+          <a:xfrm>
+            <a:off x="6076908" y="2791450"/>
+            <a:ext cx="301660" cy="369332"/>
+            <a:chOff x="6076908" y="2791450"/>
+            <a:chExt cx="301660" cy="369332"/>
+          </a:xfrm>
+        </p:grpSpPr>
+        <p:sp>
+          <p:nvSpPr>
+            <p:cNvPr id="36" name="Oval 35"/>
+            <p:cNvSpPr/>
+            <p:nvPr/>
+          </p:nvSpPr>
+          <p:spPr>
+            <a:xfrm rot="17640000">
+              <a:off x="6092518" y="2863902"/>
+              <a:ext cx="265828" cy="265828"/>
+            </a:xfrm>
+            <a:prstGeom prst="ellipse">
+              <a:avLst/>
+            </a:prstGeom>
+          </p:spPr>
+          <p:style>
+            <a:lnRef idx="1">
+              <a:schemeClr val="accent1"/>
+            </a:lnRef>
+            <a:fillRef idx="3">
+              <a:schemeClr val="accent1"/>
+            </a:fillRef>
+            <a:effectRef idx="2">
+              <a:schemeClr val="accent1"/>
+            </a:effectRef>
+            <a:fontRef idx="minor">
+              <a:schemeClr val="lt1"/>
+            </a:fontRef>
+          </p:style>
+          <p:txBody>
+            <a:bodyPr rtlCol="0" anchor="ctr"/>
+            <a:lstStyle/>
+            <a:p>
+              <a:pPr algn="ctr"/>
+              <a:endParaRPr lang="de-DE"/>
+            </a:p>
+          </p:txBody>
+        </p:sp>
+        <p:sp>
+          <p:nvSpPr>
+            <p:cNvPr id="42" name="Textfeld 41"/>
+            <p:cNvSpPr txBox="1"/>
+            <p:nvPr/>
+          </p:nvSpPr>
+          <p:spPr>
+            <a:xfrm>
+              <a:off x="6076908" y="2791450"/>
+              <a:ext cx="301660" cy="369332"/>
+            </a:xfrm>
+            <a:prstGeom prst="rect">
+              <a:avLst/>
+            </a:prstGeom>
+            <a:noFill/>
+          </p:spPr>
+          <p:txBody>
+            <a:bodyPr wrap="none" rtlCol="0">
+              <a:spAutoFit/>
+            </a:bodyPr>
+            <a:lstStyle/>
+            <a:p>
+              <a:r>
+                <a:rPr lang="de-DE" dirty="0"/>
+                <a:t>3</a:t>
+              </a:r>
+              <a:endParaRPr lang="de-DE" dirty="0" smtClean="0"/>
+            </a:p>
+          </p:txBody>
+        </p:sp>
+      </p:grpSp>
+      <p:grpSp>
+        <p:nvGrpSpPr>
+          <p:cNvPr id="59" name="Gruppierung 58"/>
+          <p:cNvGrpSpPr/>
+          <p:nvPr/>
+        </p:nvGrpSpPr>
+        <p:grpSpPr>
+          <a:xfrm>
+            <a:off x="6200275" y="3511187"/>
+            <a:ext cx="301660" cy="369332"/>
+            <a:chOff x="6200275" y="3511187"/>
+            <a:chExt cx="301660" cy="369332"/>
+          </a:xfrm>
+        </p:grpSpPr>
+        <p:sp>
+          <p:nvSpPr>
+            <p:cNvPr id="34" name="Oval 33"/>
+            <p:cNvSpPr/>
+            <p:nvPr/>
+          </p:nvSpPr>
+          <p:spPr>
+            <a:xfrm rot="15000000">
+              <a:off x="6216780" y="3578513"/>
+              <a:ext cx="265828" cy="265828"/>
+            </a:xfrm>
+            <a:prstGeom prst="ellipse">
+              <a:avLst/>
+            </a:prstGeom>
+          </p:spPr>
+          <p:style>
+            <a:lnRef idx="1">
+              <a:schemeClr val="accent1"/>
+            </a:lnRef>
+            <a:fillRef idx="3">
+              <a:schemeClr val="accent1"/>
+            </a:fillRef>
+            <a:effectRef idx="2">
+              <a:schemeClr val="accent1"/>
+            </a:effectRef>
+            <a:fontRef idx="minor">
+              <a:schemeClr val="lt1"/>
+            </a:fontRef>
+          </p:style>
+          <p:txBody>
+            <a:bodyPr rtlCol="0" anchor="ctr"/>
+            <a:lstStyle/>
+            <a:p>
+              <a:pPr algn="ctr"/>
+              <a:endParaRPr lang="de-DE" dirty="0"/>
+            </a:p>
+          </p:txBody>
+        </p:sp>
+        <p:sp>
+          <p:nvSpPr>
+            <p:cNvPr id="43" name="Textfeld 42"/>
+            <p:cNvSpPr txBox="1"/>
+            <p:nvPr/>
+          </p:nvSpPr>
+          <p:spPr>
+            <a:xfrm>
+              <a:off x="6200275" y="3511187"/>
+              <a:ext cx="301660" cy="369332"/>
+            </a:xfrm>
+            <a:prstGeom prst="rect">
+              <a:avLst/>
+            </a:prstGeom>
+            <a:noFill/>
+          </p:spPr>
+          <p:txBody>
+            <a:bodyPr wrap="none" rtlCol="0">
+              <a:spAutoFit/>
+            </a:bodyPr>
+            <a:lstStyle/>
+            <a:p>
+              <a:r>
+                <a:rPr lang="de-DE" dirty="0" smtClean="0"/>
+                <a:t>4</a:t>
+              </a:r>
+            </a:p>
+          </p:txBody>
+        </p:sp>
+      </p:grpSp>
+      <p:grpSp>
+        <p:nvGrpSpPr>
+          <p:cNvPr id="60" name="Gruppierung 59"/>
+          <p:cNvGrpSpPr/>
+          <p:nvPr/>
+        </p:nvGrpSpPr>
+        <p:grpSpPr>
+          <a:xfrm>
+            <a:off x="6075967" y="4176450"/>
+            <a:ext cx="301660" cy="369332"/>
+            <a:chOff x="6075967" y="4176450"/>
+            <a:chExt cx="301660" cy="369332"/>
+          </a:xfrm>
+        </p:grpSpPr>
+        <p:sp>
+          <p:nvSpPr>
+            <p:cNvPr id="33" name="Oval 32"/>
+            <p:cNvSpPr/>
+            <p:nvPr/>
+          </p:nvSpPr>
+          <p:spPr>
+            <a:xfrm rot="15000000">
+              <a:off x="6087392" y="4242511"/>
+              <a:ext cx="265828" cy="265828"/>
+            </a:xfrm>
+            <a:prstGeom prst="ellipse">
+              <a:avLst/>
+            </a:prstGeom>
+          </p:spPr>
+          <p:style>
+            <a:lnRef idx="1">
+              <a:schemeClr val="accent1"/>
+            </a:lnRef>
+            <a:fillRef idx="3">
+              <a:schemeClr val="accent1"/>
+            </a:fillRef>
+            <a:effectRef idx="2">
+              <a:schemeClr val="accent1"/>
+            </a:effectRef>
+            <a:fontRef idx="minor">
+              <a:schemeClr val="lt1"/>
+            </a:fontRef>
+          </p:style>
+          <p:txBody>
+            <a:bodyPr rtlCol="0" anchor="ctr"/>
+            <a:lstStyle/>
+            <a:p>
+              <a:pPr algn="ctr"/>
+              <a:endParaRPr lang="de-DE"/>
+            </a:p>
+          </p:txBody>
+        </p:sp>
+        <p:sp>
+          <p:nvSpPr>
+            <p:cNvPr id="44" name="Textfeld 43"/>
+            <p:cNvSpPr txBox="1"/>
+            <p:nvPr/>
+          </p:nvSpPr>
+          <p:spPr>
+            <a:xfrm>
+              <a:off x="6075967" y="4176450"/>
+              <a:ext cx="301660" cy="369332"/>
+            </a:xfrm>
+            <a:prstGeom prst="rect">
+              <a:avLst/>
+            </a:prstGeom>
+            <a:noFill/>
+          </p:spPr>
+          <p:txBody>
+            <a:bodyPr wrap="none" rtlCol="0">
+              <a:spAutoFit/>
+            </a:bodyPr>
+            <a:lstStyle/>
+            <a:p>
+              <a:r>
+                <a:rPr lang="de-DE" dirty="0" smtClean="0"/>
+                <a:t>5</a:t>
+              </a:r>
+            </a:p>
+          </p:txBody>
+        </p:sp>
+      </p:grpSp>
+      <p:grpSp>
+        <p:nvGrpSpPr>
+          <p:cNvPr id="61" name="Gruppierung 60"/>
+          <p:cNvGrpSpPr/>
+          <p:nvPr/>
+        </p:nvGrpSpPr>
+        <p:grpSpPr>
+          <a:xfrm>
+            <a:off x="5715484" y="4770643"/>
+            <a:ext cx="301660" cy="369332"/>
+            <a:chOff x="5715484" y="4770643"/>
+            <a:chExt cx="301660" cy="369332"/>
+          </a:xfrm>
+        </p:grpSpPr>
+        <p:sp>
+          <p:nvSpPr>
+            <p:cNvPr id="31" name="Oval 30"/>
+            <p:cNvSpPr/>
+            <p:nvPr/>
+          </p:nvSpPr>
+          <p:spPr>
+            <a:xfrm rot="13680000">
+              <a:off x="5729322" y="4834290"/>
+              <a:ext cx="265828" cy="265828"/>
+            </a:xfrm>
+            <a:prstGeom prst="ellipse">
+              <a:avLst/>
+            </a:prstGeom>
+          </p:spPr>
+          <p:style>
+            <a:lnRef idx="1">
+              <a:schemeClr val="accent1"/>
+            </a:lnRef>
+            <a:fillRef idx="3">
+              <a:schemeClr val="accent1"/>
+            </a:fillRef>
+            <a:effectRef idx="2">
+              <a:schemeClr val="accent1"/>
+            </a:effectRef>
+            <a:fontRef idx="minor">
+              <a:schemeClr val="lt1"/>
+            </a:fontRef>
+          </p:style>
+          <p:txBody>
+            <a:bodyPr rtlCol="0" anchor="ctr"/>
+            <a:lstStyle/>
+            <a:p>
+              <a:pPr algn="ctr"/>
+              <a:endParaRPr lang="de-DE"/>
+            </a:p>
+          </p:txBody>
+        </p:sp>
+        <p:sp>
+          <p:nvSpPr>
+            <p:cNvPr id="45" name="Textfeld 44"/>
+            <p:cNvSpPr txBox="1"/>
+            <p:nvPr/>
+          </p:nvSpPr>
+          <p:spPr>
+            <a:xfrm>
+              <a:off x="5715484" y="4770643"/>
+              <a:ext cx="301660" cy="369332"/>
+            </a:xfrm>
+            <a:prstGeom prst="rect">
+              <a:avLst/>
+            </a:prstGeom>
+            <a:noFill/>
+          </p:spPr>
+          <p:txBody>
+            <a:bodyPr wrap="none" rtlCol="0">
+              <a:spAutoFit/>
+            </a:bodyPr>
+            <a:lstStyle/>
+            <a:p>
+              <a:r>
+                <a:rPr lang="de-DE" dirty="0" smtClean="0"/>
+                <a:t>6</a:t>
+              </a:r>
+            </a:p>
+          </p:txBody>
+        </p:sp>
+      </p:grpSp>
+      <p:grpSp>
+        <p:nvGrpSpPr>
+          <p:cNvPr id="63" name="Gruppierung 62"/>
+          <p:cNvGrpSpPr/>
+          <p:nvPr/>
+        </p:nvGrpSpPr>
+        <p:grpSpPr>
+          <a:xfrm>
+            <a:off x="4297047" y="5369469"/>
+            <a:ext cx="301660" cy="369332"/>
+            <a:chOff x="4297047" y="5369469"/>
+            <a:chExt cx="301660" cy="369332"/>
+          </a:xfrm>
+        </p:grpSpPr>
+        <p:sp>
+          <p:nvSpPr>
+            <p:cNvPr id="30" name="Oval 29"/>
+            <p:cNvSpPr/>
+            <p:nvPr/>
+          </p:nvSpPr>
+          <p:spPr>
+            <a:xfrm>
+              <a:off x="4317250" y="5427502"/>
+              <a:ext cx="265828" cy="265828"/>
+            </a:xfrm>
+            <a:prstGeom prst="ellipse">
+              <a:avLst/>
+            </a:prstGeom>
+          </p:spPr>
+          <p:style>
+            <a:lnRef idx="1">
+              <a:schemeClr val="accent1"/>
+            </a:lnRef>
+            <a:fillRef idx="3">
+              <a:schemeClr val="accent1"/>
+            </a:fillRef>
+            <a:effectRef idx="2">
+              <a:schemeClr val="accent1"/>
+            </a:effectRef>
+            <a:fontRef idx="minor">
+              <a:schemeClr val="lt1"/>
+            </a:fontRef>
+          </p:style>
+          <p:txBody>
+            <a:bodyPr rtlCol="0" anchor="ctr"/>
+            <a:lstStyle/>
+            <a:p>
+              <a:pPr algn="ctr"/>
+              <a:endParaRPr lang="de-DE"/>
+            </a:p>
+          </p:txBody>
+        </p:sp>
+        <p:sp>
+          <p:nvSpPr>
+            <p:cNvPr id="47" name="Textfeld 46"/>
+            <p:cNvSpPr txBox="1"/>
+            <p:nvPr/>
+          </p:nvSpPr>
+          <p:spPr>
+            <a:xfrm>
+              <a:off x="4297047" y="5369469"/>
+              <a:ext cx="301660" cy="369332"/>
+            </a:xfrm>
+            <a:prstGeom prst="rect">
+              <a:avLst/>
+            </a:prstGeom>
+            <a:noFill/>
+          </p:spPr>
+          <p:txBody>
+            <a:bodyPr wrap="none" rtlCol="0">
+              <a:spAutoFit/>
+            </a:bodyPr>
+            <a:lstStyle/>
+            <a:p>
+              <a:r>
+                <a:rPr lang="de-DE" dirty="0" smtClean="0"/>
+                <a:t>8</a:t>
+              </a:r>
+            </a:p>
+          </p:txBody>
+        </p:sp>
+      </p:grpSp>
+      <p:grpSp>
+        <p:nvGrpSpPr>
+          <p:cNvPr id="64" name="Gruppierung 63"/>
+          <p:cNvGrpSpPr/>
+          <p:nvPr/>
+        </p:nvGrpSpPr>
+        <p:grpSpPr>
+          <a:xfrm>
+            <a:off x="3500255" y="5191084"/>
+            <a:ext cx="301660" cy="369332"/>
+            <a:chOff x="3500255" y="5191084"/>
+            <a:chExt cx="301660" cy="369332"/>
+          </a:xfrm>
+        </p:grpSpPr>
+        <p:sp>
+          <p:nvSpPr>
+            <p:cNvPr id="10" name="Oval 9"/>
+            <p:cNvSpPr/>
+            <p:nvPr/>
+          </p:nvSpPr>
+          <p:spPr>
+            <a:xfrm rot="12360000">
+              <a:off x="3509390" y="5249774"/>
+              <a:ext cx="265828" cy="265828"/>
+            </a:xfrm>
+            <a:prstGeom prst="ellipse">
+              <a:avLst/>
+            </a:prstGeom>
+          </p:spPr>
+          <p:style>
+            <a:lnRef idx="1">
+              <a:schemeClr val="accent1"/>
+            </a:lnRef>
+            <a:fillRef idx="3">
+              <a:schemeClr val="accent1"/>
+            </a:fillRef>
+            <a:effectRef idx="2">
+              <a:schemeClr val="accent1"/>
+            </a:effectRef>
+            <a:fontRef idx="minor">
+              <a:schemeClr val="lt1"/>
+            </a:fontRef>
+          </p:style>
+          <p:txBody>
+            <a:bodyPr rtlCol="0" anchor="ctr"/>
+            <a:lstStyle/>
+            <a:p>
+              <a:pPr algn="ctr"/>
+              <a:endParaRPr lang="de-DE"/>
+            </a:p>
+          </p:txBody>
+        </p:sp>
+        <p:sp>
+          <p:nvSpPr>
+            <p:cNvPr id="48" name="Textfeld 47"/>
+            <p:cNvSpPr txBox="1"/>
+            <p:nvPr/>
+          </p:nvSpPr>
+          <p:spPr>
+            <a:xfrm>
+              <a:off x="3500255" y="5191084"/>
+              <a:ext cx="301660" cy="369332"/>
+            </a:xfrm>
+            <a:prstGeom prst="rect">
+              <a:avLst/>
+            </a:prstGeom>
+            <a:noFill/>
+          </p:spPr>
+          <p:txBody>
+            <a:bodyPr wrap="none" rtlCol="0">
+              <a:spAutoFit/>
+            </a:bodyPr>
+            <a:lstStyle/>
+            <a:p>
+              <a:r>
+                <a:rPr lang="de-DE" dirty="0"/>
+                <a:t>9</a:t>
+              </a:r>
+              <a:endParaRPr lang="de-DE" dirty="0" smtClean="0"/>
+            </a:p>
+          </p:txBody>
+        </p:sp>
+      </p:grpSp>
+      <p:grpSp>
+        <p:nvGrpSpPr>
+          <p:cNvPr id="66" name="Gruppierung 65"/>
+          <p:cNvGrpSpPr/>
+          <p:nvPr/>
+        </p:nvGrpSpPr>
+        <p:grpSpPr>
+          <a:xfrm>
+            <a:off x="2583052" y="4176450"/>
+            <a:ext cx="312906" cy="369332"/>
+            <a:chOff x="2583052" y="4176450"/>
+            <a:chExt cx="312906" cy="369332"/>
+          </a:xfrm>
+        </p:grpSpPr>
+        <p:sp>
+          <p:nvSpPr>
+            <p:cNvPr id="16" name="Oval 15"/>
+            <p:cNvSpPr/>
+            <p:nvPr/>
+          </p:nvSpPr>
+          <p:spPr>
+            <a:xfrm rot="15000000">
+              <a:off x="2602445" y="4242510"/>
+              <a:ext cx="265828" cy="265828"/>
+            </a:xfrm>
+            <a:prstGeom prst="ellipse">
+              <a:avLst/>
+            </a:prstGeom>
+          </p:spPr>
+          <p:style>
+            <a:lnRef idx="1">
+              <a:schemeClr val="accent1"/>
+            </a:lnRef>
+            <a:fillRef idx="3">
+              <a:schemeClr val="accent1"/>
+            </a:fillRef>
+            <a:effectRef idx="2">
+              <a:schemeClr val="accent1"/>
+            </a:effectRef>
+            <a:fontRef idx="minor">
+              <a:schemeClr val="lt1"/>
+            </a:fontRef>
+          </p:style>
+          <p:txBody>
+            <a:bodyPr rtlCol="0" anchor="ctr"/>
+            <a:lstStyle/>
+            <a:p>
+              <a:pPr algn="ctr"/>
+              <a:endParaRPr lang="de-DE"/>
+            </a:p>
+          </p:txBody>
+        </p:sp>
+        <p:sp>
+          <p:nvSpPr>
+            <p:cNvPr id="50" name="Textfeld 49"/>
+            <p:cNvSpPr txBox="1"/>
+            <p:nvPr/>
+          </p:nvSpPr>
+          <p:spPr>
+            <a:xfrm>
+              <a:off x="2583052" y="4176450"/>
+              <a:ext cx="312906" cy="369332"/>
+            </a:xfrm>
+            <a:prstGeom prst="rect">
+              <a:avLst/>
+            </a:prstGeom>
+            <a:noFill/>
+          </p:spPr>
+          <p:txBody>
+            <a:bodyPr wrap="none" rtlCol="0">
+              <a:spAutoFit/>
+            </a:bodyPr>
+            <a:lstStyle/>
+            <a:p>
+              <a:r>
+                <a:rPr lang="de-DE" dirty="0"/>
+                <a:t>B</a:t>
+              </a:r>
+              <a:endParaRPr lang="de-DE" dirty="0" smtClean="0"/>
+            </a:p>
+          </p:txBody>
+        </p:sp>
+      </p:grpSp>
+      <p:grpSp>
+        <p:nvGrpSpPr>
+          <p:cNvPr id="67" name="Gruppierung 66"/>
+          <p:cNvGrpSpPr/>
+          <p:nvPr/>
+        </p:nvGrpSpPr>
+        <p:grpSpPr>
+          <a:xfrm>
+            <a:off x="2432222" y="3500544"/>
+            <a:ext cx="312906" cy="369332"/>
+            <a:chOff x="2432222" y="3500544"/>
+            <a:chExt cx="312906" cy="369332"/>
+          </a:xfrm>
+        </p:grpSpPr>
+        <p:sp>
+          <p:nvSpPr>
+            <p:cNvPr id="20" name="Oval 19"/>
+            <p:cNvSpPr/>
+            <p:nvPr/>
+          </p:nvSpPr>
+          <p:spPr>
+            <a:xfrm rot="16320000">
+              <a:off x="2468447" y="3570600"/>
+              <a:ext cx="265828" cy="265828"/>
+            </a:xfrm>
+            <a:prstGeom prst="ellipse">
+              <a:avLst/>
+            </a:prstGeom>
+          </p:spPr>
+          <p:style>
+            <a:lnRef idx="1">
+              <a:schemeClr val="accent1"/>
+            </a:lnRef>
+            <a:fillRef idx="3">
+              <a:schemeClr val="accent1"/>
+            </a:fillRef>
+            <a:effectRef idx="2">
+              <a:schemeClr val="accent1"/>
+            </a:effectRef>
+            <a:fontRef idx="minor">
+              <a:schemeClr val="lt1"/>
+            </a:fontRef>
+          </p:style>
+          <p:txBody>
+            <a:bodyPr rtlCol="0" anchor="ctr"/>
+            <a:lstStyle/>
+            <a:p>
+              <a:pPr algn="ctr"/>
+              <a:endParaRPr lang="de-DE"/>
+            </a:p>
+          </p:txBody>
+        </p:sp>
+        <p:sp>
+          <p:nvSpPr>
+            <p:cNvPr id="51" name="Textfeld 50"/>
+            <p:cNvSpPr txBox="1"/>
+            <p:nvPr/>
+          </p:nvSpPr>
+          <p:spPr>
+            <a:xfrm>
+              <a:off x="2432222" y="3500544"/>
+              <a:ext cx="312906" cy="369332"/>
+            </a:xfrm>
+            <a:prstGeom prst="rect">
+              <a:avLst/>
+            </a:prstGeom>
+            <a:noFill/>
+          </p:spPr>
+          <p:txBody>
+            <a:bodyPr wrap="none" rtlCol="0">
+              <a:spAutoFit/>
+            </a:bodyPr>
+            <a:lstStyle/>
+            <a:p>
+              <a:r>
+                <a:rPr lang="de-DE" dirty="0" smtClean="0"/>
+                <a:t>C</a:t>
+              </a:r>
+            </a:p>
+          </p:txBody>
+        </p:sp>
+      </p:grpSp>
+      <p:grpSp>
+        <p:nvGrpSpPr>
+          <p:cNvPr id="68" name="Gruppierung 67"/>
+          <p:cNvGrpSpPr/>
+          <p:nvPr/>
+        </p:nvGrpSpPr>
+        <p:grpSpPr>
+          <a:xfrm>
+            <a:off x="2568155" y="2802837"/>
+            <a:ext cx="326682" cy="369332"/>
+            <a:chOff x="2568155" y="2802837"/>
+            <a:chExt cx="326682" cy="369332"/>
+          </a:xfrm>
+        </p:grpSpPr>
+        <p:sp>
+          <p:nvSpPr>
+            <p:cNvPr id="22" name="Oval 21"/>
+            <p:cNvSpPr/>
+            <p:nvPr/>
+          </p:nvSpPr>
+          <p:spPr>
+            <a:xfrm rot="17640000">
+              <a:off x="2595784" y="2863901"/>
+              <a:ext cx="265828" cy="265828"/>
+            </a:xfrm>
+            <a:prstGeom prst="ellipse">
+              <a:avLst/>
+            </a:prstGeom>
+          </p:spPr>
+          <p:style>
+            <a:lnRef idx="1">
+              <a:schemeClr val="accent1"/>
+            </a:lnRef>
+            <a:fillRef idx="3">
+              <a:schemeClr val="accent1"/>
+            </a:fillRef>
+            <a:effectRef idx="2">
+              <a:schemeClr val="accent1"/>
+            </a:effectRef>
+            <a:fontRef idx="minor">
+              <a:schemeClr val="lt1"/>
+            </a:fontRef>
+          </p:style>
+          <p:txBody>
+            <a:bodyPr rtlCol="0" anchor="ctr"/>
+            <a:lstStyle/>
+            <a:p>
+              <a:pPr algn="ctr"/>
+              <a:endParaRPr lang="de-DE"/>
+            </a:p>
+          </p:txBody>
+        </p:sp>
+        <p:sp>
+          <p:nvSpPr>
+            <p:cNvPr id="52" name="Textfeld 51"/>
+            <p:cNvSpPr txBox="1"/>
+            <p:nvPr/>
+          </p:nvSpPr>
+          <p:spPr>
+            <a:xfrm>
+              <a:off x="2568155" y="2802837"/>
+              <a:ext cx="326682" cy="369332"/>
+            </a:xfrm>
+            <a:prstGeom prst="rect">
+              <a:avLst/>
+            </a:prstGeom>
+            <a:noFill/>
+          </p:spPr>
+          <p:txBody>
+            <a:bodyPr wrap="none" rtlCol="0">
+              <a:spAutoFit/>
+            </a:bodyPr>
+            <a:lstStyle/>
+            <a:p>
+              <a:r>
+                <a:rPr lang="de-DE" dirty="0" smtClean="0"/>
+                <a:t>D</a:t>
+              </a:r>
+            </a:p>
+          </p:txBody>
+        </p:sp>
+      </p:grpSp>
+      <p:grpSp>
+        <p:nvGrpSpPr>
+          <p:cNvPr id="69" name="Gruppierung 68"/>
+          <p:cNvGrpSpPr/>
+          <p:nvPr/>
+        </p:nvGrpSpPr>
+        <p:grpSpPr>
+          <a:xfrm>
+            <a:off x="2959417" y="2205003"/>
+            <a:ext cx="297377" cy="369332"/>
+            <a:chOff x="2959417" y="2205003"/>
+            <a:chExt cx="297377" cy="369332"/>
+          </a:xfrm>
+        </p:grpSpPr>
+        <p:sp>
+          <p:nvSpPr>
+            <p:cNvPr id="24" name="Oval 23"/>
+            <p:cNvSpPr/>
+            <p:nvPr/>
+          </p:nvSpPr>
+          <p:spPr>
+            <a:xfrm rot="18960000">
+              <a:off x="2984562" y="2274971"/>
+              <a:ext cx="265828" cy="265828"/>
+            </a:xfrm>
+            <a:prstGeom prst="ellipse">
+              <a:avLst/>
+            </a:prstGeom>
+          </p:spPr>
+          <p:style>
+            <a:lnRef idx="1">
+              <a:schemeClr val="accent1"/>
+            </a:lnRef>
+            <a:fillRef idx="3">
+              <a:schemeClr val="accent1"/>
+            </a:fillRef>
+            <a:effectRef idx="2">
+              <a:schemeClr val="accent1"/>
+            </a:effectRef>
+            <a:fontRef idx="minor">
+              <a:schemeClr val="lt1"/>
+            </a:fontRef>
+          </p:style>
+          <p:txBody>
+            <a:bodyPr rtlCol="0" anchor="ctr"/>
+            <a:lstStyle/>
+            <a:p>
+              <a:pPr algn="ctr"/>
+              <a:endParaRPr lang="de-DE"/>
+            </a:p>
+          </p:txBody>
+        </p:sp>
+        <p:sp>
+          <p:nvSpPr>
+            <p:cNvPr id="53" name="Textfeld 52"/>
+            <p:cNvSpPr txBox="1"/>
+            <p:nvPr/>
+          </p:nvSpPr>
+          <p:spPr>
+            <a:xfrm>
+              <a:off x="2959417" y="2205003"/>
+              <a:ext cx="297377" cy="369332"/>
+            </a:xfrm>
+            <a:prstGeom prst="rect">
+              <a:avLst/>
+            </a:prstGeom>
+            <a:noFill/>
+          </p:spPr>
+          <p:txBody>
+            <a:bodyPr wrap="none" rtlCol="0">
+              <a:spAutoFit/>
+            </a:bodyPr>
+            <a:lstStyle/>
+            <a:p>
+              <a:r>
+                <a:rPr lang="de-DE" dirty="0"/>
+                <a:t>E</a:t>
+              </a:r>
+              <a:endParaRPr lang="de-DE" dirty="0" smtClean="0"/>
+            </a:p>
+          </p:txBody>
+        </p:sp>
+      </p:grpSp>
+      <p:grpSp>
+        <p:nvGrpSpPr>
+          <p:cNvPr id="75" name="Gruppierung 74"/>
+          <p:cNvGrpSpPr/>
+          <p:nvPr/>
+        </p:nvGrpSpPr>
+        <p:grpSpPr>
+          <a:xfrm>
+            <a:off x="4297047" y="3512453"/>
+            <a:ext cx="301660" cy="369332"/>
+            <a:chOff x="4095310" y="2883175"/>
+            <a:chExt cx="301660" cy="369332"/>
+          </a:xfrm>
+        </p:grpSpPr>
+        <p:sp>
+          <p:nvSpPr>
+            <p:cNvPr id="76" name="Oval 75"/>
+            <p:cNvSpPr/>
+            <p:nvPr/>
+          </p:nvSpPr>
+          <p:spPr>
+            <a:xfrm rot="20280000">
+              <a:off x="4109146" y="2961335"/>
+              <a:ext cx="265828" cy="265828"/>
+            </a:xfrm>
+            <a:prstGeom prst="ellipse">
+              <a:avLst/>
+            </a:prstGeom>
+          </p:spPr>
+          <p:style>
+            <a:lnRef idx="1">
+              <a:schemeClr val="accent3"/>
+            </a:lnRef>
+            <a:fillRef idx="3">
+              <a:schemeClr val="accent3"/>
+            </a:fillRef>
+            <a:effectRef idx="2">
+              <a:schemeClr val="accent3"/>
+            </a:effectRef>
+            <a:fontRef idx="minor">
+              <a:schemeClr val="lt1"/>
+            </a:fontRef>
+          </p:style>
+          <p:txBody>
+            <a:bodyPr rtlCol="0" anchor="ctr"/>
+            <a:lstStyle/>
+            <a:p>
+              <a:pPr algn="ctr"/>
+              <a:endParaRPr lang="de-DE" dirty="0"/>
+            </a:p>
+          </p:txBody>
+        </p:sp>
+        <p:sp>
+          <p:nvSpPr>
+            <p:cNvPr id="77" name="Textfeld 76"/>
+            <p:cNvSpPr txBox="1"/>
+            <p:nvPr/>
+          </p:nvSpPr>
+          <p:spPr>
+            <a:xfrm>
+              <a:off x="4095310" y="2883175"/>
+              <a:ext cx="301660" cy="369332"/>
+            </a:xfrm>
+            <a:prstGeom prst="rect">
+              <a:avLst/>
+            </a:prstGeom>
+            <a:noFill/>
+          </p:spPr>
+          <p:txBody>
+            <a:bodyPr wrap="none" rtlCol="0">
+              <a:spAutoFit/>
+            </a:bodyPr>
+            <a:lstStyle/>
+            <a:p>
+              <a:r>
+                <a:rPr lang="de-DE" dirty="0" smtClean="0"/>
+                <a:t>5</a:t>
+              </a:r>
+            </a:p>
+          </p:txBody>
+        </p:sp>
+      </p:grpSp>
+      <p:cxnSp>
+        <p:nvCxnSpPr>
+          <p:cNvPr id="115" name="Gekrümmte Verbindung 114"/>
+          <p:cNvCxnSpPr>
+            <a:stCxn id="44" idx="1"/>
+          </p:cNvCxnSpPr>
+          <p:nvPr/>
+        </p:nvCxnSpPr>
+        <p:spPr>
+          <a:xfrm rot="10800000" flipV="1">
+            <a:off x="5210153" y="4361116"/>
+            <a:ext cx="865814" cy="907102"/>
+          </a:xfrm>
+          <a:prstGeom prst="curvedConnector2">
+            <a:avLst/>
+          </a:prstGeom>
+          <a:ln>
+            <a:tailEnd type="arrow"/>
+          </a:ln>
+        </p:spPr>
+        <p:style>
+          <a:lnRef idx="2">
+            <a:schemeClr val="accent1"/>
+          </a:lnRef>
+          <a:fillRef idx="0">
+            <a:schemeClr val="accent1"/>
+          </a:fillRef>
+          <a:effectRef idx="1">
+            <a:schemeClr val="accent1"/>
+          </a:effectRef>
+          <a:fontRef idx="minor">
+            <a:schemeClr val="tx1"/>
+          </a:fontRef>
+        </p:style>
+      </p:cxnSp>
+      <p:cxnSp>
+        <p:nvCxnSpPr>
+          <p:cNvPr id="125" name="Gekrümmte Verbindung 124"/>
+          <p:cNvCxnSpPr>
+            <a:stCxn id="44" idx="1"/>
+            <a:endCxn id="45" idx="0"/>
+          </p:cNvCxnSpPr>
+          <p:nvPr/>
+        </p:nvCxnSpPr>
+        <p:spPr>
+          <a:xfrm rot="10800000" flipV="1">
+            <a:off x="5866315" y="4361115"/>
+            <a:ext cx="209653" cy="409527"/>
+          </a:xfrm>
+          <a:prstGeom prst="curvedConnector2">
+            <a:avLst/>
+          </a:prstGeom>
+          <a:ln>
+            <a:tailEnd type="arrow"/>
+          </a:ln>
+        </p:spPr>
+        <p:style>
+          <a:lnRef idx="2">
+            <a:schemeClr val="accent1"/>
+          </a:lnRef>
+          <a:fillRef idx="0">
+            <a:schemeClr val="accent1"/>
+          </a:fillRef>
+          <a:effectRef idx="1">
+            <a:schemeClr val="accent1"/>
+          </a:effectRef>
+          <a:fontRef idx="minor">
+            <a:schemeClr val="tx1"/>
+          </a:fontRef>
+        </p:style>
+      </p:cxnSp>
+      <p:cxnSp>
+        <p:nvCxnSpPr>
+          <p:cNvPr id="130" name="Gekrümmte Verbindung 129"/>
+          <p:cNvCxnSpPr>
+            <a:stCxn id="33" idx="7"/>
+            <a:endCxn id="48" idx="0"/>
+          </p:cNvCxnSpPr>
+          <p:nvPr/>
+        </p:nvCxnSpPr>
+        <p:spPr>
+          <a:xfrm rot="10800000" flipV="1">
+            <a:off x="3651086" y="4319252"/>
+            <a:ext cx="2448761" cy="871831"/>
+          </a:xfrm>
+          <a:prstGeom prst="curvedConnector2">
+            <a:avLst/>
+          </a:prstGeom>
+          <a:ln>
+            <a:tailEnd type="arrow"/>
+          </a:ln>
+        </p:spPr>
+        <p:style>
+          <a:lnRef idx="2">
+            <a:schemeClr val="accent1"/>
+          </a:lnRef>
+          <a:fillRef idx="0">
+            <a:schemeClr val="accent1"/>
+          </a:fillRef>
+          <a:effectRef idx="1">
+            <a:schemeClr val="accent1"/>
+          </a:effectRef>
+          <a:fontRef idx="minor">
+            <a:schemeClr val="tx1"/>
+          </a:fontRef>
+        </p:style>
+      </p:cxnSp>
+      <p:cxnSp>
+        <p:nvCxnSpPr>
+          <p:cNvPr id="132" name="Gerade Verbindung mit Pfeil 131"/>
+          <p:cNvCxnSpPr/>
+          <p:nvPr/>
+        </p:nvCxnSpPr>
+        <p:spPr>
+          <a:xfrm flipH="1" flipV="1">
+            <a:off x="2823309" y="3057770"/>
+            <a:ext cx="3276538" cy="1238005"/>
+          </a:xfrm>
+          <a:prstGeom prst="straightConnector1">
+            <a:avLst/>
+          </a:prstGeom>
+          <a:ln>
+            <a:tailEnd type="arrow"/>
+          </a:ln>
+        </p:spPr>
+        <p:style>
+          <a:lnRef idx="2">
+            <a:schemeClr val="accent1"/>
+          </a:lnRef>
+          <a:fillRef idx="0">
+            <a:schemeClr val="accent1"/>
+          </a:fillRef>
+          <a:effectRef idx="1">
+            <a:schemeClr val="accent1"/>
+          </a:effectRef>
+          <a:fontRef idx="minor">
+            <a:schemeClr val="tx1"/>
+          </a:fontRef>
+        </p:style>
+      </p:cxnSp>
+      <p:sp>
+        <p:nvSpPr>
+          <p:cNvPr id="146" name="Freihandform 145"/>
+          <p:cNvSpPr/>
+          <p:nvPr/>
+        </p:nvSpPr>
+        <p:spPr>
+          <a:xfrm>
+            <a:off x="3587545" y="2160418"/>
+            <a:ext cx="2512302" cy="2138947"/>
+          </a:xfrm>
+          <a:custGeom>
+            <a:avLst/>
+            <a:gdLst>
+              <a:gd name="connsiteX0" fmla="*/ 2834101 w 2834101"/>
+              <a:gd name="connsiteY0" fmla="*/ 1702245 h 1702245"/>
+              <a:gd name="connsiteX1" fmla="*/ 677329 w 2834101"/>
+              <a:gd name="connsiteY1" fmla="*/ 886771 h 1702245"/>
+              <a:gd name="connsiteX2" fmla="*/ 13364 w 2834101"/>
+              <a:gd name="connsiteY2" fmla="*/ 632771 h 1702245"/>
+              <a:gd name="connsiteX3" fmla="*/ 236171 w 2834101"/>
+              <a:gd name="connsiteY3" fmla="*/ 0 h 1702245"/>
+              <a:gd name="connsiteX0" fmla="*/ 2824083 w 2824083"/>
+              <a:gd name="connsiteY0" fmla="*/ 2138947 h 2138947"/>
+              <a:gd name="connsiteX1" fmla="*/ 667311 w 2824083"/>
+              <a:gd name="connsiteY1" fmla="*/ 1323473 h 2138947"/>
+              <a:gd name="connsiteX2" fmla="*/ 3346 w 2824083"/>
+              <a:gd name="connsiteY2" fmla="*/ 1069473 h 2138947"/>
+              <a:gd name="connsiteX3" fmla="*/ 404399 w 2824083"/>
+              <a:gd name="connsiteY3" fmla="*/ 0 h 2138947"/>
+              <a:gd name="connsiteX0" fmla="*/ 2457591 w 2457591"/>
+              <a:gd name="connsiteY0" fmla="*/ 2138947 h 2138947"/>
+              <a:gd name="connsiteX1" fmla="*/ 300819 w 2457591"/>
+              <a:gd name="connsiteY1" fmla="*/ 1323473 h 2138947"/>
+              <a:gd name="connsiteX2" fmla="*/ 28994 w 2457591"/>
+              <a:gd name="connsiteY2" fmla="*/ 1145228 h 2138947"/>
+              <a:gd name="connsiteX3" fmla="*/ 37907 w 2457591"/>
+              <a:gd name="connsiteY3" fmla="*/ 0 h 2138947"/>
+              <a:gd name="connsiteX0" fmla="*/ 2459417 w 2459417"/>
+              <a:gd name="connsiteY0" fmla="*/ 2138947 h 2138947"/>
+              <a:gd name="connsiteX1" fmla="*/ 302645 w 2459417"/>
+              <a:gd name="connsiteY1" fmla="*/ 1323473 h 2138947"/>
+              <a:gd name="connsiteX2" fmla="*/ 30820 w 2459417"/>
+              <a:gd name="connsiteY2" fmla="*/ 1145228 h 2138947"/>
+              <a:gd name="connsiteX3" fmla="*/ 39733 w 2459417"/>
+              <a:gd name="connsiteY3" fmla="*/ 0 h 2138947"/>
+              <a:gd name="connsiteX0" fmla="*/ 2484336 w 2484336"/>
+              <a:gd name="connsiteY0" fmla="*/ 2138947 h 2138947"/>
+              <a:gd name="connsiteX1" fmla="*/ 327564 w 2484336"/>
+              <a:gd name="connsiteY1" fmla="*/ 1323473 h 2138947"/>
+              <a:gd name="connsiteX2" fmla="*/ 20090 w 2484336"/>
+              <a:gd name="connsiteY2" fmla="*/ 1171964 h 2138947"/>
+              <a:gd name="connsiteX3" fmla="*/ 64652 w 2484336"/>
+              <a:gd name="connsiteY3" fmla="*/ 0 h 2138947"/>
+              <a:gd name="connsiteX0" fmla="*/ 2498106 w 2498106"/>
+              <a:gd name="connsiteY0" fmla="*/ 2138947 h 2138947"/>
+              <a:gd name="connsiteX1" fmla="*/ 341334 w 2498106"/>
+              <a:gd name="connsiteY1" fmla="*/ 1323473 h 2138947"/>
+              <a:gd name="connsiteX2" fmla="*/ 33860 w 2498106"/>
+              <a:gd name="connsiteY2" fmla="*/ 1171964 h 2138947"/>
+              <a:gd name="connsiteX3" fmla="*/ 78422 w 2498106"/>
+              <a:gd name="connsiteY3" fmla="*/ 0 h 2138947"/>
+              <a:gd name="connsiteX0" fmla="*/ 2512302 w 2512302"/>
+              <a:gd name="connsiteY0" fmla="*/ 2138947 h 2138947"/>
+              <a:gd name="connsiteX1" fmla="*/ 355530 w 2512302"/>
+              <a:gd name="connsiteY1" fmla="*/ 1323473 h 2138947"/>
+              <a:gd name="connsiteX2" fmla="*/ 30232 w 2512302"/>
+              <a:gd name="connsiteY2" fmla="*/ 1189789 h 2138947"/>
+              <a:gd name="connsiteX3" fmla="*/ 92618 w 2512302"/>
+              <a:gd name="connsiteY3" fmla="*/ 0 h 2138947"/>
+            </a:gdLst>
+            <a:ahLst/>
+            <a:cxnLst>
+              <a:cxn ang="0">
+                <a:pos x="connsiteX0" y="connsiteY0"/>
+              </a:cxn>
+              <a:cxn ang="0">
+                <a:pos x="connsiteX1" y="connsiteY1"/>
+              </a:cxn>
+              <a:cxn ang="0">
+                <a:pos x="connsiteX2" y="connsiteY2"/>
+              </a:cxn>
+              <a:cxn ang="0">
+                <a:pos x="connsiteX3" y="connsiteY3"/>
+              </a:cxn>
+            </a:cxnLst>
+            <a:rect l="l" t="t" r="r" b="b"/>
+            <a:pathLst>
+              <a:path w="2512302" h="2138947">
+                <a:moveTo>
+                  <a:pt x="2512302" y="2138947"/>
+                </a:moveTo>
+                <a:lnTo>
+                  <a:pt x="355530" y="1323473"/>
+                </a:lnTo>
+                <a:cubicBezTo>
+                  <a:pt x="-58148" y="1165280"/>
+                  <a:pt x="109700" y="1236578"/>
+                  <a:pt x="30232" y="1189789"/>
+                </a:cubicBezTo>
+                <a:cubicBezTo>
+                  <a:pt x="-49236" y="1143000"/>
+                  <a:pt x="48057" y="98778"/>
+                  <a:pt x="92618" y="0"/>
+                </a:cubicBezTo>
+              </a:path>
+            </a:pathLst>
+          </a:custGeom>
+          <a:ln>
+            <a:solidFill>
+              <a:srgbClr val="66FF66"/>
+            </a:solidFill>
+            <a:tailEnd type="arrow"/>
+          </a:ln>
+        </p:spPr>
+        <p:style>
+          <a:lnRef idx="2">
+            <a:schemeClr val="accent1"/>
+          </a:lnRef>
+          <a:fillRef idx="0">
+            <a:schemeClr val="accent1"/>
+          </a:fillRef>
+          <a:effectRef idx="1">
+            <a:schemeClr val="accent1"/>
+          </a:effectRef>
+          <a:fontRef idx="minor">
+            <a:schemeClr val="tx1"/>
+          </a:fontRef>
+        </p:style>
+        <p:txBody>
+          <a:bodyPr rtlCol="0" anchor="ctr"/>
+          <a:lstStyle/>
+          <a:p>
+            <a:pPr algn="ctr"/>
+            <a:endParaRPr lang="de-DE"/>
+          </a:p>
+        </p:txBody>
+      </p:sp>
+      <p:sp>
+        <p:nvSpPr>
+          <p:cNvPr id="147" name="Freihandform 146"/>
+          <p:cNvSpPr/>
+          <p:nvPr/>
+        </p:nvSpPr>
+        <p:spPr>
+          <a:xfrm>
+            <a:off x="3244070" y="4322457"/>
+            <a:ext cx="2829649" cy="597122"/>
+          </a:xfrm>
+          <a:custGeom>
+            <a:avLst/>
+            <a:gdLst>
+              <a:gd name="connsiteX0" fmla="*/ 2829649 w 2829649"/>
+              <a:gd name="connsiteY0" fmla="*/ 0 h 597122"/>
+              <a:gd name="connsiteX1" fmla="*/ 2441965 w 2829649"/>
+              <a:gd name="connsiteY1" fmla="*/ 8912 h 597122"/>
+              <a:gd name="connsiteX2" fmla="*/ 2138948 w 2829649"/>
+              <a:gd name="connsiteY2" fmla="*/ 40105 h 597122"/>
+              <a:gd name="connsiteX3" fmla="*/ 1773544 w 2829649"/>
+              <a:gd name="connsiteY3" fmla="*/ 93579 h 597122"/>
+              <a:gd name="connsiteX4" fmla="*/ 1292281 w 2829649"/>
+              <a:gd name="connsiteY4" fmla="*/ 218350 h 597122"/>
+              <a:gd name="connsiteX5" fmla="*/ 721895 w 2829649"/>
+              <a:gd name="connsiteY5" fmla="*/ 383228 h 597122"/>
+              <a:gd name="connsiteX6" fmla="*/ 0 w 2829649"/>
+              <a:gd name="connsiteY6" fmla="*/ 597122 h 597122"/>
+            </a:gdLst>
+            <a:ahLst/>
+            <a:cxnLst>
+              <a:cxn ang="0">
+                <a:pos x="connsiteX0" y="connsiteY0"/>
+              </a:cxn>
+              <a:cxn ang="0">
+                <a:pos x="connsiteX1" y="connsiteY1"/>
+              </a:cxn>
+              <a:cxn ang="0">
+                <a:pos x="connsiteX2" y="connsiteY2"/>
+              </a:cxn>
+              <a:cxn ang="0">
+                <a:pos x="connsiteX3" y="connsiteY3"/>
+              </a:cxn>
+              <a:cxn ang="0">
+                <a:pos x="connsiteX4" y="connsiteY4"/>
+              </a:cxn>
+              <a:cxn ang="0">
+                <a:pos x="connsiteX5" y="connsiteY5"/>
+              </a:cxn>
+              <a:cxn ang="0">
+                <a:pos x="connsiteX6" y="connsiteY6"/>
+              </a:cxn>
+            </a:cxnLst>
+            <a:rect l="l" t="t" r="r" b="b"/>
+            <a:pathLst>
+              <a:path w="2829649" h="597122">
+                <a:moveTo>
+                  <a:pt x="2829649" y="0"/>
+                </a:moveTo>
+                <a:cubicBezTo>
+                  <a:pt x="2693365" y="1114"/>
+                  <a:pt x="2557082" y="2228"/>
+                  <a:pt x="2441965" y="8912"/>
+                </a:cubicBezTo>
+                <a:cubicBezTo>
+                  <a:pt x="2326848" y="15596"/>
+                  <a:pt x="2250351" y="25994"/>
+                  <a:pt x="2138948" y="40105"/>
+                </a:cubicBezTo>
+                <a:cubicBezTo>
+                  <a:pt x="2027545" y="54216"/>
+                  <a:pt x="1914655" y="63871"/>
+                  <a:pt x="1773544" y="93579"/>
+                </a:cubicBezTo>
+                <a:cubicBezTo>
+                  <a:pt x="1632433" y="123287"/>
+                  <a:pt x="1467556" y="170075"/>
+                  <a:pt x="1292281" y="218350"/>
+                </a:cubicBezTo>
+                <a:cubicBezTo>
+                  <a:pt x="1117006" y="266625"/>
+                  <a:pt x="721895" y="383228"/>
+                  <a:pt x="721895" y="383228"/>
+                </a:cubicBezTo>
+                <a:cubicBezTo>
+                  <a:pt x="506515" y="446357"/>
+                  <a:pt x="92093" y="582268"/>
+                  <a:pt x="0" y="597122"/>
+                </a:cubicBezTo>
+              </a:path>
+            </a:pathLst>
+          </a:custGeom>
+          <a:ln>
+            <a:solidFill>
+              <a:srgbClr val="66FF66"/>
+            </a:solidFill>
+            <a:tailEnd type="arrow"/>
+          </a:ln>
+        </p:spPr>
+        <p:style>
+          <a:lnRef idx="2">
+            <a:schemeClr val="accent1"/>
+          </a:lnRef>
+          <a:fillRef idx="0">
+            <a:schemeClr val="accent1"/>
+          </a:fillRef>
+          <a:effectRef idx="1">
+            <a:schemeClr val="accent1"/>
+          </a:effectRef>
+          <a:fontRef idx="minor">
+            <a:schemeClr val="tx1"/>
+          </a:fontRef>
+        </p:style>
+        <p:txBody>
+          <a:bodyPr rtlCol="0" anchor="ctr"/>
+          <a:lstStyle/>
+          <a:p>
+            <a:pPr algn="ctr"/>
+            <a:endParaRPr lang="de-DE"/>
+          </a:p>
+        </p:txBody>
+      </p:sp>
+    </p:spTree>
+    <p:extLst>
+      <p:ext uri="{BB962C8B-B14F-4D97-AF65-F5344CB8AC3E}">
+        <p14:creationId xmlns:p14="http://schemas.microsoft.com/office/powerpoint/2010/main" val="2053446755"/>
+      </p:ext>
+    </p:extLst>
+  </p:cSld>
+  <p:clrMapOvr>
+    <a:masterClrMapping/>
+  </p:clrMapOvr>
+  <p:timing>
+    <p:tnLst>
+      <p:par>
+        <p:cTn xmlns:p14="http://schemas.microsoft.com/office/powerpoint/2010/main" id="1" dur="indefinite" restart="never" nodeType="tmRoot">
+          <p:childTnLst>
+            <p:seq concurrent="1" nextAc="seek">
+              <p:cTn id="2" dur="indefinite" nodeType="mainSeq">
+                <p:childTnLst>
+                  <p:par>
+                    <p:cTn id="3" fill="hold">
+                      <p:stCondLst>
+                        <p:cond delay="indefinite"/>
+                      </p:stCondLst>
+                      <p:childTnLst>
+                        <p:par>
+                          <p:cTn id="4" fill="hold">
+                            <p:stCondLst>
+                              <p:cond delay="0"/>
+                            </p:stCondLst>
+                            <p:childTnLst>
+                              <p:par>
+                                <p:cTn id="5" presetID="9" presetClass="entr" presetSubtype="0" fill="hold" nodeType="clickEffect">
+                                  <p:stCondLst>
+                                    <p:cond delay="0"/>
+                                  </p:stCondLst>
+                                  <p:childTnLst>
+                                    <p:set>
+                                      <p:cBhvr>
+                                        <p:cTn id="6" dur="1" fill="hold">
+                                          <p:stCondLst>
+                                            <p:cond delay="0"/>
+                                          </p:stCondLst>
+                                        </p:cTn>
+                                        <p:tgtEl>
+                                          <p:spTgt spid="55"/>
+                                        </p:tgtEl>
+                                        <p:attrNameLst>
+                                          <p:attrName>style.visibility</p:attrName>
+                                        </p:attrNameLst>
+                                      </p:cBhvr>
+                                      <p:to>
+                                        <p:strVal val="visible"/>
+                                      </p:to>
+                                    </p:set>
+                                    <p:animEffect transition="in" filter="dissolve">
+                                      <p:cBhvr>
+                                        <p:cTn id="7" dur="100"/>
+                                        <p:tgtEl>
+                                          <p:spTgt spid="55"/>
+                                        </p:tgtEl>
+                                      </p:cBhvr>
+                                    </p:animEffect>
+                                  </p:childTnLst>
+                                </p:cTn>
+                              </p:par>
+                            </p:childTnLst>
+                          </p:cTn>
+                        </p:par>
+                        <p:par>
+                          <p:cTn id="8" fill="hold">
+                            <p:stCondLst>
+                              <p:cond delay="100"/>
+                            </p:stCondLst>
+                            <p:childTnLst>
+                              <p:par>
+                                <p:cTn id="9" presetID="9" presetClass="entr" presetSubtype="0" fill="hold" nodeType="afterEffect">
+                                  <p:stCondLst>
+                                    <p:cond delay="0"/>
+                                  </p:stCondLst>
+                                  <p:childTnLst>
+                                    <p:set>
+                                      <p:cBhvr>
+                                        <p:cTn id="10" dur="1" fill="hold">
+                                          <p:stCondLst>
+                                            <p:cond delay="0"/>
+                                          </p:stCondLst>
+                                        </p:cTn>
+                                        <p:tgtEl>
+                                          <p:spTgt spid="56"/>
+                                        </p:tgtEl>
+                                        <p:attrNameLst>
+                                          <p:attrName>style.visibility</p:attrName>
+                                        </p:attrNameLst>
+                                      </p:cBhvr>
+                                      <p:to>
+                                        <p:strVal val="visible"/>
+                                      </p:to>
+                                    </p:set>
+                                    <p:animEffect transition="in" filter="dissolve">
+                                      <p:cBhvr>
+                                        <p:cTn id="11" dur="100"/>
+                                        <p:tgtEl>
+                                          <p:spTgt spid="56"/>
+                                        </p:tgtEl>
+                                      </p:cBhvr>
+                                    </p:animEffect>
+                                  </p:childTnLst>
+                                </p:cTn>
+                              </p:par>
+                            </p:childTnLst>
+                          </p:cTn>
+                        </p:par>
+                        <p:par>
+                          <p:cTn id="12" fill="hold">
+                            <p:stCondLst>
+                              <p:cond delay="200"/>
+                            </p:stCondLst>
+                            <p:childTnLst>
+                              <p:par>
+                                <p:cTn id="13" presetID="9" presetClass="entr" presetSubtype="0" fill="hold" nodeType="afterEffect">
+                                  <p:stCondLst>
+                                    <p:cond delay="0"/>
+                                  </p:stCondLst>
+                                  <p:childTnLst>
+                                    <p:set>
+                                      <p:cBhvr>
+                                        <p:cTn id="14" dur="1" fill="hold">
+                                          <p:stCondLst>
+                                            <p:cond delay="0"/>
+                                          </p:stCondLst>
+                                        </p:cTn>
+                                        <p:tgtEl>
+                                          <p:spTgt spid="57"/>
+                                        </p:tgtEl>
+                                        <p:attrNameLst>
+                                          <p:attrName>style.visibility</p:attrName>
+                                        </p:attrNameLst>
+                                      </p:cBhvr>
+                                      <p:to>
+                                        <p:strVal val="visible"/>
+                                      </p:to>
+                                    </p:set>
+                                    <p:animEffect transition="in" filter="dissolve">
+                                      <p:cBhvr>
+                                        <p:cTn id="15" dur="100"/>
+                                        <p:tgtEl>
+                                          <p:spTgt spid="57"/>
+                                        </p:tgtEl>
+                                      </p:cBhvr>
+                                    </p:animEffect>
+                                  </p:childTnLst>
+                                </p:cTn>
+                              </p:par>
+                            </p:childTnLst>
+                          </p:cTn>
+                        </p:par>
+                        <p:par>
+                          <p:cTn id="16" fill="hold">
+                            <p:stCondLst>
+                              <p:cond delay="300"/>
+                            </p:stCondLst>
+                            <p:childTnLst>
+                              <p:par>
+                                <p:cTn id="17" presetID="9" presetClass="entr" presetSubtype="0" fill="hold" nodeType="afterEffect">
+                                  <p:stCondLst>
+                                    <p:cond delay="0"/>
+                                  </p:stCondLst>
+                                  <p:childTnLst>
+                                    <p:set>
+                                      <p:cBhvr>
+                                        <p:cTn id="18" dur="1" fill="hold">
+                                          <p:stCondLst>
+                                            <p:cond delay="0"/>
+                                          </p:stCondLst>
+                                        </p:cTn>
+                                        <p:tgtEl>
+                                          <p:spTgt spid="58"/>
+                                        </p:tgtEl>
+                                        <p:attrNameLst>
+                                          <p:attrName>style.visibility</p:attrName>
+                                        </p:attrNameLst>
+                                      </p:cBhvr>
+                                      <p:to>
+                                        <p:strVal val="visible"/>
+                                      </p:to>
+                                    </p:set>
+                                    <p:animEffect transition="in" filter="dissolve">
+                                      <p:cBhvr>
+                                        <p:cTn id="19" dur="100"/>
+                                        <p:tgtEl>
+                                          <p:spTgt spid="58"/>
+                                        </p:tgtEl>
+                                      </p:cBhvr>
+                                    </p:animEffect>
+                                  </p:childTnLst>
+                                </p:cTn>
+                              </p:par>
+                            </p:childTnLst>
+                          </p:cTn>
+                        </p:par>
+                        <p:par>
+                          <p:cTn id="20" fill="hold">
+                            <p:stCondLst>
+                              <p:cond delay="400"/>
+                            </p:stCondLst>
+                            <p:childTnLst>
+                              <p:par>
+                                <p:cTn id="21" presetID="9" presetClass="entr" presetSubtype="0" fill="hold" nodeType="afterEffect">
+                                  <p:stCondLst>
+                                    <p:cond delay="0"/>
+                                  </p:stCondLst>
+                                  <p:childTnLst>
+                                    <p:set>
+                                      <p:cBhvr>
+                                        <p:cTn id="22" dur="1" fill="hold">
+                                          <p:stCondLst>
+                                            <p:cond delay="0"/>
+                                          </p:stCondLst>
+                                        </p:cTn>
+                                        <p:tgtEl>
+                                          <p:spTgt spid="59"/>
+                                        </p:tgtEl>
+                                        <p:attrNameLst>
+                                          <p:attrName>style.visibility</p:attrName>
+                                        </p:attrNameLst>
+                                      </p:cBhvr>
+                                      <p:to>
+                                        <p:strVal val="visible"/>
+                                      </p:to>
+                                    </p:set>
+                                    <p:animEffect transition="in" filter="dissolve">
+                                      <p:cBhvr>
+                                        <p:cTn id="23" dur="100"/>
+                                        <p:tgtEl>
+                                          <p:spTgt spid="59"/>
+                                        </p:tgtEl>
+                                      </p:cBhvr>
+                                    </p:animEffect>
+                                  </p:childTnLst>
+                                </p:cTn>
+                              </p:par>
+                            </p:childTnLst>
+                          </p:cTn>
+                        </p:par>
+                        <p:par>
+                          <p:cTn id="24" fill="hold">
+                            <p:stCondLst>
+                              <p:cond delay="500"/>
+                            </p:stCondLst>
+                            <p:childTnLst>
+                              <p:par>
+                                <p:cTn id="25" presetID="9" presetClass="entr" presetSubtype="0" fill="hold" nodeType="afterEffect">
+                                  <p:stCondLst>
+                                    <p:cond delay="0"/>
+                                  </p:stCondLst>
+                                  <p:childTnLst>
+                                    <p:set>
+                                      <p:cBhvr>
+                                        <p:cTn id="26" dur="1" fill="hold">
+                                          <p:stCondLst>
+                                            <p:cond delay="0"/>
+                                          </p:stCondLst>
+                                        </p:cTn>
+                                        <p:tgtEl>
+                                          <p:spTgt spid="60"/>
+                                        </p:tgtEl>
+                                        <p:attrNameLst>
+                                          <p:attrName>style.visibility</p:attrName>
+                                        </p:attrNameLst>
+                                      </p:cBhvr>
+                                      <p:to>
+                                        <p:strVal val="visible"/>
+                                      </p:to>
+                                    </p:set>
+                                    <p:animEffect transition="in" filter="dissolve">
+                                      <p:cBhvr>
+                                        <p:cTn id="27" dur="100"/>
+                                        <p:tgtEl>
+                                          <p:spTgt spid="60"/>
+                                        </p:tgtEl>
+                                      </p:cBhvr>
+                                    </p:animEffect>
+                                  </p:childTnLst>
+                                </p:cTn>
+                              </p:par>
+                            </p:childTnLst>
+                          </p:cTn>
+                        </p:par>
+                        <p:par>
+                          <p:cTn id="28" fill="hold">
+                            <p:stCondLst>
+                              <p:cond delay="600"/>
+                            </p:stCondLst>
+                            <p:childTnLst>
+                              <p:par>
+                                <p:cTn id="29" presetID="9" presetClass="entr" presetSubtype="0" fill="hold" nodeType="afterEffect">
+                                  <p:stCondLst>
+                                    <p:cond delay="0"/>
+                                  </p:stCondLst>
+                                  <p:childTnLst>
+                                    <p:set>
+                                      <p:cBhvr>
+                                        <p:cTn id="30" dur="1" fill="hold">
+                                          <p:stCondLst>
+                                            <p:cond delay="0"/>
+                                          </p:stCondLst>
+                                        </p:cTn>
+                                        <p:tgtEl>
+                                          <p:spTgt spid="61"/>
+                                        </p:tgtEl>
+                                        <p:attrNameLst>
+                                          <p:attrName>style.visibility</p:attrName>
+                                        </p:attrNameLst>
+                                      </p:cBhvr>
+                                      <p:to>
+                                        <p:strVal val="visible"/>
+                                      </p:to>
+                                    </p:set>
+                                    <p:animEffect transition="in" filter="dissolve">
+                                      <p:cBhvr>
+                                        <p:cTn id="31" dur="100"/>
+                                        <p:tgtEl>
+                                          <p:spTgt spid="61"/>
+                                        </p:tgtEl>
+                                      </p:cBhvr>
+                                    </p:animEffect>
+                                  </p:childTnLst>
+                                </p:cTn>
+                              </p:par>
+                            </p:childTnLst>
+                          </p:cTn>
+                        </p:par>
+                        <p:par>
+                          <p:cTn id="32" fill="hold">
+                            <p:stCondLst>
+                              <p:cond delay="700"/>
+                            </p:stCondLst>
+                            <p:childTnLst>
+                              <p:par>
+                                <p:cTn id="33" presetID="9" presetClass="entr" presetSubtype="0" fill="hold" nodeType="afterEffect">
+                                  <p:stCondLst>
+                                    <p:cond delay="0"/>
+                                  </p:stCondLst>
+                                  <p:childTnLst>
+                                    <p:set>
+                                      <p:cBhvr>
+                                        <p:cTn id="34" dur="1" fill="hold">
+                                          <p:stCondLst>
+                                            <p:cond delay="0"/>
+                                          </p:stCondLst>
+                                        </p:cTn>
+                                        <p:tgtEl>
+                                          <p:spTgt spid="62"/>
+                                        </p:tgtEl>
+                                        <p:attrNameLst>
+                                          <p:attrName>style.visibility</p:attrName>
+                                        </p:attrNameLst>
+                                      </p:cBhvr>
+                                      <p:to>
+                                        <p:strVal val="visible"/>
+                                      </p:to>
+                                    </p:set>
+                                    <p:animEffect transition="in" filter="dissolve">
+                                      <p:cBhvr>
+                                        <p:cTn id="35" dur="100"/>
+                                        <p:tgtEl>
+                                          <p:spTgt spid="62"/>
+                                        </p:tgtEl>
+                                      </p:cBhvr>
+                                    </p:animEffect>
+                                  </p:childTnLst>
+                                </p:cTn>
+                              </p:par>
+                            </p:childTnLst>
+                          </p:cTn>
+                        </p:par>
+                        <p:par>
+                          <p:cTn id="36" fill="hold">
+                            <p:stCondLst>
+                              <p:cond delay="800"/>
+                            </p:stCondLst>
+                            <p:childTnLst>
+                              <p:par>
+                                <p:cTn id="37" presetID="9" presetClass="entr" presetSubtype="0" fill="hold" nodeType="afterEffect">
+                                  <p:stCondLst>
+                                    <p:cond delay="0"/>
+                                  </p:stCondLst>
+                                  <p:childTnLst>
+                                    <p:set>
+                                      <p:cBhvr>
+                                        <p:cTn id="38" dur="1" fill="hold">
+                                          <p:stCondLst>
+                                            <p:cond delay="0"/>
+                                          </p:stCondLst>
+                                        </p:cTn>
+                                        <p:tgtEl>
+                                          <p:spTgt spid="63"/>
+                                        </p:tgtEl>
+                                        <p:attrNameLst>
+                                          <p:attrName>style.visibility</p:attrName>
+                                        </p:attrNameLst>
+                                      </p:cBhvr>
+                                      <p:to>
+                                        <p:strVal val="visible"/>
+                                      </p:to>
+                                    </p:set>
+                                    <p:animEffect transition="in" filter="dissolve">
+                                      <p:cBhvr>
+                                        <p:cTn id="39" dur="100"/>
+                                        <p:tgtEl>
+                                          <p:spTgt spid="63"/>
+                                        </p:tgtEl>
+                                      </p:cBhvr>
+                                    </p:animEffect>
+                                  </p:childTnLst>
+                                </p:cTn>
+                              </p:par>
+                            </p:childTnLst>
+                          </p:cTn>
+                        </p:par>
+                        <p:par>
+                          <p:cTn id="40" fill="hold">
+                            <p:stCondLst>
+                              <p:cond delay="900"/>
+                            </p:stCondLst>
+                            <p:childTnLst>
+                              <p:par>
+                                <p:cTn id="41" presetID="9" presetClass="entr" presetSubtype="0" fill="hold" nodeType="afterEffect">
+                                  <p:stCondLst>
+                                    <p:cond delay="0"/>
+                                  </p:stCondLst>
+                                  <p:childTnLst>
+                                    <p:set>
+                                      <p:cBhvr>
+                                        <p:cTn id="42" dur="1" fill="hold">
+                                          <p:stCondLst>
+                                            <p:cond delay="0"/>
+                                          </p:stCondLst>
+                                        </p:cTn>
+                                        <p:tgtEl>
+                                          <p:spTgt spid="64"/>
+                                        </p:tgtEl>
+                                        <p:attrNameLst>
+                                          <p:attrName>style.visibility</p:attrName>
+                                        </p:attrNameLst>
+                                      </p:cBhvr>
+                                      <p:to>
+                                        <p:strVal val="visible"/>
+                                      </p:to>
+                                    </p:set>
+                                    <p:animEffect transition="in" filter="dissolve">
+                                      <p:cBhvr>
+                                        <p:cTn id="43" dur="100"/>
+                                        <p:tgtEl>
+                                          <p:spTgt spid="64"/>
+                                        </p:tgtEl>
+                                      </p:cBhvr>
+                                    </p:animEffect>
+                                  </p:childTnLst>
+                                </p:cTn>
+                              </p:par>
+                            </p:childTnLst>
+                          </p:cTn>
+                        </p:par>
+                        <p:par>
+                          <p:cTn id="44" fill="hold">
+                            <p:stCondLst>
+                              <p:cond delay="1000"/>
+                            </p:stCondLst>
+                            <p:childTnLst>
+                              <p:par>
+                                <p:cTn id="45" presetID="9" presetClass="entr" presetSubtype="0" fill="hold" nodeType="afterEffect">
+                                  <p:stCondLst>
+                                    <p:cond delay="0"/>
+                                  </p:stCondLst>
+                                  <p:childTnLst>
+                                    <p:set>
+                                      <p:cBhvr>
+                                        <p:cTn id="46" dur="1" fill="hold">
+                                          <p:stCondLst>
+                                            <p:cond delay="0"/>
+                                          </p:stCondLst>
+                                        </p:cTn>
+                                        <p:tgtEl>
+                                          <p:spTgt spid="65"/>
+                                        </p:tgtEl>
+                                        <p:attrNameLst>
+                                          <p:attrName>style.visibility</p:attrName>
+                                        </p:attrNameLst>
+                                      </p:cBhvr>
+                                      <p:to>
+                                        <p:strVal val="visible"/>
+                                      </p:to>
+                                    </p:set>
+                                    <p:animEffect transition="in" filter="dissolve">
+                                      <p:cBhvr>
+                                        <p:cTn id="47" dur="100"/>
+                                        <p:tgtEl>
+                                          <p:spTgt spid="65"/>
+                                        </p:tgtEl>
+                                      </p:cBhvr>
+                                    </p:animEffect>
+                                  </p:childTnLst>
+                                </p:cTn>
+                              </p:par>
+                            </p:childTnLst>
+                          </p:cTn>
+                        </p:par>
+                        <p:par>
+                          <p:cTn id="48" fill="hold">
+                            <p:stCondLst>
+                              <p:cond delay="1100"/>
+                            </p:stCondLst>
+                            <p:childTnLst>
+                              <p:par>
+                                <p:cTn id="49" presetID="9" presetClass="entr" presetSubtype="0" fill="hold" nodeType="afterEffect">
+                                  <p:stCondLst>
+                                    <p:cond delay="0"/>
+                                  </p:stCondLst>
+                                  <p:childTnLst>
+                                    <p:set>
+                                      <p:cBhvr>
+                                        <p:cTn id="50" dur="1" fill="hold">
+                                          <p:stCondLst>
+                                            <p:cond delay="0"/>
+                                          </p:stCondLst>
+                                        </p:cTn>
+                                        <p:tgtEl>
+                                          <p:spTgt spid="66"/>
+                                        </p:tgtEl>
+                                        <p:attrNameLst>
+                                          <p:attrName>style.visibility</p:attrName>
+                                        </p:attrNameLst>
+                                      </p:cBhvr>
+                                      <p:to>
+                                        <p:strVal val="visible"/>
+                                      </p:to>
+                                    </p:set>
+                                    <p:animEffect transition="in" filter="dissolve">
+                                      <p:cBhvr>
+                                        <p:cTn id="51" dur="100"/>
+                                        <p:tgtEl>
+                                          <p:spTgt spid="66"/>
+                                        </p:tgtEl>
+                                      </p:cBhvr>
+                                    </p:animEffect>
+                                  </p:childTnLst>
+                                </p:cTn>
+                              </p:par>
+                            </p:childTnLst>
+                          </p:cTn>
+                        </p:par>
+                        <p:par>
+                          <p:cTn id="52" fill="hold">
+                            <p:stCondLst>
+                              <p:cond delay="1200"/>
+                            </p:stCondLst>
+                            <p:childTnLst>
+                              <p:par>
+                                <p:cTn id="53" presetID="9" presetClass="entr" presetSubtype="0" fill="hold" nodeType="afterEffect">
+                                  <p:stCondLst>
+                                    <p:cond delay="0"/>
+                                  </p:stCondLst>
+                                  <p:childTnLst>
+                                    <p:set>
+                                      <p:cBhvr>
+                                        <p:cTn id="54" dur="1" fill="hold">
+                                          <p:stCondLst>
+                                            <p:cond delay="0"/>
+                                          </p:stCondLst>
+                                        </p:cTn>
+                                        <p:tgtEl>
+                                          <p:spTgt spid="67"/>
+                                        </p:tgtEl>
+                                        <p:attrNameLst>
+                                          <p:attrName>style.visibility</p:attrName>
+                                        </p:attrNameLst>
+                                      </p:cBhvr>
+                                      <p:to>
+                                        <p:strVal val="visible"/>
+                                      </p:to>
+                                    </p:set>
+                                    <p:animEffect transition="in" filter="dissolve">
+                                      <p:cBhvr>
+                                        <p:cTn id="55" dur="100"/>
+                                        <p:tgtEl>
+                                          <p:spTgt spid="67"/>
+                                        </p:tgtEl>
+                                      </p:cBhvr>
+                                    </p:animEffect>
+                                  </p:childTnLst>
+                                </p:cTn>
+                              </p:par>
+                            </p:childTnLst>
+                          </p:cTn>
+                        </p:par>
+                        <p:par>
+                          <p:cTn id="56" fill="hold">
+                            <p:stCondLst>
+                              <p:cond delay="1300"/>
+                            </p:stCondLst>
+                            <p:childTnLst>
+                              <p:par>
+                                <p:cTn id="57" presetID="9" presetClass="entr" presetSubtype="0" fill="hold" nodeType="afterEffect">
+                                  <p:stCondLst>
+                                    <p:cond delay="0"/>
+                                  </p:stCondLst>
+                                  <p:childTnLst>
+                                    <p:set>
+                                      <p:cBhvr>
+                                        <p:cTn id="58" dur="1" fill="hold">
+                                          <p:stCondLst>
+                                            <p:cond delay="0"/>
+                                          </p:stCondLst>
+                                        </p:cTn>
+                                        <p:tgtEl>
+                                          <p:spTgt spid="68"/>
+                                        </p:tgtEl>
+                                        <p:attrNameLst>
+                                          <p:attrName>style.visibility</p:attrName>
+                                        </p:attrNameLst>
+                                      </p:cBhvr>
+                                      <p:to>
+                                        <p:strVal val="visible"/>
+                                      </p:to>
+                                    </p:set>
+                                    <p:animEffect transition="in" filter="dissolve">
+                                      <p:cBhvr>
+                                        <p:cTn id="59" dur="100"/>
+                                        <p:tgtEl>
+                                          <p:spTgt spid="68"/>
+                                        </p:tgtEl>
+                                      </p:cBhvr>
+                                    </p:animEffect>
+                                  </p:childTnLst>
+                                </p:cTn>
+                              </p:par>
+                            </p:childTnLst>
+                          </p:cTn>
+                        </p:par>
+                        <p:par>
+                          <p:cTn id="60" fill="hold">
+                            <p:stCondLst>
+                              <p:cond delay="1400"/>
+                            </p:stCondLst>
+                            <p:childTnLst>
+                              <p:par>
+                                <p:cTn id="61" presetID="9" presetClass="entr" presetSubtype="0" fill="hold" nodeType="afterEffect">
+                                  <p:stCondLst>
+                                    <p:cond delay="0"/>
+                                  </p:stCondLst>
+                                  <p:childTnLst>
+                                    <p:set>
+                                      <p:cBhvr>
+                                        <p:cTn id="62" dur="1" fill="hold">
+                                          <p:stCondLst>
+                                            <p:cond delay="0"/>
+                                          </p:stCondLst>
+                                        </p:cTn>
+                                        <p:tgtEl>
+                                          <p:spTgt spid="69"/>
+                                        </p:tgtEl>
+                                        <p:attrNameLst>
+                                          <p:attrName>style.visibility</p:attrName>
+                                        </p:attrNameLst>
+                                      </p:cBhvr>
+                                      <p:to>
+                                        <p:strVal val="visible"/>
+                                      </p:to>
+                                    </p:set>
+                                    <p:animEffect transition="in" filter="dissolve">
+                                      <p:cBhvr>
+                                        <p:cTn id="63" dur="100"/>
+                                        <p:tgtEl>
+                                          <p:spTgt spid="69"/>
+                                        </p:tgtEl>
+                                      </p:cBhvr>
+                                    </p:animEffect>
+                                  </p:childTnLst>
+                                </p:cTn>
+                              </p:par>
+                            </p:childTnLst>
+                          </p:cTn>
+                        </p:par>
+                        <p:par>
+                          <p:cTn id="64" fill="hold">
+                            <p:stCondLst>
+                              <p:cond delay="1500"/>
+                            </p:stCondLst>
+                            <p:childTnLst>
+                              <p:par>
+                                <p:cTn id="65" presetID="9" presetClass="entr" presetSubtype="0" fill="hold" nodeType="afterEffect">
+                                  <p:stCondLst>
+                                    <p:cond delay="0"/>
+                                  </p:stCondLst>
+                                  <p:childTnLst>
+                                    <p:set>
+                                      <p:cBhvr>
+                                        <p:cTn id="66" dur="1" fill="hold">
+                                          <p:stCondLst>
+                                            <p:cond delay="0"/>
+                                          </p:stCondLst>
+                                        </p:cTn>
+                                        <p:tgtEl>
+                                          <p:spTgt spid="70"/>
+                                        </p:tgtEl>
+                                        <p:attrNameLst>
+                                          <p:attrName>style.visibility</p:attrName>
+                                        </p:attrNameLst>
+                                      </p:cBhvr>
+                                      <p:to>
+                                        <p:strVal val="visible"/>
+                                      </p:to>
+                                    </p:set>
+                                    <p:animEffect transition="in" filter="dissolve">
+                                      <p:cBhvr>
+                                        <p:cTn id="67" dur="100"/>
+                                        <p:tgtEl>
+                                          <p:spTgt spid="70"/>
+                                        </p:tgtEl>
+                                      </p:cBhvr>
+                                    </p:animEffect>
+                                  </p:childTnLst>
+                                </p:cTn>
+                              </p:par>
+                            </p:childTnLst>
+                          </p:cTn>
+                        </p:par>
+                      </p:childTnLst>
+                    </p:cTn>
+                  </p:par>
+                  <p:par>
+                    <p:cTn id="68" fill="hold">
+                      <p:stCondLst>
+                        <p:cond delay="indefinite"/>
+                      </p:stCondLst>
+                      <p:childTnLst>
+                        <p:par>
+                          <p:cTn id="69" fill="hold">
+                            <p:stCondLst>
+                              <p:cond delay="0"/>
+                            </p:stCondLst>
+                            <p:childTnLst>
+                              <p:par>
+                                <p:cTn id="70" presetID="1" presetClass="entr" presetSubtype="0" fill="hold" nodeType="clickEffect">
+                                  <p:stCondLst>
+                                    <p:cond delay="0"/>
+                                  </p:stCondLst>
+                                  <p:childTnLst>
+                                    <p:set>
+                                      <p:cBhvr>
+                                        <p:cTn id="71" dur="1" fill="hold">
+                                          <p:stCondLst>
+                                            <p:cond delay="0"/>
+                                          </p:stCondLst>
+                                        </p:cTn>
+                                        <p:tgtEl>
+                                          <p:spTgt spid="75"/>
+                                        </p:tgtEl>
+                                        <p:attrNameLst>
+                                          <p:attrName>style.visibility</p:attrName>
+                                        </p:attrNameLst>
+                                      </p:cBhvr>
+                                      <p:to>
+                                        <p:strVal val="visible"/>
+                                      </p:to>
+                                    </p:set>
+                                  </p:childTnLst>
+                                </p:cTn>
+                              </p:par>
+                            </p:childTnLst>
+                          </p:cTn>
+                        </p:par>
+                      </p:childTnLst>
+                    </p:cTn>
+                  </p:par>
+                  <p:par>
+                    <p:cTn id="72" fill="hold">
+                      <p:stCondLst>
+                        <p:cond delay="indefinite"/>
+                      </p:stCondLst>
+                      <p:childTnLst>
+                        <p:par>
+                          <p:cTn id="73" fill="hold">
+                            <p:stCondLst>
+                              <p:cond delay="0"/>
+                            </p:stCondLst>
+                            <p:childTnLst>
+                              <p:par>
+                                <p:cTn id="74" presetID="0" presetClass="path" presetSubtype="0" accel="50000" decel="50000" fill="hold" nodeType="clickEffect">
+                                  <p:stCondLst>
+                                    <p:cond delay="0"/>
+                                  </p:stCondLst>
+                                  <p:childTnLst>
+                                    <p:animMotion origin="layout" path="M 4.56503E-6 -1.41865E-6 L 0.19396 0.09789 " pathEditMode="relative" ptsTypes="AA">
+                                      <p:cBhvr>
+                                        <p:cTn id="75" dur="2000" fill="hold"/>
+                                        <p:tgtEl>
+                                          <p:spTgt spid="75"/>
+                                        </p:tgtEl>
+                                        <p:attrNameLst>
+                                          <p:attrName>ppt_x</p:attrName>
+                                          <p:attrName>ppt_y</p:attrName>
+                                        </p:attrNameLst>
+                                      </p:cBhvr>
+                                    </p:animMotion>
+                                  </p:childTnLst>
+                                </p:cTn>
+                              </p:par>
+                            </p:childTnLst>
+                          </p:cTn>
+                        </p:par>
+                        <p:par>
+                          <p:cTn id="76" fill="hold">
+                            <p:stCondLst>
+                              <p:cond delay="2000"/>
+                            </p:stCondLst>
+                            <p:childTnLst>
+                              <p:par>
+                                <p:cTn id="77" presetID="1" presetClass="exit" presetSubtype="0" fill="hold" nodeType="afterEffect">
+                                  <p:stCondLst>
+                                    <p:cond delay="0"/>
+                                  </p:stCondLst>
+                                  <p:childTnLst>
+                                    <p:set>
+                                      <p:cBhvr>
+                                        <p:cTn id="78" dur="1" fill="hold">
+                                          <p:stCondLst>
+                                            <p:cond delay="0"/>
+                                          </p:stCondLst>
+                                        </p:cTn>
+                                        <p:tgtEl>
+                                          <p:spTgt spid="60"/>
+                                        </p:tgtEl>
+                                        <p:attrNameLst>
+                                          <p:attrName>style.visibility</p:attrName>
+                                        </p:attrNameLst>
+                                      </p:cBhvr>
+                                      <p:to>
+                                        <p:strVal val="hidden"/>
+                                      </p:to>
+                                    </p:set>
+                                  </p:childTnLst>
+                                </p:cTn>
+                              </p:par>
+                            </p:childTnLst>
+                          </p:cTn>
+                        </p:par>
+                      </p:childTnLst>
+                    </p:cTn>
+                  </p:par>
+                  <p:par>
+                    <p:cTn id="79" fill="hold">
+                      <p:stCondLst>
+                        <p:cond delay="indefinite"/>
+                      </p:stCondLst>
+                      <p:childTnLst>
+                        <p:par>
+                          <p:cTn id="80" fill="hold">
+                            <p:stCondLst>
+                              <p:cond delay="0"/>
+                            </p:stCondLst>
+                            <p:childTnLst>
+                              <p:par>
+                                <p:cTn id="81" presetID="1" presetClass="exit" presetSubtype="0" fill="hold" nodeType="clickEffect">
+                                  <p:stCondLst>
+                                    <p:cond delay="0"/>
+                                  </p:stCondLst>
+                                  <p:childTnLst>
+                                    <p:set>
+                                      <p:cBhvr>
+                                        <p:cTn id="82" dur="1" fill="hold">
+                                          <p:stCondLst>
+                                            <p:cond delay="0"/>
+                                          </p:stCondLst>
+                                        </p:cTn>
+                                        <p:tgtEl>
+                                          <p:spTgt spid="62"/>
+                                        </p:tgtEl>
+                                        <p:attrNameLst>
+                                          <p:attrName>style.visibility</p:attrName>
+                                        </p:attrNameLst>
+                                      </p:cBhvr>
+                                      <p:to>
+                                        <p:strVal val="hidden"/>
+                                      </p:to>
+                                    </p:set>
+                                  </p:childTnLst>
+                                </p:cTn>
+                              </p:par>
+                            </p:childTnLst>
+                          </p:cTn>
+                        </p:par>
+                        <p:par>
+                          <p:cTn id="83" fill="hold">
+                            <p:stCondLst>
+                              <p:cond delay="0"/>
+                            </p:stCondLst>
+                            <p:childTnLst>
+                              <p:par>
+                                <p:cTn id="84" presetID="1" presetClass="entr" presetSubtype="0" fill="hold" nodeType="afterEffect">
+                                  <p:stCondLst>
+                                    <p:cond delay="0"/>
+                                  </p:stCondLst>
+                                  <p:childTnLst>
+                                    <p:set>
+                                      <p:cBhvr>
+                                        <p:cTn id="85" dur="1" fill="hold">
+                                          <p:stCondLst>
+                                            <p:cond delay="0"/>
+                                          </p:stCondLst>
+                                        </p:cTn>
+                                        <p:tgtEl>
+                                          <p:spTgt spid="90"/>
+                                        </p:tgtEl>
+                                        <p:attrNameLst>
+                                          <p:attrName>style.visibility</p:attrName>
+                                        </p:attrNameLst>
+                                      </p:cBhvr>
+                                      <p:to>
+                                        <p:strVal val="visible"/>
+                                      </p:to>
+                                    </p:set>
+                                  </p:childTnLst>
+                                </p:cTn>
+                              </p:par>
+                              <p:par>
+                                <p:cTn id="86" presetID="1" presetClass="exit" presetSubtype="0" fill="hold" nodeType="withEffect">
+                                  <p:stCondLst>
+                                    <p:cond delay="0"/>
+                                  </p:stCondLst>
+                                  <p:childTnLst>
+                                    <p:set>
+                                      <p:cBhvr>
+                                        <p:cTn id="87" dur="1" fill="hold">
+                                          <p:stCondLst>
+                                            <p:cond delay="0"/>
+                                          </p:stCondLst>
+                                        </p:cTn>
+                                        <p:tgtEl>
+                                          <p:spTgt spid="65"/>
+                                        </p:tgtEl>
+                                        <p:attrNameLst>
+                                          <p:attrName>style.visibility</p:attrName>
+                                        </p:attrNameLst>
+                                      </p:cBhvr>
+                                      <p:to>
+                                        <p:strVal val="hidden"/>
+                                      </p:to>
+                                    </p:set>
+                                  </p:childTnLst>
+                                </p:cTn>
+                              </p:par>
+                            </p:childTnLst>
+                          </p:cTn>
+                        </p:par>
+                        <p:par>
+                          <p:cTn id="88" fill="hold">
+                            <p:stCondLst>
+                              <p:cond delay="0"/>
+                            </p:stCondLst>
+                            <p:childTnLst>
+                              <p:par>
+                                <p:cTn id="89" presetID="1" presetClass="entr" presetSubtype="0" fill="hold" nodeType="afterEffect">
+                                  <p:stCondLst>
+                                    <p:cond delay="0"/>
+                                  </p:stCondLst>
+                                  <p:childTnLst>
+                                    <p:set>
+                                      <p:cBhvr>
+                                        <p:cTn id="90" dur="1" fill="hold">
+                                          <p:stCondLst>
+                                            <p:cond delay="0"/>
+                                          </p:stCondLst>
+                                        </p:cTn>
+                                        <p:tgtEl>
+                                          <p:spTgt spid="94"/>
+                                        </p:tgtEl>
+                                        <p:attrNameLst>
+                                          <p:attrName>style.visibility</p:attrName>
+                                        </p:attrNameLst>
+                                      </p:cBhvr>
+                                      <p:to>
+                                        <p:strVal val="visible"/>
+                                      </p:to>
+                                    </p:set>
+                                  </p:childTnLst>
+                                </p:cTn>
+                              </p:par>
+                              <p:par>
+                                <p:cTn id="91" presetID="1" presetClass="exit" presetSubtype="0" fill="hold" nodeType="withEffect">
+                                  <p:stCondLst>
+                                    <p:cond delay="0"/>
+                                  </p:stCondLst>
+                                  <p:childTnLst>
+                                    <p:set>
+                                      <p:cBhvr>
+                                        <p:cTn id="92" dur="1" fill="hold">
+                                          <p:stCondLst>
+                                            <p:cond delay="0"/>
+                                          </p:stCondLst>
+                                        </p:cTn>
+                                        <p:tgtEl>
+                                          <p:spTgt spid="70"/>
+                                        </p:tgtEl>
+                                        <p:attrNameLst>
+                                          <p:attrName>style.visibility</p:attrName>
+                                        </p:attrNameLst>
+                                      </p:cBhvr>
+                                      <p:to>
+                                        <p:strVal val="hidden"/>
+                                      </p:to>
+                                    </p:set>
+                                  </p:childTnLst>
+                                </p:cTn>
+                              </p:par>
+                            </p:childTnLst>
+                          </p:cTn>
+                        </p:par>
+                        <p:par>
+                          <p:cTn id="93" fill="hold">
+                            <p:stCondLst>
+                              <p:cond delay="0"/>
+                            </p:stCondLst>
+                            <p:childTnLst>
+                              <p:par>
+                                <p:cTn id="94" presetID="1" presetClass="entr" presetSubtype="0" fill="hold" nodeType="afterEffect">
+                                  <p:stCondLst>
+                                    <p:cond delay="0"/>
+                                  </p:stCondLst>
+                                  <p:childTnLst>
+                                    <p:set>
+                                      <p:cBhvr>
+                                        <p:cTn id="95" dur="1" fill="hold">
+                                          <p:stCondLst>
+                                            <p:cond delay="0"/>
+                                          </p:stCondLst>
+                                        </p:cTn>
+                                        <p:tgtEl>
+                                          <p:spTgt spid="91"/>
+                                        </p:tgtEl>
+                                        <p:attrNameLst>
+                                          <p:attrName>style.visibility</p:attrName>
+                                        </p:attrNameLst>
+                                      </p:cBhvr>
+                                      <p:to>
+                                        <p:strVal val="visible"/>
+                                      </p:to>
+                                    </p:set>
+                                  </p:childTnLst>
+                                </p:cTn>
+                              </p:par>
+                            </p:childTnLst>
+                          </p:cTn>
+                        </p:par>
+                      </p:childTnLst>
+                    </p:cTn>
+                  </p:par>
+                  <p:par>
+                    <p:cTn id="96" fill="hold">
+                      <p:stCondLst>
+                        <p:cond delay="indefinite"/>
+                      </p:stCondLst>
+                      <p:childTnLst>
+                        <p:par>
+                          <p:cTn id="97" fill="hold">
+                            <p:stCondLst>
+                              <p:cond delay="0"/>
+                            </p:stCondLst>
+                            <p:childTnLst>
+                              <p:par>
+                                <p:cTn id="98" presetID="22" presetClass="entr" presetSubtype="1" fill="hold" nodeType="clickEffect">
+                                  <p:stCondLst>
+                                    <p:cond delay="0"/>
+                                  </p:stCondLst>
+                                  <p:childTnLst>
+                                    <p:set>
+                                      <p:cBhvr>
+                                        <p:cTn id="99" dur="1" fill="hold">
+                                          <p:stCondLst>
+                                            <p:cond delay="0"/>
+                                          </p:stCondLst>
+                                        </p:cTn>
+                                        <p:tgtEl>
+                                          <p:spTgt spid="125"/>
+                                        </p:tgtEl>
+                                        <p:attrNameLst>
+                                          <p:attrName>style.visibility</p:attrName>
+                                        </p:attrNameLst>
+                                      </p:cBhvr>
+                                      <p:to>
+                                        <p:strVal val="visible"/>
+                                      </p:to>
+                                    </p:set>
+                                    <p:animEffect transition="in" filter="wipe(up)">
+                                      <p:cBhvr>
+                                        <p:cTn id="100" dur="300"/>
+                                        <p:tgtEl>
+                                          <p:spTgt spid="125"/>
+                                        </p:tgtEl>
+                                      </p:cBhvr>
+                                    </p:animEffect>
+                                  </p:childTnLst>
+                                </p:cTn>
+                              </p:par>
+                            </p:childTnLst>
+                          </p:cTn>
+                        </p:par>
+                        <p:par>
+                          <p:cTn id="101" fill="hold">
+                            <p:stCondLst>
+                              <p:cond delay="300"/>
+                            </p:stCondLst>
+                            <p:childTnLst>
+                              <p:par>
+                                <p:cTn id="102" presetID="22" presetClass="entr" presetSubtype="1" fill="hold" nodeType="afterEffect">
+                                  <p:stCondLst>
+                                    <p:cond delay="0"/>
+                                  </p:stCondLst>
+                                  <p:childTnLst>
+                                    <p:set>
+                                      <p:cBhvr>
+                                        <p:cTn id="103" dur="1" fill="hold">
+                                          <p:stCondLst>
+                                            <p:cond delay="0"/>
+                                          </p:stCondLst>
+                                        </p:cTn>
+                                        <p:tgtEl>
+                                          <p:spTgt spid="115"/>
+                                        </p:tgtEl>
+                                        <p:attrNameLst>
+                                          <p:attrName>style.visibility</p:attrName>
+                                        </p:attrNameLst>
+                                      </p:cBhvr>
+                                      <p:to>
+                                        <p:strVal val="visible"/>
+                                      </p:to>
+                                    </p:set>
+                                    <p:animEffect transition="in" filter="wipe(up)">
+                                      <p:cBhvr>
+                                        <p:cTn id="104" dur="300"/>
+                                        <p:tgtEl>
+                                          <p:spTgt spid="115"/>
+                                        </p:tgtEl>
+                                      </p:cBhvr>
+                                    </p:animEffect>
+                                  </p:childTnLst>
+                                </p:cTn>
+                              </p:par>
+                            </p:childTnLst>
+                          </p:cTn>
+                        </p:par>
+                        <p:par>
+                          <p:cTn id="105" fill="hold">
+                            <p:stCondLst>
+                              <p:cond delay="600"/>
+                            </p:stCondLst>
+                            <p:childTnLst>
+                              <p:par>
+                                <p:cTn id="106" presetID="22" presetClass="entr" presetSubtype="1" fill="hold" nodeType="afterEffect">
+                                  <p:stCondLst>
+                                    <p:cond delay="0"/>
+                                  </p:stCondLst>
+                                  <p:childTnLst>
+                                    <p:set>
+                                      <p:cBhvr>
+                                        <p:cTn id="107" dur="1" fill="hold">
+                                          <p:stCondLst>
+                                            <p:cond delay="0"/>
+                                          </p:stCondLst>
+                                        </p:cTn>
+                                        <p:tgtEl>
+                                          <p:spTgt spid="130"/>
+                                        </p:tgtEl>
+                                        <p:attrNameLst>
+                                          <p:attrName>style.visibility</p:attrName>
+                                        </p:attrNameLst>
+                                      </p:cBhvr>
+                                      <p:to>
+                                        <p:strVal val="visible"/>
+                                      </p:to>
+                                    </p:set>
+                                    <p:animEffect transition="in" filter="wipe(up)">
+                                      <p:cBhvr>
+                                        <p:cTn id="108" dur="300"/>
+                                        <p:tgtEl>
+                                          <p:spTgt spid="130"/>
+                                        </p:tgtEl>
+                                      </p:cBhvr>
+                                    </p:animEffect>
+                                  </p:childTnLst>
+                                </p:cTn>
+                              </p:par>
+                            </p:childTnLst>
+                          </p:cTn>
+                        </p:par>
+                        <p:par>
+                          <p:cTn id="109" fill="hold">
+                            <p:stCondLst>
+                              <p:cond delay="900"/>
+                            </p:stCondLst>
+                            <p:childTnLst>
+                              <p:par>
+                                <p:cTn id="110" presetID="22" presetClass="entr" presetSubtype="4" fill="hold" nodeType="afterEffect">
+                                  <p:stCondLst>
+                                    <p:cond delay="0"/>
+                                  </p:stCondLst>
+                                  <p:childTnLst>
+                                    <p:set>
+                                      <p:cBhvr>
+                                        <p:cTn id="111" dur="1" fill="hold">
+                                          <p:stCondLst>
+                                            <p:cond delay="0"/>
+                                          </p:stCondLst>
+                                        </p:cTn>
+                                        <p:tgtEl>
+                                          <p:spTgt spid="132"/>
+                                        </p:tgtEl>
+                                        <p:attrNameLst>
+                                          <p:attrName>style.visibility</p:attrName>
+                                        </p:attrNameLst>
+                                      </p:cBhvr>
+                                      <p:to>
+                                        <p:strVal val="visible"/>
+                                      </p:to>
+                                    </p:set>
+                                    <p:animEffect transition="in" filter="wipe(down)">
+                                      <p:cBhvr>
+                                        <p:cTn id="112" dur="300"/>
+                                        <p:tgtEl>
+                                          <p:spTgt spid="132"/>
+                                        </p:tgtEl>
+                                      </p:cBhvr>
+                                    </p:animEffect>
+                                  </p:childTnLst>
+                                </p:cTn>
+                              </p:par>
+                            </p:childTnLst>
+                          </p:cTn>
+                        </p:par>
+                      </p:childTnLst>
+                    </p:cTn>
+                  </p:par>
+                  <p:par>
+                    <p:cTn id="113" fill="hold">
+                      <p:stCondLst>
+                        <p:cond delay="indefinite"/>
+                      </p:stCondLst>
+                      <p:childTnLst>
+                        <p:par>
+                          <p:cTn id="114" fill="hold">
+                            <p:stCondLst>
+                              <p:cond delay="0"/>
+                            </p:stCondLst>
+                            <p:childTnLst>
+                              <p:par>
+                                <p:cTn id="115" presetID="7" presetClass="emph" presetSubtype="2" fill="hold" nodeType="clickEffect">
+                                  <p:stCondLst>
+                                    <p:cond delay="0"/>
+                                  </p:stCondLst>
+                                  <p:childTnLst>
+                                    <p:animClr clrSpc="rgb" dir="cw">
+                                      <p:cBhvr>
+                                        <p:cTn id="116" dur="1000" fill="hold"/>
+                                        <p:tgtEl>
+                                          <p:spTgt spid="115"/>
+                                        </p:tgtEl>
+                                        <p:attrNameLst>
+                                          <p:attrName>stroke.color</p:attrName>
+                                        </p:attrNameLst>
+                                      </p:cBhvr>
+                                      <p:to>
+                                        <a:srgbClr val="66FF66"/>
+                                      </p:to>
+                                    </p:animClr>
+                                    <p:set>
+                                      <p:cBhvr>
+                                        <p:cTn id="117" dur="1000" fill="hold"/>
+                                        <p:tgtEl>
+                                          <p:spTgt spid="115"/>
+                                        </p:tgtEl>
+                                        <p:attrNameLst>
+                                          <p:attrName>stroke.on</p:attrName>
+                                        </p:attrNameLst>
+                                      </p:cBhvr>
+                                      <p:to>
+                                        <p:strVal val="true"/>
+                                      </p:to>
+                                    </p:set>
+                                  </p:childTnLst>
+                                </p:cTn>
+                              </p:par>
+                              <p:par>
+                                <p:cTn id="118" presetID="22" presetClass="entr" presetSubtype="1" fill="hold" grpId="0" nodeType="withEffect">
+                                  <p:stCondLst>
+                                    <p:cond delay="0"/>
+                                  </p:stCondLst>
+                                  <p:childTnLst>
+                                    <p:set>
+                                      <p:cBhvr>
+                                        <p:cTn id="119" dur="1" fill="hold">
+                                          <p:stCondLst>
+                                            <p:cond delay="0"/>
+                                          </p:stCondLst>
+                                        </p:cTn>
+                                        <p:tgtEl>
+                                          <p:spTgt spid="147"/>
+                                        </p:tgtEl>
+                                        <p:attrNameLst>
+                                          <p:attrName>style.visibility</p:attrName>
+                                        </p:attrNameLst>
+                                      </p:cBhvr>
+                                      <p:to>
+                                        <p:strVal val="visible"/>
+                                      </p:to>
+                                    </p:set>
+                                    <p:animEffect transition="in" filter="wipe(up)">
+                                      <p:cBhvr>
+                                        <p:cTn id="120" dur="1000"/>
+                                        <p:tgtEl>
+                                          <p:spTgt spid="147"/>
+                                        </p:tgtEl>
+                                      </p:cBhvr>
+                                    </p:animEffect>
+                                  </p:childTnLst>
+                                </p:cTn>
+                              </p:par>
+                              <p:par>
+                                <p:cTn id="121" presetID="22" presetClass="entr" presetSubtype="4" fill="hold" grpId="0" nodeType="withEffect">
+                                  <p:stCondLst>
+                                    <p:cond delay="0"/>
+                                  </p:stCondLst>
+                                  <p:childTnLst>
+                                    <p:set>
+                                      <p:cBhvr>
+                                        <p:cTn id="122" dur="1" fill="hold">
+                                          <p:stCondLst>
+                                            <p:cond delay="0"/>
+                                          </p:stCondLst>
+                                        </p:cTn>
+                                        <p:tgtEl>
+                                          <p:spTgt spid="146"/>
+                                        </p:tgtEl>
+                                        <p:attrNameLst>
+                                          <p:attrName>style.visibility</p:attrName>
+                                        </p:attrNameLst>
+                                      </p:cBhvr>
+                                      <p:to>
+                                        <p:strVal val="visible"/>
+                                      </p:to>
+                                    </p:set>
+                                    <p:animEffect transition="in" filter="wipe(down)">
+                                      <p:cBhvr>
+                                        <p:cTn id="123" dur="500"/>
+                                        <p:tgtEl>
+                                          <p:spTgt spid="146"/>
+                                        </p:tgtEl>
+                                      </p:cBhvr>
+                                    </p:animEffect>
+                                  </p:childTnLst>
+                                </p:cTn>
+                              </p:par>
+                            </p:childTnLst>
+                          </p:cTn>
+                        </p:par>
+                      </p:childTnLst>
+                    </p:cTn>
+                  </p:par>
+                </p:childTnLst>
+              </p:cTn>
+              <p:prevCondLst>
+                <p:cond evt="onPrev" delay="0">
+                  <p:tgtEl>
+                    <p:sldTgt/>
+                  </p:tgtEl>
+                </p:cond>
+              </p:prevCondLst>
+              <p:nextCondLst>
+                <p:cond evt="onNext" delay="0">
+                  <p:tgtEl>
+                    <p:sldTgt/>
+                  </p:tgtEl>
+                </p:cond>
+              </p:nextCondLst>
+            </p:seq>
+          </p:childTnLst>
+        </p:cTn>
+      </p:par>
+    </p:tnLst>
+    <p:bldLst>
+      <p:bldP spid="146" grpId="0" animBg="1"/>
+      <p:bldP spid="147" grpId="0" animBg="1"/>
+    </p:bldLst>
+  </p:timing>
+</p:sld>
+</file>
+
+<file path=ppt/slides/slide5.xml><?xml version="1.0" encoding="utf-8"?>
+<p:sld xmlns:a="http://schemas.openxmlformats.org/drawingml/2006/main" xmlns:r="http://schemas.openxmlformats.org/officeDocument/2006/relationships" xmlns:p="http://schemas.openxmlformats.org/presentationml/2006/main">
+  <p:cSld>
+    <p:spTree>
+      <p:nvGrpSpPr>
+        <p:cNvPr id="1" name=""/>
+        <p:cNvGrpSpPr/>
+        <p:nvPr/>
+      </p:nvGrpSpPr>
+      <p:grpSpPr>
+        <a:xfrm>
+          <a:off x="0" y="0"/>
+          <a:ext cx="0" cy="0"/>
+          <a:chOff x="0" y="0"/>
+          <a:chExt cx="0" cy="0"/>
+        </a:xfrm>
+      </p:grpSpPr>
+      <p:sp>
+        <p:nvSpPr>
+          <p:cNvPr id="2" name="Titel 1"/>
+          <p:cNvSpPr>
+            <a:spLocks noGrp="1"/>
+          </p:cNvSpPr>
+          <p:nvPr>
+            <p:ph type="title"/>
+          </p:nvPr>
+        </p:nvSpPr>
+        <p:spPr/>
+        <p:txBody>
+          <a:bodyPr/>
+          <a:lstStyle/>
+          <a:p>
+            <a:endParaRPr lang="de-DE"/>
+          </a:p>
+        </p:txBody>
+      </p:sp>
+      <p:sp>
+        <p:nvSpPr>
+          <p:cNvPr id="3" name="Inhaltsplatzhalter 2"/>
+          <p:cNvSpPr>
+            <a:spLocks noGrp="1"/>
+          </p:cNvSpPr>
+          <p:nvPr>
+            <p:ph idx="1"/>
+          </p:nvPr>
+        </p:nvSpPr>
+        <p:spPr/>
+        <p:txBody>
+          <a:bodyPr/>
+          <a:lstStyle/>
+          <a:p>
+            <a:endParaRPr lang="de-DE" dirty="0"/>
+          </a:p>
+        </p:txBody>
+      </p:sp>
+    </p:spTree>
+    <p:extLst>
+      <p:ext uri="{BB962C8B-B14F-4D97-AF65-F5344CB8AC3E}">
+        <p14:creationId xmlns:p14="http://schemas.microsoft.com/office/powerpoint/2010/main" val="2288354542"/>
+      </p:ext>
+    </p:extLst>
+  </p:cSld>
+  <p:clrMapOvr>
+    <a:masterClrMapping/>
+  </p:clrMapOvr>
+  <p:timing>
+    <p:tnLst>
+      <p:par>
+        <p:cTn xmlns:p14="http://schemas.microsoft.com/office/powerpoint/2010/main" id="1" dur="indefinite" restart="never" nodeType="tmRoot"/>
+      </p:par>
+    </p:tnLst>
+  </p:timing>
+</p:sld>
+</file>
+
+<file path=ppt/slides/slide6.xml><?xml version="1.0" encoding="utf-8"?>
+<p:sld xmlns:a="http://schemas.openxmlformats.org/drawingml/2006/main" xmlns:r="http://schemas.openxmlformats.org/officeDocument/2006/relationships" xmlns:p="http://schemas.openxmlformats.org/presentationml/2006/main">
+  <p:cSld>
+    <p:spTree>
+      <p:nvGrpSpPr>
+        <p:cNvPr id="1" name=""/>
+        <p:cNvGrpSpPr/>
+        <p:nvPr/>
+      </p:nvGrpSpPr>
+      <p:grpSpPr>
+        <a:xfrm>
+          <a:off x="0" y="0"/>
+          <a:ext cx="0" cy="0"/>
+          <a:chOff x="0" y="0"/>
+          <a:chExt cx="0" cy="0"/>
+        </a:xfrm>
+      </p:grpSpPr>
+      <p:sp>
+        <p:nvSpPr>
+          <p:cNvPr id="55" name="Rechteck 54"/>
+          <p:cNvSpPr/>
+          <p:nvPr/>
+        </p:nvSpPr>
+        <p:spPr>
+          <a:xfrm>
+            <a:off x="5251450" y="4685268"/>
+            <a:ext cx="342900" cy="342900"/>
+          </a:xfrm>
+          <a:prstGeom prst="rect">
+            <a:avLst/>
+          </a:prstGeom>
+        </p:spPr>
+        <p:style>
+          <a:lnRef idx="1">
+            <a:schemeClr val="accent1"/>
+          </a:lnRef>
+          <a:fillRef idx="3">
+            <a:schemeClr val="accent1"/>
+          </a:fillRef>
+          <a:effectRef idx="2">
+            <a:schemeClr val="accent1"/>
+          </a:effectRef>
+          <a:fontRef idx="minor">
+            <a:schemeClr val="lt1"/>
+          </a:fontRef>
+        </p:style>
+        <p:txBody>
+          <a:bodyPr rtlCol="0" anchor="ctr"/>
+          <a:lstStyle/>
+          <a:p>
+            <a:pPr algn="ctr"/>
+            <a:endParaRPr lang="de-DE" dirty="0"/>
+          </a:p>
+        </p:txBody>
+      </p:sp>
+      <p:sp>
+        <p:nvSpPr>
+          <p:cNvPr id="56" name="Rechteck 55"/>
+          <p:cNvSpPr/>
+          <p:nvPr/>
+        </p:nvSpPr>
+        <p:spPr>
+          <a:xfrm>
+            <a:off x="5600700" y="4685268"/>
+            <a:ext cx="342900" cy="342900"/>
+          </a:xfrm>
+          <a:prstGeom prst="rect">
+            <a:avLst/>
+          </a:prstGeom>
+        </p:spPr>
+        <p:style>
+          <a:lnRef idx="1">
+            <a:schemeClr val="accent1"/>
+          </a:lnRef>
+          <a:fillRef idx="3">
+            <a:schemeClr val="accent1"/>
+          </a:fillRef>
+          <a:effectRef idx="2">
+            <a:schemeClr val="accent1"/>
+          </a:effectRef>
+          <a:fontRef idx="minor">
+            <a:schemeClr val="lt1"/>
+          </a:fontRef>
+        </p:style>
+        <p:txBody>
+          <a:bodyPr rtlCol="0" anchor="ctr"/>
+          <a:lstStyle/>
+          <a:p>
+            <a:pPr algn="ctr"/>
+            <a:endParaRPr lang="de-DE" dirty="0"/>
+          </a:p>
+        </p:txBody>
+      </p:sp>
+      <p:sp>
+        <p:nvSpPr>
+          <p:cNvPr id="57" name="Rechteck 56"/>
+          <p:cNvSpPr/>
+          <p:nvPr/>
+        </p:nvSpPr>
+        <p:spPr>
+          <a:xfrm>
+            <a:off x="5943600" y="4685268"/>
+            <a:ext cx="342900" cy="342900"/>
+          </a:xfrm>
+          <a:prstGeom prst="rect">
+            <a:avLst/>
+          </a:prstGeom>
+        </p:spPr>
+        <p:style>
+          <a:lnRef idx="1">
+            <a:schemeClr val="accent1"/>
+          </a:lnRef>
+          <a:fillRef idx="3">
+            <a:schemeClr val="accent1"/>
+          </a:fillRef>
+          <a:effectRef idx="2">
+            <a:schemeClr val="accent1"/>
+          </a:effectRef>
+          <a:fontRef idx="minor">
+            <a:schemeClr val="lt1"/>
+          </a:fontRef>
+        </p:style>
+        <p:txBody>
+          <a:bodyPr rtlCol="0" anchor="ctr"/>
+          <a:lstStyle/>
+          <a:p>
+            <a:pPr algn="ctr"/>
+            <a:endParaRPr lang="de-DE" dirty="0"/>
+          </a:p>
+        </p:txBody>
+      </p:sp>
+      <p:sp>
+        <p:nvSpPr>
+          <p:cNvPr id="58" name="Rechteck 57"/>
+          <p:cNvSpPr/>
+          <p:nvPr/>
+        </p:nvSpPr>
+        <p:spPr>
+          <a:xfrm>
+            <a:off x="6299200" y="4685268"/>
+            <a:ext cx="342900" cy="342900"/>
+          </a:xfrm>
+          <a:prstGeom prst="rect">
+            <a:avLst/>
+          </a:prstGeom>
+        </p:spPr>
+        <p:style>
+          <a:lnRef idx="1">
+            <a:schemeClr val="accent1"/>
+          </a:lnRef>
+          <a:fillRef idx="3">
+            <a:schemeClr val="accent1"/>
+          </a:fillRef>
+          <a:effectRef idx="2">
+            <a:schemeClr val="accent1"/>
+          </a:effectRef>
+          <a:fontRef idx="minor">
+            <a:schemeClr val="lt1"/>
+          </a:fontRef>
+        </p:style>
+        <p:txBody>
+          <a:bodyPr rtlCol="0" anchor="ctr"/>
+          <a:lstStyle/>
+          <a:p>
+            <a:pPr algn="ctr"/>
+            <a:endParaRPr lang="de-DE" dirty="0"/>
+          </a:p>
+        </p:txBody>
+      </p:sp>
+      <p:sp>
+        <p:nvSpPr>
+          <p:cNvPr id="59" name="Rechteck 58"/>
+          <p:cNvSpPr/>
+          <p:nvPr/>
+        </p:nvSpPr>
+        <p:spPr>
+          <a:xfrm>
+            <a:off x="6642100" y="4685268"/>
+            <a:ext cx="342900" cy="342900"/>
+          </a:xfrm>
+          <a:prstGeom prst="rect">
+            <a:avLst/>
+          </a:prstGeom>
+        </p:spPr>
+        <p:style>
+          <a:lnRef idx="1">
+            <a:schemeClr val="accent1"/>
+          </a:lnRef>
+          <a:fillRef idx="3">
+            <a:schemeClr val="accent1"/>
+          </a:fillRef>
+          <a:effectRef idx="2">
+            <a:schemeClr val="accent1"/>
+          </a:effectRef>
+          <a:fontRef idx="minor">
+            <a:schemeClr val="lt1"/>
+          </a:fontRef>
+        </p:style>
+        <p:txBody>
+          <a:bodyPr rtlCol="0" anchor="ctr"/>
+          <a:lstStyle/>
+          <a:p>
+            <a:pPr algn="ctr"/>
+            <a:endParaRPr lang="de-DE" dirty="0"/>
+          </a:p>
+        </p:txBody>
+      </p:sp>
+      <p:sp>
+        <p:nvSpPr>
+          <p:cNvPr id="60" name="Rechteck 59"/>
+          <p:cNvSpPr/>
+          <p:nvPr/>
+        </p:nvSpPr>
+        <p:spPr>
+          <a:xfrm>
+            <a:off x="6991350" y="4685268"/>
+            <a:ext cx="342900" cy="342900"/>
+          </a:xfrm>
+          <a:prstGeom prst="rect">
+            <a:avLst/>
+          </a:prstGeom>
+        </p:spPr>
+        <p:style>
+          <a:lnRef idx="1">
+            <a:schemeClr val="accent1"/>
+          </a:lnRef>
+          <a:fillRef idx="3">
+            <a:schemeClr val="accent1"/>
+          </a:fillRef>
+          <a:effectRef idx="2">
+            <a:schemeClr val="accent1"/>
+          </a:effectRef>
+          <a:fontRef idx="minor">
+            <a:schemeClr val="lt1"/>
+          </a:fontRef>
+        </p:style>
+        <p:txBody>
+          <a:bodyPr rtlCol="0" anchor="ctr"/>
+          <a:lstStyle/>
+          <a:p>
+            <a:pPr algn="ctr"/>
+            <a:endParaRPr lang="de-DE" dirty="0"/>
+          </a:p>
+        </p:txBody>
+      </p:sp>
+      <p:sp>
+        <p:nvSpPr>
+          <p:cNvPr id="61" name="Rechteck 60"/>
+          <p:cNvSpPr/>
+          <p:nvPr/>
+        </p:nvSpPr>
+        <p:spPr>
+          <a:xfrm>
+            <a:off x="7340600" y="4685268"/>
+            <a:ext cx="342900" cy="342900"/>
+          </a:xfrm>
+          <a:prstGeom prst="rect">
+            <a:avLst/>
+          </a:prstGeom>
+        </p:spPr>
+        <p:style>
+          <a:lnRef idx="1">
+            <a:schemeClr val="accent1"/>
+          </a:lnRef>
+          <a:fillRef idx="3">
+            <a:schemeClr val="accent1"/>
+          </a:fillRef>
+          <a:effectRef idx="2">
+            <a:schemeClr val="accent1"/>
+          </a:effectRef>
+          <a:fontRef idx="minor">
+            <a:schemeClr val="lt1"/>
+          </a:fontRef>
+        </p:style>
+        <p:txBody>
+          <a:bodyPr rtlCol="0" anchor="ctr"/>
+          <a:lstStyle/>
+          <a:p>
+            <a:pPr algn="ctr"/>
+            <a:endParaRPr lang="de-DE" dirty="0"/>
+          </a:p>
+        </p:txBody>
+      </p:sp>
+      <p:sp>
+        <p:nvSpPr>
+          <p:cNvPr id="62" name="Rechteck 61"/>
+          <p:cNvSpPr/>
+          <p:nvPr/>
+        </p:nvSpPr>
+        <p:spPr>
+          <a:xfrm>
+            <a:off x="7689850" y="4685268"/>
+            <a:ext cx="342900" cy="342900"/>
+          </a:xfrm>
+          <a:prstGeom prst="rect">
+            <a:avLst/>
+          </a:prstGeom>
+        </p:spPr>
+        <p:style>
+          <a:lnRef idx="1">
+            <a:schemeClr val="accent1"/>
+          </a:lnRef>
+          <a:fillRef idx="3">
+            <a:schemeClr val="accent1"/>
+          </a:fillRef>
+          <a:effectRef idx="2">
+            <a:schemeClr val="accent1"/>
+          </a:effectRef>
+          <a:fontRef idx="minor">
+            <a:schemeClr val="lt1"/>
+          </a:fontRef>
+        </p:style>
+        <p:txBody>
+          <a:bodyPr rtlCol="0" anchor="ctr"/>
+          <a:lstStyle/>
+          <a:p>
+            <a:pPr algn="ctr"/>
+            <a:endParaRPr lang="de-DE"/>
+          </a:p>
+        </p:txBody>
+      </p:sp>
+      <p:sp>
+        <p:nvSpPr>
+          <p:cNvPr id="64" name="Textfeld 63"/>
+          <p:cNvSpPr txBox="1"/>
+          <p:nvPr/>
+        </p:nvSpPr>
+        <p:spPr>
+          <a:xfrm>
+            <a:off x="493729" y="2344588"/>
+            <a:ext cx="301660" cy="369332"/>
+          </a:xfrm>
+          <a:prstGeom prst="rect">
+            <a:avLst/>
+          </a:prstGeom>
+          <a:noFill/>
+        </p:spPr>
+        <p:txBody>
+          <a:bodyPr wrap="none" rtlCol="0">
+            <a:spAutoFit/>
+          </a:bodyPr>
+          <a:lstStyle/>
+          <a:p>
+            <a:r>
+              <a:rPr lang="de-DE" dirty="0"/>
+              <a:t>6</a:t>
+            </a:r>
+            <a:endParaRPr lang="de-DE" dirty="0"/>
+          </a:p>
+        </p:txBody>
+      </p:sp>
+      <p:sp>
+        <p:nvSpPr>
+          <p:cNvPr id="63" name="Textfeld 62"/>
+          <p:cNvSpPr txBox="1"/>
+          <p:nvPr/>
+        </p:nvSpPr>
+        <p:spPr>
+          <a:xfrm>
+            <a:off x="493729" y="2343556"/>
+            <a:ext cx="301660" cy="369332"/>
+          </a:xfrm>
+          <a:prstGeom prst="rect">
+            <a:avLst/>
+          </a:prstGeom>
+          <a:noFill/>
+        </p:spPr>
+        <p:txBody>
+          <a:bodyPr wrap="none" rtlCol="0">
+            <a:spAutoFit/>
+          </a:bodyPr>
+          <a:lstStyle/>
+          <a:p>
+            <a:r>
+              <a:rPr lang="de-DE" dirty="0" smtClean="0"/>
+              <a:t>4</a:t>
+            </a:r>
+            <a:endParaRPr lang="de-DE" dirty="0"/>
+          </a:p>
+        </p:txBody>
+      </p:sp>
+      <p:sp>
+        <p:nvSpPr>
+          <p:cNvPr id="65" name="Textfeld 64"/>
+          <p:cNvSpPr txBox="1"/>
+          <p:nvPr/>
+        </p:nvSpPr>
+        <p:spPr>
+          <a:xfrm>
+            <a:off x="493729" y="2344588"/>
+            <a:ext cx="301660" cy="369332"/>
+          </a:xfrm>
+          <a:prstGeom prst="rect">
+            <a:avLst/>
+          </a:prstGeom>
+          <a:noFill/>
+        </p:spPr>
+        <p:txBody>
+          <a:bodyPr wrap="none" rtlCol="0">
+            <a:spAutoFit/>
+          </a:bodyPr>
+          <a:lstStyle/>
+          <a:p>
+            <a:r>
+              <a:rPr lang="de-DE" dirty="0"/>
+              <a:t>7</a:t>
+            </a:r>
+            <a:endParaRPr lang="de-DE" dirty="0"/>
+          </a:p>
+        </p:txBody>
+      </p:sp>
+      <p:sp>
+        <p:nvSpPr>
+          <p:cNvPr id="7" name="Rechteck 6"/>
+          <p:cNvSpPr/>
+          <p:nvPr/>
+        </p:nvSpPr>
+        <p:spPr>
+          <a:xfrm>
+            <a:off x="5251450" y="3402568"/>
+            <a:ext cx="342900" cy="342900"/>
+          </a:xfrm>
+          <a:prstGeom prst="rect">
+            <a:avLst/>
+          </a:prstGeom>
+        </p:spPr>
+        <p:style>
+          <a:lnRef idx="1">
+            <a:schemeClr val="accent1"/>
+          </a:lnRef>
+          <a:fillRef idx="3">
+            <a:schemeClr val="accent1"/>
+          </a:fillRef>
+          <a:effectRef idx="2">
+            <a:schemeClr val="accent1"/>
+          </a:effectRef>
+          <a:fontRef idx="minor">
+            <a:schemeClr val="lt1"/>
+          </a:fontRef>
+        </p:style>
+        <p:txBody>
+          <a:bodyPr rtlCol="0" anchor="ctr"/>
+          <a:lstStyle/>
+          <a:p>
+            <a:pPr algn="ctr"/>
+            <a:endParaRPr lang="de-DE" dirty="0"/>
+          </a:p>
+        </p:txBody>
+      </p:sp>
+      <p:sp>
+        <p:nvSpPr>
+          <p:cNvPr id="8" name="Rechteck 7"/>
+          <p:cNvSpPr/>
+          <p:nvPr/>
+        </p:nvSpPr>
+        <p:spPr>
+          <a:xfrm>
+            <a:off x="5600700" y="3402568"/>
+            <a:ext cx="342900" cy="342900"/>
+          </a:xfrm>
+          <a:prstGeom prst="rect">
+            <a:avLst/>
+          </a:prstGeom>
+        </p:spPr>
+        <p:style>
+          <a:lnRef idx="1">
+            <a:schemeClr val="accent1"/>
+          </a:lnRef>
+          <a:fillRef idx="3">
+            <a:schemeClr val="accent1"/>
+          </a:fillRef>
+          <a:effectRef idx="2">
+            <a:schemeClr val="accent1"/>
+          </a:effectRef>
+          <a:fontRef idx="minor">
+            <a:schemeClr val="lt1"/>
+          </a:fontRef>
+        </p:style>
+        <p:txBody>
+          <a:bodyPr rtlCol="0" anchor="ctr"/>
+          <a:lstStyle/>
+          <a:p>
+            <a:pPr algn="ctr"/>
+            <a:endParaRPr lang="de-DE" dirty="0"/>
+          </a:p>
+        </p:txBody>
+      </p:sp>
+      <p:sp>
+        <p:nvSpPr>
+          <p:cNvPr id="9" name="Rechteck 8"/>
+          <p:cNvSpPr/>
+          <p:nvPr/>
+        </p:nvSpPr>
+        <p:spPr>
+          <a:xfrm>
+            <a:off x="5943600" y="3402568"/>
+            <a:ext cx="342900" cy="342900"/>
+          </a:xfrm>
+          <a:prstGeom prst="rect">
+            <a:avLst/>
+          </a:prstGeom>
+        </p:spPr>
+        <p:style>
+          <a:lnRef idx="1">
+            <a:schemeClr val="accent1"/>
+          </a:lnRef>
+          <a:fillRef idx="3">
+            <a:schemeClr val="accent1"/>
+          </a:fillRef>
+          <a:effectRef idx="2">
+            <a:schemeClr val="accent1"/>
+          </a:effectRef>
+          <a:fontRef idx="minor">
+            <a:schemeClr val="lt1"/>
+          </a:fontRef>
+        </p:style>
+        <p:txBody>
+          <a:bodyPr rtlCol="0" anchor="ctr"/>
+          <a:lstStyle/>
+          <a:p>
+            <a:pPr algn="ctr"/>
+            <a:endParaRPr lang="de-DE" dirty="0"/>
+          </a:p>
+        </p:txBody>
+      </p:sp>
+      <p:sp>
+        <p:nvSpPr>
+          <p:cNvPr id="10" name="Rechteck 9"/>
+          <p:cNvSpPr/>
+          <p:nvPr/>
+        </p:nvSpPr>
+        <p:spPr>
+          <a:xfrm>
+            <a:off x="6299200" y="3402568"/>
+            <a:ext cx="342900" cy="342900"/>
+          </a:xfrm>
+          <a:prstGeom prst="rect">
+            <a:avLst/>
+          </a:prstGeom>
+        </p:spPr>
+        <p:style>
+          <a:lnRef idx="1">
+            <a:schemeClr val="accent1"/>
+          </a:lnRef>
+          <a:fillRef idx="3">
+            <a:schemeClr val="accent1"/>
+          </a:fillRef>
+          <a:effectRef idx="2">
+            <a:schemeClr val="accent1"/>
+          </a:effectRef>
+          <a:fontRef idx="minor">
+            <a:schemeClr val="lt1"/>
+          </a:fontRef>
+        </p:style>
+        <p:txBody>
+          <a:bodyPr rtlCol="0" anchor="ctr"/>
+          <a:lstStyle/>
+          <a:p>
+            <a:pPr algn="ctr"/>
+            <a:endParaRPr lang="de-DE" dirty="0"/>
+          </a:p>
+        </p:txBody>
+      </p:sp>
+      <p:sp>
+        <p:nvSpPr>
+          <p:cNvPr id="12" name="Rechteck 11"/>
+          <p:cNvSpPr/>
+          <p:nvPr/>
+        </p:nvSpPr>
+        <p:spPr>
+          <a:xfrm>
+            <a:off x="6642100" y="3402568"/>
+            <a:ext cx="342900" cy="342900"/>
+          </a:xfrm>
+          <a:prstGeom prst="rect">
+            <a:avLst/>
+          </a:prstGeom>
+        </p:spPr>
+        <p:style>
+          <a:lnRef idx="1">
+            <a:schemeClr val="accent1"/>
+          </a:lnRef>
+          <a:fillRef idx="3">
+            <a:schemeClr val="accent1"/>
+          </a:fillRef>
+          <a:effectRef idx="2">
+            <a:schemeClr val="accent1"/>
+          </a:effectRef>
+          <a:fontRef idx="minor">
+            <a:schemeClr val="lt1"/>
+          </a:fontRef>
+        </p:style>
+        <p:txBody>
+          <a:bodyPr rtlCol="0" anchor="ctr"/>
+          <a:lstStyle/>
+          <a:p>
+            <a:pPr algn="ctr"/>
+            <a:endParaRPr lang="de-DE" dirty="0"/>
+          </a:p>
+        </p:txBody>
+      </p:sp>
+      <p:sp>
+        <p:nvSpPr>
+          <p:cNvPr id="13" name="Rechteck 12"/>
+          <p:cNvSpPr/>
+          <p:nvPr/>
+        </p:nvSpPr>
+        <p:spPr>
+          <a:xfrm>
+            <a:off x="6991350" y="3402568"/>
+            <a:ext cx="342900" cy="342900"/>
+          </a:xfrm>
+          <a:prstGeom prst="rect">
+            <a:avLst/>
+          </a:prstGeom>
+        </p:spPr>
+        <p:style>
+          <a:lnRef idx="1">
+            <a:schemeClr val="accent1"/>
+          </a:lnRef>
+          <a:fillRef idx="3">
+            <a:schemeClr val="accent1"/>
+          </a:fillRef>
+          <a:effectRef idx="2">
+            <a:schemeClr val="accent1"/>
+          </a:effectRef>
+          <a:fontRef idx="minor">
+            <a:schemeClr val="lt1"/>
+          </a:fontRef>
+        </p:style>
+        <p:txBody>
+          <a:bodyPr rtlCol="0" anchor="ctr"/>
+          <a:lstStyle/>
+          <a:p>
+            <a:pPr algn="ctr"/>
+            <a:endParaRPr lang="de-DE" dirty="0"/>
+          </a:p>
+        </p:txBody>
+      </p:sp>
+      <p:sp>
+        <p:nvSpPr>
+          <p:cNvPr id="14" name="Rechteck 13"/>
+          <p:cNvSpPr/>
+          <p:nvPr/>
+        </p:nvSpPr>
+        <p:spPr>
+          <a:xfrm>
+            <a:off x="7340600" y="3402568"/>
+            <a:ext cx="342900" cy="342900"/>
+          </a:xfrm>
+          <a:prstGeom prst="rect">
+            <a:avLst/>
+          </a:prstGeom>
+        </p:spPr>
+        <p:style>
+          <a:lnRef idx="1">
+            <a:schemeClr val="accent1"/>
+          </a:lnRef>
+          <a:fillRef idx="3">
+            <a:schemeClr val="accent1"/>
+          </a:fillRef>
+          <a:effectRef idx="2">
+            <a:schemeClr val="accent1"/>
+          </a:effectRef>
+          <a:fontRef idx="minor">
+            <a:schemeClr val="lt1"/>
+          </a:fontRef>
+        </p:style>
+        <p:txBody>
+          <a:bodyPr rtlCol="0" anchor="ctr"/>
+          <a:lstStyle/>
+          <a:p>
+            <a:pPr algn="ctr"/>
+            <a:endParaRPr lang="de-DE" dirty="0"/>
+          </a:p>
+        </p:txBody>
+      </p:sp>
+      <p:sp>
+        <p:nvSpPr>
+          <p:cNvPr id="15" name="Rechteck 14"/>
+          <p:cNvSpPr/>
+          <p:nvPr/>
+        </p:nvSpPr>
+        <p:spPr>
+          <a:xfrm>
+            <a:off x="7689850" y="3402568"/>
+            <a:ext cx="342900" cy="342900"/>
+          </a:xfrm>
+          <a:prstGeom prst="rect">
+            <a:avLst/>
+          </a:prstGeom>
+        </p:spPr>
+        <p:style>
+          <a:lnRef idx="1">
+            <a:schemeClr val="accent1"/>
+          </a:lnRef>
+          <a:fillRef idx="3">
+            <a:schemeClr val="accent1"/>
+          </a:fillRef>
+          <a:effectRef idx="2">
+            <a:schemeClr val="accent1"/>
+          </a:effectRef>
+          <a:fontRef idx="minor">
+            <a:schemeClr val="lt1"/>
+          </a:fontRef>
+        </p:style>
+        <p:txBody>
+          <a:bodyPr rtlCol="0" anchor="ctr"/>
+          <a:lstStyle/>
+          <a:p>
+            <a:pPr algn="ctr"/>
+            <a:endParaRPr lang="de-DE"/>
+          </a:p>
+        </p:txBody>
+      </p:sp>
+      <p:sp>
+        <p:nvSpPr>
+          <p:cNvPr id="33" name="Textfeld 32"/>
+          <p:cNvSpPr txBox="1"/>
+          <p:nvPr/>
+        </p:nvSpPr>
+        <p:spPr>
+          <a:xfrm>
+            <a:off x="1522430" y="2434878"/>
+            <a:ext cx="349250" cy="369332"/>
+          </a:xfrm>
+          <a:prstGeom prst="rect">
+            <a:avLst/>
+          </a:prstGeom>
+          <a:noFill/>
+        </p:spPr>
+        <p:txBody>
+          <a:bodyPr wrap="square" rtlCol="0">
+            <a:spAutoFit/>
+          </a:bodyPr>
+          <a:lstStyle/>
+          <a:p>
+            <a:r>
+              <a:rPr lang="de-DE" dirty="0"/>
+              <a:t>5</a:t>
+            </a:r>
+            <a:endParaRPr lang="de-DE" dirty="0"/>
+          </a:p>
+        </p:txBody>
+      </p:sp>
+      <p:sp>
+        <p:nvSpPr>
+          <p:cNvPr id="29" name="Textfeld 28"/>
+          <p:cNvSpPr txBox="1"/>
+          <p:nvPr/>
+        </p:nvSpPr>
+        <p:spPr>
+          <a:xfrm>
+            <a:off x="1525570" y="2431534"/>
+            <a:ext cx="301660" cy="369332"/>
+          </a:xfrm>
+          <a:prstGeom prst="rect">
+            <a:avLst/>
+          </a:prstGeom>
+          <a:noFill/>
+        </p:spPr>
+        <p:txBody>
+          <a:bodyPr wrap="none" rtlCol="0">
+            <a:spAutoFit/>
+          </a:bodyPr>
+          <a:lstStyle/>
+          <a:p>
+            <a:r>
+              <a:rPr lang="de-DE" dirty="0" smtClean="0"/>
+              <a:t>1</a:t>
+            </a:r>
+          </a:p>
+        </p:txBody>
+      </p:sp>
+      <p:sp>
+        <p:nvSpPr>
+          <p:cNvPr id="30" name="Textfeld 29"/>
+          <p:cNvSpPr txBox="1"/>
+          <p:nvPr/>
+        </p:nvSpPr>
+        <p:spPr>
+          <a:xfrm>
+            <a:off x="1527175" y="2432948"/>
+            <a:ext cx="349250" cy="369332"/>
+          </a:xfrm>
+          <a:prstGeom prst="rect">
+            <a:avLst/>
+          </a:prstGeom>
+          <a:noFill/>
+        </p:spPr>
+        <p:txBody>
+          <a:bodyPr wrap="square" rtlCol="0">
+            <a:spAutoFit/>
+          </a:bodyPr>
+          <a:lstStyle/>
+          <a:p>
+            <a:r>
+              <a:rPr lang="de-DE" dirty="0" smtClean="0"/>
+              <a:t>2</a:t>
+            </a:r>
+            <a:endParaRPr lang="de-DE" dirty="0"/>
+          </a:p>
+        </p:txBody>
+      </p:sp>
+      <p:sp>
+        <p:nvSpPr>
+          <p:cNvPr id="31" name="Textfeld 30"/>
+          <p:cNvSpPr txBox="1"/>
+          <p:nvPr/>
+        </p:nvSpPr>
+        <p:spPr>
+          <a:xfrm>
+            <a:off x="1527175" y="2432948"/>
+            <a:ext cx="349250" cy="369332"/>
+          </a:xfrm>
+          <a:prstGeom prst="rect">
+            <a:avLst/>
+          </a:prstGeom>
+          <a:noFill/>
+        </p:spPr>
+        <p:txBody>
+          <a:bodyPr wrap="square" rtlCol="0">
+            <a:spAutoFit/>
+          </a:bodyPr>
+          <a:lstStyle/>
+          <a:p>
+            <a:r>
+              <a:rPr lang="de-DE" dirty="0" smtClean="0"/>
+              <a:t>3</a:t>
+            </a:r>
+            <a:endParaRPr lang="de-DE" dirty="0"/>
+          </a:p>
+        </p:txBody>
+      </p:sp>
+      <p:sp>
+        <p:nvSpPr>
+          <p:cNvPr id="32" name="Textfeld 31"/>
+          <p:cNvSpPr txBox="1"/>
+          <p:nvPr/>
+        </p:nvSpPr>
+        <p:spPr>
+          <a:xfrm>
+            <a:off x="1527175" y="2433980"/>
+            <a:ext cx="349250" cy="369332"/>
+          </a:xfrm>
+          <a:prstGeom prst="rect">
+            <a:avLst/>
+          </a:prstGeom>
+          <a:noFill/>
+        </p:spPr>
+        <p:txBody>
+          <a:bodyPr wrap="square" rtlCol="0">
+            <a:spAutoFit/>
+          </a:bodyPr>
+          <a:lstStyle/>
+          <a:p>
+            <a:r>
+              <a:rPr lang="de-DE" dirty="0" smtClean="0"/>
+              <a:t>4</a:t>
+            </a:r>
+            <a:endParaRPr lang="de-DE" dirty="0"/>
+          </a:p>
+        </p:txBody>
+      </p:sp>
+      <p:sp>
+        <p:nvSpPr>
+          <p:cNvPr id="2" name="Titel 1"/>
+          <p:cNvSpPr>
+            <a:spLocks noGrp="1"/>
+          </p:cNvSpPr>
+          <p:nvPr>
+            <p:ph type="title"/>
+          </p:nvPr>
+        </p:nvSpPr>
+        <p:spPr/>
+        <p:txBody>
+          <a:bodyPr/>
+          <a:lstStyle/>
+          <a:p>
+            <a:endParaRPr lang="de-DE" dirty="0"/>
+          </a:p>
+        </p:txBody>
+      </p:sp>
+      <p:sp>
+        <p:nvSpPr>
+          <p:cNvPr id="5" name="Oval 4"/>
+          <p:cNvSpPr/>
+          <p:nvPr/>
+        </p:nvSpPr>
+        <p:spPr>
+          <a:xfrm>
+            <a:off x="6667500" y="1625600"/>
+            <a:ext cx="1422400" cy="558800"/>
+          </a:xfrm>
+          <a:prstGeom prst="ellipse">
+            <a:avLst/>
+          </a:prstGeom>
+        </p:spPr>
+        <p:style>
+          <a:lnRef idx="1">
+            <a:schemeClr val="accent1"/>
+          </a:lnRef>
+          <a:fillRef idx="3">
+            <a:schemeClr val="accent1"/>
+          </a:fillRef>
+          <a:effectRef idx="2">
+            <a:schemeClr val="accent1"/>
+          </a:effectRef>
+          <a:fontRef idx="minor">
+            <a:schemeClr val="lt1"/>
+          </a:fontRef>
+        </p:style>
+        <p:txBody>
+          <a:bodyPr rtlCol="0" anchor="ctr"/>
+          <a:lstStyle/>
+          <a:p>
+            <a:pPr algn="ctr"/>
+            <a:r>
+              <a:rPr lang="de-DE" dirty="0" smtClean="0"/>
+              <a:t>Receiver</a:t>
+            </a:r>
+            <a:endParaRPr lang="de-DE" dirty="0"/>
+          </a:p>
+        </p:txBody>
+      </p:sp>
+      <p:sp>
+        <p:nvSpPr>
+          <p:cNvPr id="6" name="Oval 5"/>
+          <p:cNvSpPr/>
+          <p:nvPr/>
+        </p:nvSpPr>
+        <p:spPr>
+          <a:xfrm>
+            <a:off x="254000" y="1625600"/>
+            <a:ext cx="1422400" cy="558800"/>
+          </a:xfrm>
+          <a:prstGeom prst="ellipse">
+            <a:avLst/>
+          </a:prstGeom>
+        </p:spPr>
+        <p:style>
+          <a:lnRef idx="1">
+            <a:schemeClr val="accent1"/>
+          </a:lnRef>
+          <a:fillRef idx="3">
+            <a:schemeClr val="accent1"/>
+          </a:fillRef>
+          <a:effectRef idx="2">
+            <a:schemeClr val="accent1"/>
+          </a:effectRef>
+          <a:fontRef idx="minor">
+            <a:schemeClr val="lt1"/>
+          </a:fontRef>
+        </p:style>
+        <p:txBody>
+          <a:bodyPr rtlCol="0" anchor="ctr"/>
+          <a:lstStyle/>
+          <a:p>
+            <a:pPr algn="ctr"/>
+            <a:r>
+              <a:rPr lang="de-DE" dirty="0" smtClean="0"/>
+              <a:t>Sender</a:t>
+            </a:r>
+          </a:p>
+        </p:txBody>
+      </p:sp>
+      <p:sp>
+        <p:nvSpPr>
+          <p:cNvPr id="27" name="Freihandform 26"/>
+          <p:cNvSpPr/>
+          <p:nvPr/>
+        </p:nvSpPr>
+        <p:spPr>
+          <a:xfrm>
+            <a:off x="933449" y="2222500"/>
+            <a:ext cx="3986596" cy="637962"/>
+          </a:xfrm>
+          <a:custGeom>
+            <a:avLst/>
+            <a:gdLst>
+              <a:gd name="connsiteX0" fmla="*/ 0 w 2292350"/>
+              <a:gd name="connsiteY0" fmla="*/ 0 h 431800"/>
+              <a:gd name="connsiteX1" fmla="*/ 419100 w 2292350"/>
+              <a:gd name="connsiteY1" fmla="*/ 387350 h 431800"/>
+              <a:gd name="connsiteX2" fmla="*/ 2292350 w 2292350"/>
+              <a:gd name="connsiteY2" fmla="*/ 431800 h 431800"/>
+              <a:gd name="connsiteX0" fmla="*/ 0 w 2292350"/>
+              <a:gd name="connsiteY0" fmla="*/ 0 h 431800"/>
+              <a:gd name="connsiteX1" fmla="*/ 419100 w 2292350"/>
+              <a:gd name="connsiteY1" fmla="*/ 387350 h 431800"/>
+              <a:gd name="connsiteX2" fmla="*/ 1593850 w 2292350"/>
+              <a:gd name="connsiteY2" fmla="*/ 368300 h 431800"/>
+              <a:gd name="connsiteX3" fmla="*/ 2292350 w 2292350"/>
+              <a:gd name="connsiteY3" fmla="*/ 431800 h 431800"/>
+              <a:gd name="connsiteX0" fmla="*/ 0 w 2413000"/>
+              <a:gd name="connsiteY0" fmla="*/ 0 h 717550"/>
+              <a:gd name="connsiteX1" fmla="*/ 419100 w 2413000"/>
+              <a:gd name="connsiteY1" fmla="*/ 387350 h 717550"/>
+              <a:gd name="connsiteX2" fmla="*/ 1593850 w 2413000"/>
+              <a:gd name="connsiteY2" fmla="*/ 368300 h 717550"/>
+              <a:gd name="connsiteX3" fmla="*/ 2413000 w 2413000"/>
+              <a:gd name="connsiteY3" fmla="*/ 717550 h 717550"/>
+              <a:gd name="connsiteX0" fmla="*/ 0 w 2413000"/>
+              <a:gd name="connsiteY0" fmla="*/ 0 h 717550"/>
+              <a:gd name="connsiteX1" fmla="*/ 419100 w 2413000"/>
+              <a:gd name="connsiteY1" fmla="*/ 387350 h 717550"/>
+              <a:gd name="connsiteX2" fmla="*/ 1593850 w 2413000"/>
+              <a:gd name="connsiteY2" fmla="*/ 444500 h 717550"/>
+              <a:gd name="connsiteX3" fmla="*/ 2413000 w 2413000"/>
+              <a:gd name="connsiteY3" fmla="*/ 717550 h 717550"/>
+              <a:gd name="connsiteX0" fmla="*/ 0 w 2178050"/>
+              <a:gd name="connsiteY0" fmla="*/ 0 h 698500"/>
+              <a:gd name="connsiteX1" fmla="*/ 419100 w 2178050"/>
+              <a:gd name="connsiteY1" fmla="*/ 387350 h 698500"/>
+              <a:gd name="connsiteX2" fmla="*/ 1593850 w 2178050"/>
+              <a:gd name="connsiteY2" fmla="*/ 444500 h 698500"/>
+              <a:gd name="connsiteX3" fmla="*/ 2178050 w 2178050"/>
+              <a:gd name="connsiteY3" fmla="*/ 698500 h 698500"/>
+              <a:gd name="connsiteX0" fmla="*/ 0 w 1974850"/>
+              <a:gd name="connsiteY0" fmla="*/ 0 h 660400"/>
+              <a:gd name="connsiteX1" fmla="*/ 419100 w 1974850"/>
+              <a:gd name="connsiteY1" fmla="*/ 387350 h 660400"/>
+              <a:gd name="connsiteX2" fmla="*/ 1593850 w 1974850"/>
+              <a:gd name="connsiteY2" fmla="*/ 444500 h 660400"/>
+              <a:gd name="connsiteX3" fmla="*/ 1974850 w 1974850"/>
+              <a:gd name="connsiteY3" fmla="*/ 660400 h 660400"/>
+              <a:gd name="connsiteX0" fmla="*/ 0 w 1974850"/>
+              <a:gd name="connsiteY0" fmla="*/ 0 h 660400"/>
+              <a:gd name="connsiteX1" fmla="*/ 419100 w 1974850"/>
+              <a:gd name="connsiteY1" fmla="*/ 387350 h 660400"/>
+              <a:gd name="connsiteX2" fmla="*/ 1593850 w 1974850"/>
+              <a:gd name="connsiteY2" fmla="*/ 444500 h 660400"/>
+              <a:gd name="connsiteX3" fmla="*/ 1974850 w 1974850"/>
+              <a:gd name="connsiteY3" fmla="*/ 660400 h 660400"/>
+              <a:gd name="connsiteX0" fmla="*/ 0 w 1593850"/>
+              <a:gd name="connsiteY0" fmla="*/ 0 h 444500"/>
+              <a:gd name="connsiteX1" fmla="*/ 419100 w 1593850"/>
+              <a:gd name="connsiteY1" fmla="*/ 387350 h 444500"/>
+              <a:gd name="connsiteX2" fmla="*/ 1593850 w 1593850"/>
+              <a:gd name="connsiteY2" fmla="*/ 444500 h 444500"/>
+              <a:gd name="connsiteX0" fmla="*/ 0 w 1907503"/>
+              <a:gd name="connsiteY0" fmla="*/ 0 h 440155"/>
+              <a:gd name="connsiteX1" fmla="*/ 419100 w 1907503"/>
+              <a:gd name="connsiteY1" fmla="*/ 387350 h 440155"/>
+              <a:gd name="connsiteX2" fmla="*/ 1907503 w 1907503"/>
+              <a:gd name="connsiteY2" fmla="*/ 440155 h 440155"/>
+              <a:gd name="connsiteX0" fmla="*/ 0 w 1823281"/>
+              <a:gd name="connsiteY0" fmla="*/ 0 h 436500"/>
+              <a:gd name="connsiteX1" fmla="*/ 419100 w 1823281"/>
+              <a:gd name="connsiteY1" fmla="*/ 387350 h 436500"/>
+              <a:gd name="connsiteX2" fmla="*/ 1823281 w 1823281"/>
+              <a:gd name="connsiteY2" fmla="*/ 435810 h 436500"/>
+            </a:gdLst>
+            <a:ahLst/>
+            <a:cxnLst>
+              <a:cxn ang="0">
+                <a:pos x="connsiteX0" y="connsiteY0"/>
+              </a:cxn>
+              <a:cxn ang="0">
+                <a:pos x="connsiteX1" y="connsiteY1"/>
+              </a:cxn>
+              <a:cxn ang="0">
+                <a:pos x="connsiteX2" y="connsiteY2"/>
+              </a:cxn>
+            </a:cxnLst>
+            <a:rect l="l" t="t" r="r" b="b"/>
+            <a:pathLst>
+              <a:path w="1823281" h="436500">
+                <a:moveTo>
+                  <a:pt x="0" y="0"/>
+                </a:moveTo>
+                <a:cubicBezTo>
+                  <a:pt x="18521" y="157691"/>
+                  <a:pt x="115220" y="314715"/>
+                  <a:pt x="419100" y="387350"/>
+                </a:cubicBezTo>
+                <a:cubicBezTo>
+                  <a:pt x="722980" y="459985"/>
+                  <a:pt x="1511073" y="428402"/>
+                  <a:pt x="1823281" y="435810"/>
+                </a:cubicBezTo>
+              </a:path>
+            </a:pathLst>
+          </a:custGeom>
+          <a:ln>
+            <a:tailEnd type="none"/>
+          </a:ln>
+          <a:effectLst/>
+        </p:spPr>
+        <p:style>
+          <a:lnRef idx="2">
+            <a:schemeClr val="accent1"/>
+          </a:lnRef>
+          <a:fillRef idx="0">
+            <a:schemeClr val="accent1"/>
+          </a:fillRef>
+          <a:effectRef idx="1">
+            <a:schemeClr val="accent1"/>
+          </a:effectRef>
+          <a:fontRef idx="minor">
+            <a:schemeClr val="tx1"/>
+          </a:fontRef>
+        </p:style>
+        <p:txBody>
+          <a:bodyPr rtlCol="0" anchor="ctr"/>
+          <a:lstStyle/>
+          <a:p>
+            <a:pPr algn="ctr"/>
+            <a:endParaRPr lang="de-DE"/>
+          </a:p>
+        </p:txBody>
+      </p:sp>
+      <p:cxnSp>
+        <p:nvCxnSpPr>
+          <p:cNvPr id="37" name="Gekrümmte Verbindung 36"/>
+          <p:cNvCxnSpPr>
+            <a:stCxn id="27" idx="2"/>
+            <a:endCxn id="7" idx="0"/>
+          </p:cNvCxnSpPr>
+          <p:nvPr/>
+        </p:nvCxnSpPr>
+        <p:spPr>
+          <a:xfrm>
+            <a:off x="4920045" y="2859454"/>
+            <a:ext cx="502855" cy="543114"/>
+          </a:xfrm>
+          <a:prstGeom prst="bentConnector2">
+            <a:avLst/>
+          </a:prstGeom>
+          <a:ln>
+            <a:tailEnd type="arrow"/>
+          </a:ln>
+          <a:effectLst/>
+        </p:spPr>
+        <p:style>
+          <a:lnRef idx="2">
+            <a:schemeClr val="accent1"/>
+          </a:lnRef>
+          <a:fillRef idx="0">
+            <a:schemeClr val="accent1"/>
+          </a:fillRef>
+          <a:effectRef idx="1">
+            <a:schemeClr val="accent1"/>
+          </a:effectRef>
+          <a:fontRef idx="minor">
+            <a:schemeClr val="tx1"/>
+          </a:fontRef>
+        </p:style>
+      </p:cxnSp>
+      <p:cxnSp>
+        <p:nvCxnSpPr>
+          <p:cNvPr id="39" name="Gekrümmte Verbindung 38"/>
+          <p:cNvCxnSpPr>
+            <a:endCxn id="8" idx="0"/>
+          </p:cNvCxnSpPr>
+          <p:nvPr/>
+        </p:nvCxnSpPr>
+        <p:spPr>
+          <a:xfrm>
+            <a:off x="4920045" y="2859454"/>
+            <a:ext cx="852105" cy="543114"/>
+          </a:xfrm>
+          <a:prstGeom prst="bentConnector2">
+            <a:avLst/>
+          </a:prstGeom>
+          <a:ln>
+            <a:tailEnd type="arrow"/>
+          </a:ln>
+          <a:effectLst/>
+        </p:spPr>
+        <p:style>
+          <a:lnRef idx="2">
+            <a:schemeClr val="accent1"/>
+          </a:lnRef>
+          <a:fillRef idx="0">
+            <a:schemeClr val="accent1"/>
+          </a:fillRef>
+          <a:effectRef idx="1">
+            <a:schemeClr val="accent1"/>
+          </a:effectRef>
+          <a:fontRef idx="minor">
+            <a:schemeClr val="tx1"/>
+          </a:fontRef>
+        </p:style>
+      </p:cxnSp>
+      <p:cxnSp>
+        <p:nvCxnSpPr>
+          <p:cNvPr id="41" name="Gekrümmte Verbindung 40"/>
+          <p:cNvCxnSpPr>
+            <a:stCxn id="27" idx="2"/>
+          </p:cNvCxnSpPr>
+          <p:nvPr/>
+        </p:nvCxnSpPr>
+        <p:spPr>
+          <a:xfrm>
+            <a:off x="4920045" y="2859454"/>
+            <a:ext cx="1204530" cy="543114"/>
+          </a:xfrm>
+          <a:prstGeom prst="bentConnector2">
+            <a:avLst/>
+          </a:prstGeom>
+          <a:ln>
+            <a:tailEnd type="arrow"/>
+          </a:ln>
+          <a:effectLst/>
+        </p:spPr>
+        <p:style>
+          <a:lnRef idx="2">
+            <a:schemeClr val="accent1"/>
+          </a:lnRef>
+          <a:fillRef idx="0">
+            <a:schemeClr val="accent1"/>
+          </a:fillRef>
+          <a:effectRef idx="1">
+            <a:schemeClr val="accent1"/>
+          </a:effectRef>
+          <a:fontRef idx="minor">
+            <a:schemeClr val="tx1"/>
+          </a:fontRef>
+        </p:style>
+      </p:cxnSp>
+      <p:grpSp>
+        <p:nvGrpSpPr>
+          <p:cNvPr id="52" name="Gruppierung 51"/>
+          <p:cNvGrpSpPr/>
+          <p:nvPr/>
+        </p:nvGrpSpPr>
+        <p:grpSpPr>
+          <a:xfrm>
+            <a:off x="4932745" y="2859454"/>
+            <a:ext cx="1588705" cy="543114"/>
+            <a:chOff x="5288345" y="3049954"/>
+            <a:chExt cx="1588705" cy="543114"/>
+          </a:xfrm>
+        </p:grpSpPr>
+        <p:cxnSp>
+          <p:nvCxnSpPr>
+            <p:cNvPr id="46" name="Gewinkelte Verbindung 45"/>
+            <p:cNvCxnSpPr>
+              <a:stCxn id="27" idx="2"/>
+              <a:endCxn id="10" idx="0"/>
+            </p:cNvCxnSpPr>
+            <p:nvPr/>
+          </p:nvCxnSpPr>
+          <p:spPr>
+            <a:xfrm>
+              <a:off x="5288345" y="3049954"/>
+              <a:ext cx="1550605" cy="543114"/>
+            </a:xfrm>
+            <a:prstGeom prst="bentConnector2">
+              <a:avLst/>
+            </a:prstGeom>
+            <a:ln>
+              <a:solidFill>
+                <a:schemeClr val="accent2"/>
+              </a:solidFill>
+              <a:tailEnd type="none" w="lg" len="lg"/>
+            </a:ln>
+            <a:effectLst/>
+          </p:spPr>
+          <p:style>
+            <a:lnRef idx="2">
+              <a:schemeClr val="accent1"/>
+            </a:lnRef>
+            <a:fillRef idx="0">
+              <a:schemeClr val="accent1"/>
+            </a:fillRef>
+            <a:effectRef idx="1">
+              <a:schemeClr val="accent1"/>
+            </a:effectRef>
+            <a:fontRef idx="minor">
+              <a:schemeClr val="tx1"/>
+            </a:fontRef>
+          </p:style>
+        </p:cxnSp>
+        <p:grpSp>
+          <p:nvGrpSpPr>
+            <p:cNvPr id="51" name="Gruppierung 50"/>
+            <p:cNvGrpSpPr/>
+            <p:nvPr/>
+          </p:nvGrpSpPr>
+          <p:grpSpPr>
+            <a:xfrm>
+              <a:off x="6775450" y="3218754"/>
+              <a:ext cx="101600" cy="101600"/>
+              <a:chOff x="6788150" y="3321050"/>
+              <a:chExt cx="101600" cy="101600"/>
+            </a:xfrm>
+          </p:grpSpPr>
+          <p:cxnSp>
+            <p:nvCxnSpPr>
+              <p:cNvPr id="49" name="Gerade Verbindung 48"/>
+              <p:cNvCxnSpPr/>
+              <p:nvPr/>
+            </p:nvCxnSpPr>
+            <p:spPr>
+              <a:xfrm>
+                <a:off x="6788150" y="3321050"/>
+                <a:ext cx="101600" cy="101600"/>
+              </a:xfrm>
+              <a:prstGeom prst="line">
+                <a:avLst/>
+              </a:prstGeom>
+              <a:ln>
+                <a:solidFill>
+                  <a:schemeClr val="accent2"/>
+                </a:solidFill>
+              </a:ln>
+              <a:effectLst/>
+            </p:spPr>
+            <p:style>
+              <a:lnRef idx="2">
+                <a:schemeClr val="accent1"/>
+              </a:lnRef>
+              <a:fillRef idx="0">
+                <a:schemeClr val="accent1"/>
+              </a:fillRef>
+              <a:effectRef idx="1">
+                <a:schemeClr val="accent1"/>
+              </a:effectRef>
+              <a:fontRef idx="minor">
+                <a:schemeClr val="tx1"/>
+              </a:fontRef>
+            </p:style>
+          </p:cxnSp>
+          <p:cxnSp>
+            <p:nvCxnSpPr>
+              <p:cNvPr id="50" name="Gerade Verbindung 49"/>
+              <p:cNvCxnSpPr/>
+              <p:nvPr/>
+            </p:nvCxnSpPr>
+            <p:spPr>
+              <a:xfrm rot="5400000">
+                <a:off x="6788150" y="3321050"/>
+                <a:ext cx="101600" cy="101600"/>
+              </a:xfrm>
+              <a:prstGeom prst="line">
+                <a:avLst/>
+              </a:prstGeom>
+              <a:ln>
+                <a:solidFill>
+                  <a:schemeClr val="accent2"/>
+                </a:solidFill>
+              </a:ln>
+              <a:effectLst/>
+            </p:spPr>
+            <p:style>
+              <a:lnRef idx="2">
+                <a:schemeClr val="accent1"/>
+              </a:lnRef>
+              <a:fillRef idx="0">
+                <a:schemeClr val="accent1"/>
+              </a:fillRef>
+              <a:effectRef idx="1">
+                <a:schemeClr val="accent1"/>
+              </a:effectRef>
+              <a:fontRef idx="minor">
+                <a:schemeClr val="tx1"/>
+              </a:fontRef>
+            </p:style>
+          </p:cxnSp>
+        </p:grpSp>
+      </p:grpSp>
+      <p:cxnSp>
+        <p:nvCxnSpPr>
+          <p:cNvPr id="43" name="Gekrümmte Verbindung 42"/>
+          <p:cNvCxnSpPr>
+            <a:stCxn id="27" idx="2"/>
+          </p:cNvCxnSpPr>
+          <p:nvPr/>
+        </p:nvCxnSpPr>
+        <p:spPr>
+          <a:xfrm>
+            <a:off x="4920045" y="2859454"/>
+            <a:ext cx="1890330" cy="543114"/>
+          </a:xfrm>
+          <a:prstGeom prst="bentConnector2">
+            <a:avLst/>
+          </a:prstGeom>
+          <a:ln>
+            <a:tailEnd type="arrow"/>
+          </a:ln>
+          <a:effectLst/>
+        </p:spPr>
+        <p:style>
+          <a:lnRef idx="2">
+            <a:schemeClr val="accent1"/>
+          </a:lnRef>
+          <a:fillRef idx="0">
+            <a:schemeClr val="accent1"/>
+          </a:fillRef>
+          <a:effectRef idx="1">
+            <a:schemeClr val="accent1"/>
+          </a:effectRef>
+          <a:fontRef idx="minor">
+            <a:schemeClr val="tx1"/>
+          </a:fontRef>
+        </p:style>
+      </p:cxnSp>
+      <p:sp>
+        <p:nvSpPr>
+          <p:cNvPr id="53" name="Freihandform 52"/>
+          <p:cNvSpPr/>
+          <p:nvPr/>
+        </p:nvSpPr>
+        <p:spPr>
+          <a:xfrm>
+            <a:off x="780548" y="3136900"/>
+            <a:ext cx="6255251" cy="924982"/>
+          </a:xfrm>
+          <a:custGeom>
+            <a:avLst/>
+            <a:gdLst>
+              <a:gd name="connsiteX0" fmla="*/ 6146800 w 6146800"/>
+              <a:gd name="connsiteY0" fmla="*/ 457200 h 511160"/>
+              <a:gd name="connsiteX1" fmla="*/ 1130300 w 6146800"/>
+              <a:gd name="connsiteY1" fmla="*/ 469900 h 511160"/>
+              <a:gd name="connsiteX2" fmla="*/ 0 w 6146800"/>
+              <a:gd name="connsiteY2" fmla="*/ 0 h 511160"/>
+              <a:gd name="connsiteX0" fmla="*/ 6248400 w 6248400"/>
+              <a:gd name="connsiteY0" fmla="*/ 889000 h 974560"/>
+              <a:gd name="connsiteX1" fmla="*/ 1231900 w 6248400"/>
+              <a:gd name="connsiteY1" fmla="*/ 901700 h 974560"/>
+              <a:gd name="connsiteX2" fmla="*/ 0 w 6248400"/>
+              <a:gd name="connsiteY2" fmla="*/ 0 h 974560"/>
+              <a:gd name="connsiteX0" fmla="*/ 6248400 w 6248400"/>
+              <a:gd name="connsiteY0" fmla="*/ 889000 h 974560"/>
+              <a:gd name="connsiteX1" fmla="*/ 1231900 w 6248400"/>
+              <a:gd name="connsiteY1" fmla="*/ 901700 h 974560"/>
+              <a:gd name="connsiteX2" fmla="*/ 0 w 6248400"/>
+              <a:gd name="connsiteY2" fmla="*/ 0 h 974560"/>
+              <a:gd name="connsiteX0" fmla="*/ 6248400 w 6248400"/>
+              <a:gd name="connsiteY0" fmla="*/ 889000 h 974560"/>
+              <a:gd name="connsiteX1" fmla="*/ 1231900 w 6248400"/>
+              <a:gd name="connsiteY1" fmla="*/ 901700 h 974560"/>
+              <a:gd name="connsiteX2" fmla="*/ 0 w 6248400"/>
+              <a:gd name="connsiteY2" fmla="*/ 0 h 974560"/>
+              <a:gd name="connsiteX0" fmla="*/ 6248400 w 6248400"/>
+              <a:gd name="connsiteY0" fmla="*/ 889000 h 1033009"/>
+              <a:gd name="connsiteX1" fmla="*/ 1270000 w 6248400"/>
+              <a:gd name="connsiteY1" fmla="*/ 977900 h 1033009"/>
+              <a:gd name="connsiteX2" fmla="*/ 0 w 6248400"/>
+              <a:gd name="connsiteY2" fmla="*/ 0 h 1033009"/>
+              <a:gd name="connsiteX0" fmla="*/ 6248400 w 6248400"/>
+              <a:gd name="connsiteY0" fmla="*/ 889000 h 986163"/>
+              <a:gd name="connsiteX1" fmla="*/ 1270000 w 6248400"/>
+              <a:gd name="connsiteY1" fmla="*/ 977900 h 986163"/>
+              <a:gd name="connsiteX2" fmla="*/ 0 w 6248400"/>
+              <a:gd name="connsiteY2" fmla="*/ 0 h 986163"/>
+              <a:gd name="connsiteX0" fmla="*/ 6248400 w 6248400"/>
+              <a:gd name="connsiteY0" fmla="*/ 889000 h 924982"/>
+              <a:gd name="connsiteX1" fmla="*/ 1270000 w 6248400"/>
+              <a:gd name="connsiteY1" fmla="*/ 901700 h 924982"/>
+              <a:gd name="connsiteX2" fmla="*/ 0 w 6248400"/>
+              <a:gd name="connsiteY2" fmla="*/ 0 h 924982"/>
+              <a:gd name="connsiteX0" fmla="*/ 6255251 w 6255251"/>
+              <a:gd name="connsiteY0" fmla="*/ 889000 h 924982"/>
+              <a:gd name="connsiteX1" fmla="*/ 1276851 w 6255251"/>
+              <a:gd name="connsiteY1" fmla="*/ 901700 h 924982"/>
+              <a:gd name="connsiteX2" fmla="*/ 6851 w 6255251"/>
+              <a:gd name="connsiteY2" fmla="*/ 0 h 924982"/>
+            </a:gdLst>
+            <a:ahLst/>
+            <a:cxnLst>
+              <a:cxn ang="0">
+                <a:pos x="connsiteX0" y="connsiteY0"/>
+              </a:cxn>
+              <a:cxn ang="0">
+                <a:pos x="connsiteX1" y="connsiteY1"/>
+              </a:cxn>
+              <a:cxn ang="0">
+                <a:pos x="connsiteX2" y="connsiteY2"/>
+              </a:cxn>
+            </a:cxnLst>
+            <a:rect l="l" t="t" r="r" b="b"/>
+            <a:pathLst>
+              <a:path w="6255251" h="924982">
+                <a:moveTo>
+                  <a:pt x="6255251" y="889000"/>
+                </a:moveTo>
+                <a:cubicBezTo>
+                  <a:pt x="4259234" y="933450"/>
+                  <a:pt x="2877051" y="935567"/>
+                  <a:pt x="1276851" y="901700"/>
+                </a:cubicBezTo>
+                <a:cubicBezTo>
+                  <a:pt x="-323349" y="867833"/>
+                  <a:pt x="55534" y="723900"/>
+                  <a:pt x="6851" y="0"/>
+                </a:cubicBezTo>
+              </a:path>
+            </a:pathLst>
+          </a:custGeom>
+          <a:ln>
+            <a:tailEnd type="arrow"/>
+          </a:ln>
+          <a:effectLst/>
+        </p:spPr>
+        <p:style>
+          <a:lnRef idx="2">
+            <a:schemeClr val="accent1"/>
+          </a:lnRef>
+          <a:fillRef idx="0">
+            <a:schemeClr val="accent1"/>
+          </a:fillRef>
+          <a:effectRef idx="1">
+            <a:schemeClr val="accent1"/>
+          </a:effectRef>
+          <a:fontRef idx="minor">
+            <a:schemeClr val="tx1"/>
+          </a:fontRef>
+        </p:style>
+        <p:txBody>
+          <a:bodyPr rtlCol="0" anchor="ctr"/>
+          <a:lstStyle/>
+          <a:p>
+            <a:pPr algn="ctr"/>
+            <a:endParaRPr lang="de-DE"/>
+          </a:p>
+        </p:txBody>
+      </p:sp>
+      <p:sp>
+        <p:nvSpPr>
+          <p:cNvPr id="54" name="Textfeld 53"/>
+          <p:cNvSpPr txBox="1"/>
+          <p:nvPr/>
+        </p:nvSpPr>
+        <p:spPr>
+          <a:xfrm>
+            <a:off x="5172413" y="3692550"/>
+            <a:ext cx="2444074" cy="369332"/>
+          </a:xfrm>
+          <a:prstGeom prst="rect">
+            <a:avLst/>
+          </a:prstGeom>
+          <a:noFill/>
+        </p:spPr>
+        <p:txBody>
+          <a:bodyPr wrap="none" rtlCol="0">
+            <a:spAutoFit/>
+          </a:bodyPr>
+          <a:lstStyle/>
+          <a:p>
+            <a:r>
+              <a:rPr lang="de-DE" dirty="0" err="1" smtClean="0"/>
+              <a:t>AckStartSeq</a:t>
+            </a:r>
+            <a:r>
+              <a:rPr lang="de-DE" dirty="0" smtClean="0"/>
+              <a:t> 1 ACK 1-3,5</a:t>
+            </a:r>
+            <a:endParaRPr lang="de-DE" dirty="0"/>
+          </a:p>
+        </p:txBody>
+      </p:sp>
+      <p:sp>
+        <p:nvSpPr>
+          <p:cNvPr id="69" name="Freihandform 68"/>
+          <p:cNvSpPr/>
+          <p:nvPr/>
+        </p:nvSpPr>
+        <p:spPr>
+          <a:xfrm>
+            <a:off x="590100" y="2692400"/>
+            <a:ext cx="4667700" cy="1752714"/>
+          </a:xfrm>
+          <a:custGeom>
+            <a:avLst/>
+            <a:gdLst>
+              <a:gd name="connsiteX0" fmla="*/ 391876 w 5052776"/>
+              <a:gd name="connsiteY0" fmla="*/ 0 h 1727200"/>
+              <a:gd name="connsiteX1" fmla="*/ 341076 w 5052776"/>
+              <a:gd name="connsiteY1" fmla="*/ 800100 h 1727200"/>
+              <a:gd name="connsiteX2" fmla="*/ 353776 w 5052776"/>
+              <a:gd name="connsiteY2" fmla="*/ 1447800 h 1727200"/>
+              <a:gd name="connsiteX3" fmla="*/ 5052776 w 5052776"/>
+              <a:gd name="connsiteY3" fmla="*/ 1727200 h 1727200"/>
+              <a:gd name="connsiteX0" fmla="*/ 80884 w 4741784"/>
+              <a:gd name="connsiteY0" fmla="*/ 0 h 1766801"/>
+              <a:gd name="connsiteX1" fmla="*/ 30084 w 4741784"/>
+              <a:gd name="connsiteY1" fmla="*/ 800100 h 1766801"/>
+              <a:gd name="connsiteX2" fmla="*/ 576184 w 4741784"/>
+              <a:gd name="connsiteY2" fmla="*/ 1701800 h 1766801"/>
+              <a:gd name="connsiteX3" fmla="*/ 4741784 w 4741784"/>
+              <a:gd name="connsiteY3" fmla="*/ 1727200 h 1766801"/>
+              <a:gd name="connsiteX0" fmla="*/ 147882 w 4808782"/>
+              <a:gd name="connsiteY0" fmla="*/ 0 h 1752714"/>
+              <a:gd name="connsiteX1" fmla="*/ 20882 w 4808782"/>
+              <a:gd name="connsiteY1" fmla="*/ 990600 h 1752714"/>
+              <a:gd name="connsiteX2" fmla="*/ 643182 w 4808782"/>
+              <a:gd name="connsiteY2" fmla="*/ 1701800 h 1752714"/>
+              <a:gd name="connsiteX3" fmla="*/ 4808782 w 4808782"/>
+              <a:gd name="connsiteY3" fmla="*/ 1727200 h 1752714"/>
+              <a:gd name="connsiteX0" fmla="*/ 6800 w 4667700"/>
+              <a:gd name="connsiteY0" fmla="*/ 0 h 1752714"/>
+              <a:gd name="connsiteX1" fmla="*/ 502100 w 4667700"/>
+              <a:gd name="connsiteY1" fmla="*/ 1701800 h 1752714"/>
+              <a:gd name="connsiteX2" fmla="*/ 4667700 w 4667700"/>
+              <a:gd name="connsiteY2" fmla="*/ 1727200 h 1752714"/>
+            </a:gdLst>
+            <a:ahLst/>
+            <a:cxnLst>
+              <a:cxn ang="0">
+                <a:pos x="connsiteX0" y="connsiteY0"/>
+              </a:cxn>
+              <a:cxn ang="0">
+                <a:pos x="connsiteX1" y="connsiteY1"/>
+              </a:cxn>
+              <a:cxn ang="0">
+                <a:pos x="connsiteX2" y="connsiteY2"/>
+              </a:cxn>
+            </a:cxnLst>
+            <a:rect l="l" t="t" r="r" b="b"/>
+            <a:pathLst>
+              <a:path w="4667700" h="1752714">
+                <a:moveTo>
+                  <a:pt x="6800" y="0"/>
+                </a:moveTo>
+                <a:cubicBezTo>
+                  <a:pt x="109987" y="354542"/>
+                  <a:pt x="-274717" y="1413933"/>
+                  <a:pt x="502100" y="1701800"/>
+                </a:cubicBezTo>
+                <a:cubicBezTo>
+                  <a:pt x="1300083" y="1824567"/>
+                  <a:pt x="3886650" y="1680633"/>
+                  <a:pt x="4667700" y="1727200"/>
+                </a:cubicBezTo>
+              </a:path>
+            </a:pathLst>
+          </a:custGeom>
+          <a:effectLst/>
+        </p:spPr>
+        <p:style>
+          <a:lnRef idx="2">
+            <a:schemeClr val="accent1"/>
+          </a:lnRef>
+          <a:fillRef idx="0">
+            <a:schemeClr val="accent1"/>
+          </a:fillRef>
+          <a:effectRef idx="1">
+            <a:schemeClr val="accent1"/>
+          </a:effectRef>
+          <a:fontRef idx="minor">
+            <a:schemeClr val="tx1"/>
+          </a:fontRef>
+        </p:style>
+        <p:txBody>
+          <a:bodyPr rtlCol="0" anchor="ctr"/>
+          <a:lstStyle/>
+          <a:p>
+            <a:pPr algn="ctr"/>
+            <a:endParaRPr lang="de-DE"/>
+          </a:p>
+        </p:txBody>
+      </p:sp>
+      <p:cxnSp>
+        <p:nvCxnSpPr>
+          <p:cNvPr id="71" name="Gewinkelte Verbindung 70"/>
+          <p:cNvCxnSpPr>
+            <a:stCxn id="69" idx="2"/>
+            <a:endCxn id="58" idx="0"/>
+          </p:cNvCxnSpPr>
+          <p:nvPr/>
+        </p:nvCxnSpPr>
+        <p:spPr>
+          <a:xfrm>
+            <a:off x="5257800" y="4419600"/>
+            <a:ext cx="1212850" cy="265668"/>
+          </a:xfrm>
+          <a:prstGeom prst="bentConnector2">
+            <a:avLst/>
+          </a:prstGeom>
+          <a:ln>
+            <a:tailEnd type="arrow"/>
+          </a:ln>
+          <a:effectLst/>
+        </p:spPr>
+        <p:style>
+          <a:lnRef idx="2">
+            <a:schemeClr val="accent1"/>
+          </a:lnRef>
+          <a:fillRef idx="0">
+            <a:schemeClr val="accent1"/>
+          </a:fillRef>
+          <a:effectRef idx="1">
+            <a:schemeClr val="accent1"/>
+          </a:effectRef>
+          <a:fontRef idx="minor">
+            <a:schemeClr val="tx1"/>
+          </a:fontRef>
+        </p:style>
+      </p:cxnSp>
+      <p:cxnSp>
+        <p:nvCxnSpPr>
+          <p:cNvPr id="73" name="Gewinkelte Verbindung 72"/>
+          <p:cNvCxnSpPr>
+            <a:stCxn id="69" idx="2"/>
+            <a:endCxn id="60" idx="0"/>
+          </p:cNvCxnSpPr>
+          <p:nvPr/>
+        </p:nvCxnSpPr>
+        <p:spPr>
+          <a:xfrm>
+            <a:off x="5257800" y="4419600"/>
+            <a:ext cx="1905000" cy="265668"/>
+          </a:xfrm>
+          <a:prstGeom prst="bentConnector2">
+            <a:avLst/>
+          </a:prstGeom>
+          <a:ln>
+            <a:tailEnd type="arrow"/>
+          </a:ln>
+          <a:effectLst/>
+        </p:spPr>
+        <p:style>
+          <a:lnRef idx="2">
+            <a:schemeClr val="accent1"/>
+          </a:lnRef>
+          <a:fillRef idx="0">
+            <a:schemeClr val="accent1"/>
+          </a:fillRef>
+          <a:effectRef idx="1">
+            <a:schemeClr val="accent1"/>
+          </a:effectRef>
+          <a:fontRef idx="minor">
+            <a:schemeClr val="tx1"/>
+          </a:fontRef>
+        </p:style>
+      </p:cxnSp>
+      <p:cxnSp>
+        <p:nvCxnSpPr>
+          <p:cNvPr id="75" name="Gewinkelte Verbindung 74"/>
+          <p:cNvCxnSpPr>
+            <a:stCxn id="69" idx="2"/>
+            <a:endCxn id="61" idx="0"/>
+          </p:cNvCxnSpPr>
+          <p:nvPr/>
+        </p:nvCxnSpPr>
+        <p:spPr>
+          <a:xfrm>
+            <a:off x="5257800" y="4419600"/>
+            <a:ext cx="2254250" cy="265668"/>
+          </a:xfrm>
+          <a:prstGeom prst="bentConnector2">
+            <a:avLst/>
+          </a:prstGeom>
+          <a:ln>
+            <a:tailEnd type="arrow"/>
+          </a:ln>
+          <a:effectLst/>
+        </p:spPr>
+        <p:style>
+          <a:lnRef idx="2">
+            <a:schemeClr val="accent1"/>
+          </a:lnRef>
+          <a:fillRef idx="0">
+            <a:schemeClr val="accent1"/>
+          </a:fillRef>
+          <a:effectRef idx="1">
+            <a:schemeClr val="accent1"/>
+          </a:effectRef>
+          <a:fontRef idx="minor">
+            <a:schemeClr val="tx1"/>
+          </a:fontRef>
+        </p:style>
+      </p:cxnSp>
+      <p:sp>
+        <p:nvSpPr>
+          <p:cNvPr id="77" name="Freihandform 76"/>
+          <p:cNvSpPr/>
+          <p:nvPr/>
+        </p:nvSpPr>
+        <p:spPr>
+          <a:xfrm>
+            <a:off x="755148" y="3136900"/>
+            <a:ext cx="6255251" cy="2203492"/>
+          </a:xfrm>
+          <a:custGeom>
+            <a:avLst/>
+            <a:gdLst>
+              <a:gd name="connsiteX0" fmla="*/ 6146800 w 6146800"/>
+              <a:gd name="connsiteY0" fmla="*/ 457200 h 511160"/>
+              <a:gd name="connsiteX1" fmla="*/ 1130300 w 6146800"/>
+              <a:gd name="connsiteY1" fmla="*/ 469900 h 511160"/>
+              <a:gd name="connsiteX2" fmla="*/ 0 w 6146800"/>
+              <a:gd name="connsiteY2" fmla="*/ 0 h 511160"/>
+              <a:gd name="connsiteX0" fmla="*/ 6248400 w 6248400"/>
+              <a:gd name="connsiteY0" fmla="*/ 889000 h 974560"/>
+              <a:gd name="connsiteX1" fmla="*/ 1231900 w 6248400"/>
+              <a:gd name="connsiteY1" fmla="*/ 901700 h 974560"/>
+              <a:gd name="connsiteX2" fmla="*/ 0 w 6248400"/>
+              <a:gd name="connsiteY2" fmla="*/ 0 h 974560"/>
+              <a:gd name="connsiteX0" fmla="*/ 6248400 w 6248400"/>
+              <a:gd name="connsiteY0" fmla="*/ 889000 h 974560"/>
+              <a:gd name="connsiteX1" fmla="*/ 1231900 w 6248400"/>
+              <a:gd name="connsiteY1" fmla="*/ 901700 h 974560"/>
+              <a:gd name="connsiteX2" fmla="*/ 0 w 6248400"/>
+              <a:gd name="connsiteY2" fmla="*/ 0 h 974560"/>
+              <a:gd name="connsiteX0" fmla="*/ 6248400 w 6248400"/>
+              <a:gd name="connsiteY0" fmla="*/ 889000 h 974560"/>
+              <a:gd name="connsiteX1" fmla="*/ 1231900 w 6248400"/>
+              <a:gd name="connsiteY1" fmla="*/ 901700 h 974560"/>
+              <a:gd name="connsiteX2" fmla="*/ 0 w 6248400"/>
+              <a:gd name="connsiteY2" fmla="*/ 0 h 974560"/>
+              <a:gd name="connsiteX0" fmla="*/ 6248400 w 6248400"/>
+              <a:gd name="connsiteY0" fmla="*/ 889000 h 1033009"/>
+              <a:gd name="connsiteX1" fmla="*/ 1270000 w 6248400"/>
+              <a:gd name="connsiteY1" fmla="*/ 977900 h 1033009"/>
+              <a:gd name="connsiteX2" fmla="*/ 0 w 6248400"/>
+              <a:gd name="connsiteY2" fmla="*/ 0 h 1033009"/>
+              <a:gd name="connsiteX0" fmla="*/ 6248400 w 6248400"/>
+              <a:gd name="connsiteY0" fmla="*/ 889000 h 986163"/>
+              <a:gd name="connsiteX1" fmla="*/ 1270000 w 6248400"/>
+              <a:gd name="connsiteY1" fmla="*/ 977900 h 986163"/>
+              <a:gd name="connsiteX2" fmla="*/ 0 w 6248400"/>
+              <a:gd name="connsiteY2" fmla="*/ 0 h 986163"/>
+              <a:gd name="connsiteX0" fmla="*/ 6248400 w 6248400"/>
+              <a:gd name="connsiteY0" fmla="*/ 889000 h 924982"/>
+              <a:gd name="connsiteX1" fmla="*/ 1270000 w 6248400"/>
+              <a:gd name="connsiteY1" fmla="*/ 901700 h 924982"/>
+              <a:gd name="connsiteX2" fmla="*/ 0 w 6248400"/>
+              <a:gd name="connsiteY2" fmla="*/ 0 h 924982"/>
+              <a:gd name="connsiteX0" fmla="*/ 6255251 w 6255251"/>
+              <a:gd name="connsiteY0" fmla="*/ 889000 h 924982"/>
+              <a:gd name="connsiteX1" fmla="*/ 1276851 w 6255251"/>
+              <a:gd name="connsiteY1" fmla="*/ 901700 h 924982"/>
+              <a:gd name="connsiteX2" fmla="*/ 6851 w 6255251"/>
+              <a:gd name="connsiteY2" fmla="*/ 0 h 924982"/>
+              <a:gd name="connsiteX0" fmla="*/ 6255251 w 6255251"/>
+              <a:gd name="connsiteY0" fmla="*/ 889000 h 915317"/>
+              <a:gd name="connsiteX1" fmla="*/ 1276851 w 6255251"/>
+              <a:gd name="connsiteY1" fmla="*/ 901700 h 915317"/>
+              <a:gd name="connsiteX2" fmla="*/ 6851 w 6255251"/>
+              <a:gd name="connsiteY2" fmla="*/ 0 h 915317"/>
+            </a:gdLst>
+            <a:ahLst/>
+            <a:cxnLst>
+              <a:cxn ang="0">
+                <a:pos x="connsiteX0" y="connsiteY0"/>
+              </a:cxn>
+              <a:cxn ang="0">
+                <a:pos x="connsiteX1" y="connsiteY1"/>
+              </a:cxn>
+              <a:cxn ang="0">
+                <a:pos x="connsiteX2" y="connsiteY2"/>
+              </a:cxn>
+            </a:cxnLst>
+            <a:rect l="l" t="t" r="r" b="b"/>
+            <a:pathLst>
+              <a:path w="6255251" h="915317">
+                <a:moveTo>
+                  <a:pt x="6255251" y="889000"/>
+                </a:moveTo>
+                <a:cubicBezTo>
+                  <a:pt x="4221134" y="896522"/>
+                  <a:pt x="2877051" y="935567"/>
+                  <a:pt x="1276851" y="901700"/>
+                </a:cubicBezTo>
+                <a:cubicBezTo>
+                  <a:pt x="-323349" y="867833"/>
+                  <a:pt x="55534" y="723900"/>
+                  <a:pt x="6851" y="0"/>
+                </a:cubicBezTo>
+              </a:path>
+            </a:pathLst>
+          </a:custGeom>
+          <a:ln>
+            <a:tailEnd type="arrow"/>
+          </a:ln>
+          <a:effectLst/>
+        </p:spPr>
+        <p:style>
+          <a:lnRef idx="2">
+            <a:schemeClr val="accent1"/>
+          </a:lnRef>
+          <a:fillRef idx="0">
+            <a:schemeClr val="accent1"/>
+          </a:fillRef>
+          <a:effectRef idx="1">
+            <a:schemeClr val="accent1"/>
+          </a:effectRef>
+          <a:fontRef idx="minor">
+            <a:schemeClr val="tx1"/>
+          </a:fontRef>
+        </p:style>
+        <p:txBody>
+          <a:bodyPr rtlCol="0" anchor="ctr"/>
+          <a:lstStyle/>
+          <a:p>
+            <a:pPr algn="ctr"/>
+            <a:endParaRPr lang="de-DE"/>
+          </a:p>
+        </p:txBody>
+      </p:sp>
+      <p:sp>
+        <p:nvSpPr>
+          <p:cNvPr id="79" name="Textfeld 78"/>
+          <p:cNvSpPr txBox="1"/>
+          <p:nvPr/>
+        </p:nvSpPr>
+        <p:spPr>
+          <a:xfrm>
+            <a:off x="5314950" y="4971060"/>
+            <a:ext cx="1483887" cy="369332"/>
+          </a:xfrm>
+          <a:prstGeom prst="rect">
+            <a:avLst/>
+          </a:prstGeom>
+          <a:noFill/>
+        </p:spPr>
+        <p:txBody>
+          <a:bodyPr wrap="none" rtlCol="0">
+            <a:spAutoFit/>
+          </a:bodyPr>
+          <a:lstStyle/>
+          <a:p>
+            <a:r>
+              <a:rPr lang="de-DE" dirty="0" err="1" smtClean="0"/>
+              <a:t>AckStartSeq</a:t>
+            </a:r>
+            <a:r>
+              <a:rPr lang="de-DE" dirty="0" smtClean="0"/>
+              <a:t> 8</a:t>
+            </a:r>
+          </a:p>
+        </p:txBody>
+      </p:sp>
+    </p:spTree>
+    <p:extLst>
+      <p:ext uri="{BB962C8B-B14F-4D97-AF65-F5344CB8AC3E}">
+        <p14:creationId xmlns:p14="http://schemas.microsoft.com/office/powerpoint/2010/main" val="4050927676"/>
+      </p:ext>
+    </p:extLst>
+  </p:cSld>
+  <p:clrMapOvr>
+    <a:masterClrMapping/>
+  </p:clrMapOvr>
+  <p:timing>
+    <p:tnLst>
+      <p:par>
+        <p:cTn xmlns:p14="http://schemas.microsoft.com/office/powerpoint/2010/main" id="1" dur="indefinite" restart="never" nodeType="tmRoot">
+          <p:childTnLst>
+            <p:seq concurrent="1" nextAc="seek">
+              <p:cTn id="2" dur="indefinite" nodeType="mainSeq">
+                <p:childTnLst>
+                  <p:par>
+                    <p:cTn id="3" fill="hold">
+                      <p:stCondLst>
+                        <p:cond delay="indefinite"/>
+                      </p:stCondLst>
+                      <p:childTnLst>
+                        <p:par>
+                          <p:cTn id="4" fill="hold">
+                            <p:stCondLst>
+                              <p:cond delay="0"/>
+                            </p:stCondLst>
+                            <p:childTnLst>
+                              <p:par>
+                                <p:cTn id="5" presetID="22" presetClass="entr" presetSubtype="8" fill="hold" grpId="0" nodeType="clickEffect">
+                                  <p:stCondLst>
+                                    <p:cond delay="0"/>
+                                  </p:stCondLst>
+                                  <p:childTnLst>
+                                    <p:set>
+                                      <p:cBhvr>
+                                        <p:cTn id="6" dur="1" fill="hold">
+                                          <p:stCondLst>
+                                            <p:cond delay="0"/>
+                                          </p:stCondLst>
+                                        </p:cTn>
+                                        <p:tgtEl>
+                                          <p:spTgt spid="27"/>
+                                        </p:tgtEl>
+                                        <p:attrNameLst>
+                                          <p:attrName>style.visibility</p:attrName>
+                                        </p:attrNameLst>
+                                      </p:cBhvr>
+                                      <p:to>
+                                        <p:strVal val="visible"/>
+                                      </p:to>
+                                    </p:set>
+                                    <p:animEffect transition="in" filter="wipe(left)">
+                                      <p:cBhvr>
+                                        <p:cTn id="7" dur="1000"/>
+                                        <p:tgtEl>
+                                          <p:spTgt spid="27"/>
+                                        </p:tgtEl>
+                                      </p:cBhvr>
+                                    </p:animEffect>
+                                  </p:childTnLst>
+                                </p:cTn>
+                              </p:par>
+                              <p:par>
+                                <p:cTn id="8" presetID="1" presetClass="entr" presetSubtype="0" fill="hold" grpId="0" nodeType="withEffect">
+                                  <p:stCondLst>
+                                    <p:cond delay="500"/>
+                                  </p:stCondLst>
+                                  <p:childTnLst>
+                                    <p:set>
+                                      <p:cBhvr>
+                                        <p:cTn id="9" dur="1" fill="hold">
+                                          <p:stCondLst>
+                                            <p:cond delay="0"/>
+                                          </p:stCondLst>
+                                        </p:cTn>
+                                        <p:tgtEl>
+                                          <p:spTgt spid="29"/>
+                                        </p:tgtEl>
+                                        <p:attrNameLst>
+                                          <p:attrName>style.visibility</p:attrName>
+                                        </p:attrNameLst>
+                                      </p:cBhvr>
+                                      <p:to>
+                                        <p:strVal val="visible"/>
+                                      </p:to>
+                                    </p:set>
+                                  </p:childTnLst>
+                                </p:cTn>
+                              </p:par>
+                            </p:childTnLst>
+                          </p:cTn>
+                        </p:par>
+                        <p:par>
+                          <p:cTn id="10" fill="hold">
+                            <p:stCondLst>
+                              <p:cond delay="1000"/>
+                            </p:stCondLst>
+                            <p:childTnLst>
+                              <p:par>
+                                <p:cTn id="11" presetID="0" presetClass="path" presetSubtype="0" accel="50000" decel="50000" fill="hold" grpId="1" nodeType="afterEffect">
+                                  <p:stCondLst>
+                                    <p:cond delay="0"/>
+                                  </p:stCondLst>
+                                  <p:childTnLst>
+                                    <p:animMotion origin="layout" path="M -2.22222E-6 2.59259E-6 C 0.00191 0.00393 0.004 0.0081 0.05139 0.01088 C 0.09879 0.01365 0.22656 0.01319 0.28472 0.01597 C 0.34288 0.01875 0.38004 0.00602 0.4007 0.02708 C 0.42136 0.05115 0.40677 0.11828 0.40834 0.14259 " pathEditMode="relative" rAng="0" ptsTypes="aaafa">
+                                      <p:cBhvr>
+                                        <p:cTn id="12" dur="2000" fill="hold"/>
+                                        <p:tgtEl>
+                                          <p:spTgt spid="29"/>
+                                        </p:tgtEl>
+                                        <p:attrNameLst>
+                                          <p:attrName>ppt_x</p:attrName>
+                                          <p:attrName>ppt_y</p:attrName>
+                                        </p:attrNameLst>
+                                      </p:cBhvr>
+                                      <p:rCtr x="21059" y="7130"/>
+                                    </p:animMotion>
+                                  </p:childTnLst>
+                                </p:cTn>
+                              </p:par>
+                              <p:par>
+                                <p:cTn id="13" presetID="22" presetClass="entr" presetSubtype="8" fill="hold" nodeType="withEffect">
+                                  <p:stCondLst>
+                                    <p:cond delay="1000"/>
+                                  </p:stCondLst>
+                                  <p:childTnLst>
+                                    <p:set>
+                                      <p:cBhvr>
+                                        <p:cTn id="14" dur="1" fill="hold">
+                                          <p:stCondLst>
+                                            <p:cond delay="0"/>
+                                          </p:stCondLst>
+                                        </p:cTn>
+                                        <p:tgtEl>
+                                          <p:spTgt spid="37"/>
+                                        </p:tgtEl>
+                                        <p:attrNameLst>
+                                          <p:attrName>style.visibility</p:attrName>
+                                        </p:attrNameLst>
+                                      </p:cBhvr>
+                                      <p:to>
+                                        <p:strVal val="visible"/>
+                                      </p:to>
+                                    </p:set>
+                                    <p:animEffect transition="in" filter="wipe(left)">
+                                      <p:cBhvr>
+                                        <p:cTn id="15" dur="500"/>
+                                        <p:tgtEl>
+                                          <p:spTgt spid="37"/>
+                                        </p:tgtEl>
+                                      </p:cBhvr>
+                                    </p:animEffect>
+                                  </p:childTnLst>
+                                </p:cTn>
+                              </p:par>
+                            </p:childTnLst>
+                          </p:cTn>
+                        </p:par>
+                        <p:par>
+                          <p:cTn id="16" fill="hold">
+                            <p:stCondLst>
+                              <p:cond delay="3000"/>
+                            </p:stCondLst>
+                            <p:childTnLst>
+                              <p:par>
+                                <p:cTn id="17" presetID="1" presetClass="entr" presetSubtype="0" fill="hold" grpId="0" nodeType="afterEffect">
+                                  <p:stCondLst>
+                                    <p:cond delay="0"/>
+                                  </p:stCondLst>
+                                  <p:childTnLst>
+                                    <p:set>
+                                      <p:cBhvr>
+                                        <p:cTn id="18" dur="1" fill="hold">
+                                          <p:stCondLst>
+                                            <p:cond delay="0"/>
+                                          </p:stCondLst>
+                                        </p:cTn>
+                                        <p:tgtEl>
+                                          <p:spTgt spid="30"/>
+                                        </p:tgtEl>
+                                        <p:attrNameLst>
+                                          <p:attrName>style.visibility</p:attrName>
+                                        </p:attrNameLst>
+                                      </p:cBhvr>
+                                      <p:to>
+                                        <p:strVal val="visible"/>
+                                      </p:to>
+                                    </p:set>
+                                  </p:childTnLst>
+                                </p:cTn>
+                              </p:par>
+                            </p:childTnLst>
+                          </p:cTn>
+                        </p:par>
+                        <p:par>
+                          <p:cTn id="19" fill="hold">
+                            <p:stCondLst>
+                              <p:cond delay="3000"/>
+                            </p:stCondLst>
+                            <p:childTnLst>
+                              <p:par>
+                                <p:cTn id="20" presetID="0" presetClass="path" presetSubtype="0" accel="50000" decel="50000" fill="hold" grpId="1" nodeType="afterEffect">
+                                  <p:stCondLst>
+                                    <p:cond delay="0"/>
+                                  </p:stCondLst>
+                                  <p:childTnLst>
+                                    <p:animMotion origin="layout" path="M 2.77556E-17 -0.00023 C 0.00816 0.00162 -0.00764 0.00833 0.04878 0.01065 C 0.10538 0.01273 0.275 0.0118 0.33976 0.01366 C 0.40486 0.01551 0.42135 -0.00046 0.43854 0.0206 C 0.45608 0.0419 0.44288 0.1169 0.4441 0.14236 " pathEditMode="relative" rAng="0" ptsTypes="aaaaa">
+                                      <p:cBhvr>
+                                        <p:cTn id="21" dur="2000" fill="hold"/>
+                                        <p:tgtEl>
+                                          <p:spTgt spid="30"/>
+                                        </p:tgtEl>
+                                        <p:attrNameLst>
+                                          <p:attrName>ppt_x</p:attrName>
+                                          <p:attrName>ppt_y</p:attrName>
+                                        </p:attrNameLst>
+                                      </p:cBhvr>
+                                      <p:rCtr x="22413" y="7106"/>
+                                    </p:animMotion>
+                                  </p:childTnLst>
+                                </p:cTn>
+                              </p:par>
+                              <p:par>
+                                <p:cTn id="22" presetID="22" presetClass="entr" presetSubtype="8" fill="hold" nodeType="withEffect">
+                                  <p:stCondLst>
+                                    <p:cond delay="1000"/>
+                                  </p:stCondLst>
+                                  <p:childTnLst>
+                                    <p:set>
+                                      <p:cBhvr>
+                                        <p:cTn id="23" dur="1" fill="hold">
+                                          <p:stCondLst>
+                                            <p:cond delay="0"/>
+                                          </p:stCondLst>
+                                        </p:cTn>
+                                        <p:tgtEl>
+                                          <p:spTgt spid="39"/>
+                                        </p:tgtEl>
+                                        <p:attrNameLst>
+                                          <p:attrName>style.visibility</p:attrName>
+                                        </p:attrNameLst>
+                                      </p:cBhvr>
+                                      <p:to>
+                                        <p:strVal val="visible"/>
+                                      </p:to>
+                                    </p:set>
+                                    <p:animEffect transition="in" filter="wipe(left)">
+                                      <p:cBhvr>
+                                        <p:cTn id="24" dur="500"/>
+                                        <p:tgtEl>
+                                          <p:spTgt spid="39"/>
+                                        </p:tgtEl>
+                                      </p:cBhvr>
+                                    </p:animEffect>
+                                  </p:childTnLst>
+                                </p:cTn>
+                              </p:par>
+                            </p:childTnLst>
+                          </p:cTn>
+                        </p:par>
+                        <p:par>
+                          <p:cTn id="25" fill="hold">
+                            <p:stCondLst>
+                              <p:cond delay="5000"/>
+                            </p:stCondLst>
+                            <p:childTnLst>
+                              <p:par>
+                                <p:cTn id="26" presetID="1" presetClass="entr" presetSubtype="0" fill="hold" grpId="0" nodeType="afterEffect">
+                                  <p:stCondLst>
+                                    <p:cond delay="0"/>
+                                  </p:stCondLst>
+                                  <p:childTnLst>
+                                    <p:set>
+                                      <p:cBhvr>
+                                        <p:cTn id="27" dur="1" fill="hold">
+                                          <p:stCondLst>
+                                            <p:cond delay="0"/>
+                                          </p:stCondLst>
+                                        </p:cTn>
+                                        <p:tgtEl>
+                                          <p:spTgt spid="31"/>
+                                        </p:tgtEl>
+                                        <p:attrNameLst>
+                                          <p:attrName>style.visibility</p:attrName>
+                                        </p:attrNameLst>
+                                      </p:cBhvr>
+                                      <p:to>
+                                        <p:strVal val="visible"/>
+                                      </p:to>
+                                    </p:set>
+                                  </p:childTnLst>
+                                </p:cTn>
+                              </p:par>
+                            </p:childTnLst>
+                          </p:cTn>
+                        </p:par>
+                        <p:par>
+                          <p:cTn id="28" fill="hold">
+                            <p:stCondLst>
+                              <p:cond delay="5000"/>
+                            </p:stCondLst>
+                            <p:childTnLst>
+                              <p:par>
+                                <p:cTn id="29" presetID="0" presetClass="path" presetSubtype="0" accel="50000" decel="50000" fill="hold" grpId="1" nodeType="afterEffect">
+                                  <p:stCondLst>
+                                    <p:cond delay="0"/>
+                                  </p:stCondLst>
+                                  <p:childTnLst>
+                                    <p:animMotion origin="layout" path="M 2.77556E-17 -0.00023 C 0.01215 0.00208 0.00729 0.01134 0.07309 0.01342 C 0.13924 0.01551 0.32882 0.01065 0.39583 0.0118 C 0.46285 0.01273 0.46111 -0.00185 0.47535 0.01944 C 0.48993 0.04097 0.48038 0.11597 0.4816 0.14143 " pathEditMode="relative" rAng="0" ptsTypes="aaaaa">
+                                      <p:cBhvr>
+                                        <p:cTn id="30" dur="2000" fill="hold"/>
+                                        <p:tgtEl>
+                                          <p:spTgt spid="31"/>
+                                        </p:tgtEl>
+                                        <p:attrNameLst>
+                                          <p:attrName>ppt_x</p:attrName>
+                                          <p:attrName>ppt_y</p:attrName>
+                                        </p:attrNameLst>
+                                      </p:cBhvr>
+                                      <p:rCtr x="24497" y="6991"/>
+                                    </p:animMotion>
+                                  </p:childTnLst>
+                                </p:cTn>
+                              </p:par>
+                              <p:par>
+                                <p:cTn id="31" presetID="22" presetClass="entr" presetSubtype="8" fill="hold" nodeType="withEffect">
+                                  <p:stCondLst>
+                                    <p:cond delay="1000"/>
+                                  </p:stCondLst>
+                                  <p:childTnLst>
+                                    <p:set>
+                                      <p:cBhvr>
+                                        <p:cTn id="32" dur="1" fill="hold">
+                                          <p:stCondLst>
+                                            <p:cond delay="0"/>
+                                          </p:stCondLst>
+                                        </p:cTn>
+                                        <p:tgtEl>
+                                          <p:spTgt spid="41"/>
+                                        </p:tgtEl>
+                                        <p:attrNameLst>
+                                          <p:attrName>style.visibility</p:attrName>
+                                        </p:attrNameLst>
+                                      </p:cBhvr>
+                                      <p:to>
+                                        <p:strVal val="visible"/>
+                                      </p:to>
+                                    </p:set>
+                                    <p:animEffect transition="in" filter="wipe(left)">
+                                      <p:cBhvr>
+                                        <p:cTn id="33" dur="500"/>
+                                        <p:tgtEl>
+                                          <p:spTgt spid="41"/>
+                                        </p:tgtEl>
+                                      </p:cBhvr>
+                                    </p:animEffect>
+                                  </p:childTnLst>
+                                </p:cTn>
+                              </p:par>
+                            </p:childTnLst>
+                          </p:cTn>
+                        </p:par>
+                        <p:par>
+                          <p:cTn id="34" fill="hold">
+                            <p:stCondLst>
+                              <p:cond delay="7000"/>
+                            </p:stCondLst>
+                            <p:childTnLst>
+                              <p:par>
+                                <p:cTn id="35" presetID="1" presetClass="entr" presetSubtype="0" fill="hold" grpId="2" nodeType="afterEffect">
+                                  <p:stCondLst>
+                                    <p:cond delay="0"/>
+                                  </p:stCondLst>
+                                  <p:childTnLst>
+                                    <p:set>
+                                      <p:cBhvr>
+                                        <p:cTn id="36" dur="1" fill="hold">
+                                          <p:stCondLst>
+                                            <p:cond delay="0"/>
+                                          </p:stCondLst>
+                                        </p:cTn>
+                                        <p:tgtEl>
+                                          <p:spTgt spid="32">
+                                            <p:txEl>
+                                              <p:pRg st="0" end="0"/>
+                                            </p:txEl>
+                                          </p:spTgt>
+                                        </p:tgtEl>
+                                        <p:attrNameLst>
+                                          <p:attrName>style.visibility</p:attrName>
+                                        </p:attrNameLst>
+                                      </p:cBhvr>
+                                      <p:to>
+                                        <p:strVal val="visible"/>
+                                      </p:to>
+                                    </p:set>
+                                  </p:childTnLst>
+                                </p:cTn>
+                              </p:par>
+                            </p:childTnLst>
+                          </p:cTn>
+                        </p:par>
+                        <p:par>
+                          <p:cTn id="37" fill="hold">
+                            <p:stCondLst>
+                              <p:cond delay="7000"/>
+                            </p:stCondLst>
+                            <p:childTnLst>
+                              <p:par>
+                                <p:cTn id="38" presetID="1" presetClass="entr" presetSubtype="0" fill="hold" grpId="0" nodeType="afterEffect">
+                                  <p:stCondLst>
+                                    <p:cond delay="0"/>
+                                  </p:stCondLst>
+                                  <p:childTnLst>
+                                    <p:set>
+                                      <p:cBhvr>
+                                        <p:cTn id="39" dur="1" fill="hold">
+                                          <p:stCondLst>
+                                            <p:cond delay="0"/>
+                                          </p:stCondLst>
+                                        </p:cTn>
+                                        <p:tgtEl>
+                                          <p:spTgt spid="32"/>
+                                        </p:tgtEl>
+                                        <p:attrNameLst>
+                                          <p:attrName>style.visibility</p:attrName>
+                                        </p:attrNameLst>
+                                      </p:cBhvr>
+                                      <p:to>
+                                        <p:strVal val="visible"/>
+                                      </p:to>
+                                    </p:set>
+                                  </p:childTnLst>
+                                </p:cTn>
+                              </p:par>
+                            </p:childTnLst>
+                          </p:cTn>
+                        </p:par>
+                        <p:par>
+                          <p:cTn id="40" fill="hold">
+                            <p:stCondLst>
+                              <p:cond delay="7000"/>
+                            </p:stCondLst>
+                            <p:childTnLst>
+                              <p:par>
+                                <p:cTn id="41" presetID="0" presetClass="path" presetSubtype="0" accel="50000" fill="hold" nodeType="afterEffect">
+                                  <p:stCondLst>
+                                    <p:cond delay="0"/>
+                                  </p:stCondLst>
+                                  <p:childTnLst>
+                                    <p:animMotion origin="layout" path="M -2.22222E-6 2.59259E-6 C 0.01181 0.00162 -0.00104 0.00879 0.07084 0.01018 C 0.14271 0.01157 0.34167 0.00856 0.43108 0.00833 C 0.52084 0.0081 0.57518 0.00995 0.60834 0.00926 " pathEditMode="relative" rAng="0" ptsTypes="aaaa">
+                                      <p:cBhvr>
+                                        <p:cTn id="42" dur="2000" fill="hold"/>
+                                        <p:tgtEl>
+                                          <p:spTgt spid="32">
+                                            <p:txEl>
+                                              <p:pRg st="0" end="0"/>
+                                            </p:txEl>
+                                          </p:spTgt>
+                                        </p:tgtEl>
+                                        <p:attrNameLst>
+                                          <p:attrName>ppt_x</p:attrName>
+                                          <p:attrName>ppt_y</p:attrName>
+                                        </p:attrNameLst>
+                                      </p:cBhvr>
+                                      <p:rCtr x="30365" y="579"/>
+                                    </p:animMotion>
+                                  </p:childTnLst>
+                                  <p:subTnLst>
+                                    <p:set>
+                                      <p:cBhvr override="childStyle">
+                                        <p:cTn dur="1" fill="hold" display="0" masterRel="sameClick" afterEffect="1">
+                                          <p:stCondLst>
+                                            <p:cond evt="end" delay="0">
+                                              <p:tn val="41"/>
+                                            </p:cond>
+                                          </p:stCondLst>
+                                        </p:cTn>
+                                        <p:tgtEl>
+                                          <p:spTgt spid="32">
+                                            <p:txEl>
+                                              <p:pRg st="0" end="0"/>
+                                            </p:txEl>
+                                          </p:spTgt>
+                                        </p:tgtEl>
+                                        <p:attrNameLst>
+                                          <p:attrName>style.visibility</p:attrName>
+                                        </p:attrNameLst>
+                                      </p:cBhvr>
+                                      <p:to>
+                                        <p:strVal val="hidden"/>
+                                      </p:to>
+                                    </p:set>
+                                  </p:subTnLst>
+                                </p:cTn>
+                              </p:par>
+                              <p:par>
+                                <p:cTn id="43" presetID="3" presetClass="emph" presetSubtype="2" fill="hold" grpId="1" nodeType="withEffect">
+                                  <p:stCondLst>
+                                    <p:cond delay="300"/>
+                                  </p:stCondLst>
+                                  <p:childTnLst>
+                                    <p:animClr clrSpc="rgb" dir="cw">
+                                      <p:cBhvr override="childStyle">
+                                        <p:cTn id="44" dur="1700" fill="hold"/>
+                                        <p:tgtEl>
+                                          <p:spTgt spid="32">
+                                            <p:txEl>
+                                              <p:pRg st="0" end="0"/>
+                                            </p:txEl>
+                                          </p:spTgt>
+                                        </p:tgtEl>
+                                        <p:attrNameLst>
+                                          <p:attrName>style.color</p:attrName>
+                                        </p:attrNameLst>
+                                      </p:cBhvr>
+                                      <p:to>
+                                        <a:schemeClr val="accent2"/>
+                                      </p:to>
+                                    </p:animClr>
+                                  </p:childTnLst>
+                                  <p:subTnLst>
+                                    <p:set>
+                                      <p:cBhvr override="childStyle">
+                                        <p:cTn dur="1" fill="hold" display="0" masterRel="sameClick" afterEffect="1">
+                                          <p:stCondLst>
+                                            <p:cond evt="end" delay="0">
+                                              <p:tn val="43"/>
+                                            </p:cond>
+                                          </p:stCondLst>
+                                        </p:cTn>
+                                        <p:tgtEl>
+                                          <p:spTgt spid="32">
+                                            <p:txEl>
+                                              <p:pRg st="0" end="0"/>
+                                            </p:txEl>
+                                          </p:spTgt>
+                                        </p:tgtEl>
+                                        <p:attrNameLst>
+                                          <p:attrName>style.visibility</p:attrName>
+                                        </p:attrNameLst>
+                                      </p:cBhvr>
+                                      <p:to>
+                                        <p:strVal val="hidden"/>
+                                      </p:to>
+                                    </p:set>
+                                  </p:subTnLst>
+                                </p:cTn>
+                              </p:par>
+                              <p:par>
+                                <p:cTn id="45" presetID="22" presetClass="entr" presetSubtype="8" fill="hold" nodeType="withEffect">
+                                  <p:stCondLst>
+                                    <p:cond delay="1000"/>
+                                  </p:stCondLst>
+                                  <p:childTnLst>
+                                    <p:set>
+                                      <p:cBhvr>
+                                        <p:cTn id="46" dur="1" fill="hold">
+                                          <p:stCondLst>
+                                            <p:cond delay="0"/>
+                                          </p:stCondLst>
+                                        </p:cTn>
+                                        <p:tgtEl>
+                                          <p:spTgt spid="52"/>
+                                        </p:tgtEl>
+                                        <p:attrNameLst>
+                                          <p:attrName>style.visibility</p:attrName>
+                                        </p:attrNameLst>
+                                      </p:cBhvr>
+                                      <p:to>
+                                        <p:strVal val="visible"/>
+                                      </p:to>
+                                    </p:set>
+                                    <p:animEffect transition="in" filter="wipe(left)">
+                                      <p:cBhvr>
+                                        <p:cTn id="47" dur="500"/>
+                                        <p:tgtEl>
+                                          <p:spTgt spid="52"/>
+                                        </p:tgtEl>
+                                      </p:cBhvr>
+                                    </p:animEffect>
+                                  </p:childTnLst>
+                                </p:cTn>
+                              </p:par>
+                            </p:childTnLst>
+                          </p:cTn>
+                        </p:par>
+                        <p:par>
+                          <p:cTn id="48" fill="hold">
+                            <p:stCondLst>
+                              <p:cond delay="9000"/>
+                            </p:stCondLst>
+                            <p:childTnLst>
+                              <p:par>
+                                <p:cTn id="49" presetID="1" presetClass="entr" presetSubtype="0" fill="hold" grpId="0" nodeType="afterEffect">
+                                  <p:stCondLst>
+                                    <p:cond delay="0"/>
+                                  </p:stCondLst>
+                                  <p:childTnLst>
+                                    <p:set>
+                                      <p:cBhvr>
+                                        <p:cTn id="50" dur="1" fill="hold">
+                                          <p:stCondLst>
+                                            <p:cond delay="0"/>
+                                          </p:stCondLst>
+                                        </p:cTn>
+                                        <p:tgtEl>
+                                          <p:spTgt spid="33"/>
+                                        </p:tgtEl>
+                                        <p:attrNameLst>
+                                          <p:attrName>style.visibility</p:attrName>
+                                        </p:attrNameLst>
+                                      </p:cBhvr>
+                                      <p:to>
+                                        <p:strVal val="visible"/>
+                                      </p:to>
+                                    </p:set>
+                                  </p:childTnLst>
+                                </p:cTn>
+                              </p:par>
+                            </p:childTnLst>
+                          </p:cTn>
+                        </p:par>
+                        <p:par>
+                          <p:cTn id="51" fill="hold">
+                            <p:stCondLst>
+                              <p:cond delay="9000"/>
+                            </p:stCondLst>
+                            <p:childTnLst>
+                              <p:par>
+                                <p:cTn id="52" presetID="0" presetClass="path" presetSubtype="0" accel="50000" decel="50000" fill="hold" grpId="1" nodeType="afterEffect">
+                                  <p:stCondLst>
+                                    <p:cond delay="0"/>
+                                  </p:stCondLst>
+                                  <p:childTnLst>
+                                    <p:animMotion origin="layout" path="M 8.33333E-7 -3.7037E-7 C 0.01233 0.00116 -0.00365 0.00648 0.07378 0.0081 C 0.15121 0.00926 0.38472 0.00556 0.46493 0.0081 C 0.54479 0.01042 0.5375 -0.00023 0.5533 0.0213 C 0.56979 0.04329 0.55833 0.11505 0.5599 0.14028 " pathEditMode="relative" rAng="0" ptsTypes="aaafa">
+                                      <p:cBhvr>
+                                        <p:cTn id="53" dur="2000" fill="hold"/>
+                                        <p:tgtEl>
+                                          <p:spTgt spid="33"/>
+                                        </p:tgtEl>
+                                        <p:attrNameLst>
+                                          <p:attrName>ppt_x</p:attrName>
+                                          <p:attrName>ppt_y</p:attrName>
+                                        </p:attrNameLst>
+                                      </p:cBhvr>
+                                      <p:rCtr x="28299" y="6991"/>
+                                    </p:animMotion>
+                                  </p:childTnLst>
+                                </p:cTn>
+                              </p:par>
+                              <p:par>
+                                <p:cTn id="54" presetID="22" presetClass="entr" presetSubtype="8" fill="hold" nodeType="withEffect">
+                                  <p:stCondLst>
+                                    <p:cond delay="1000"/>
+                                  </p:stCondLst>
+                                  <p:childTnLst>
+                                    <p:set>
+                                      <p:cBhvr>
+                                        <p:cTn id="55" dur="1" fill="hold">
+                                          <p:stCondLst>
+                                            <p:cond delay="0"/>
+                                          </p:stCondLst>
+                                        </p:cTn>
+                                        <p:tgtEl>
+                                          <p:spTgt spid="43"/>
+                                        </p:tgtEl>
+                                        <p:attrNameLst>
+                                          <p:attrName>style.visibility</p:attrName>
+                                        </p:attrNameLst>
+                                      </p:cBhvr>
+                                      <p:to>
+                                        <p:strVal val="visible"/>
+                                      </p:to>
+                                    </p:set>
+                                    <p:animEffect transition="in" filter="wipe(left)">
+                                      <p:cBhvr>
+                                        <p:cTn id="56" dur="500"/>
+                                        <p:tgtEl>
+                                          <p:spTgt spid="43"/>
+                                        </p:tgtEl>
+                                      </p:cBhvr>
+                                    </p:animEffect>
+                                  </p:childTnLst>
+                                </p:cTn>
+                              </p:par>
+                            </p:childTnLst>
+                          </p:cTn>
+                        </p:par>
+                      </p:childTnLst>
+                    </p:cTn>
+                  </p:par>
+                  <p:par>
+                    <p:cTn id="57" fill="hold">
+                      <p:stCondLst>
+                        <p:cond delay="indefinite"/>
+                      </p:stCondLst>
+                      <p:childTnLst>
+                        <p:par>
+                          <p:cTn id="58" fill="hold">
+                            <p:stCondLst>
+                              <p:cond delay="0"/>
+                            </p:stCondLst>
+                            <p:childTnLst>
+                              <p:par>
+                                <p:cTn id="59" presetID="1" presetClass="entr" presetSubtype="0" fill="hold" grpId="0" nodeType="clickEffect">
+                                  <p:stCondLst>
+                                    <p:cond delay="0"/>
+                                  </p:stCondLst>
+                                  <p:childTnLst>
+                                    <p:set>
+                                      <p:cBhvr>
+                                        <p:cTn id="60" dur="1" fill="hold">
+                                          <p:stCondLst>
+                                            <p:cond delay="0"/>
+                                          </p:stCondLst>
+                                        </p:cTn>
+                                        <p:tgtEl>
+                                          <p:spTgt spid="54"/>
+                                        </p:tgtEl>
+                                        <p:attrNameLst>
+                                          <p:attrName>style.visibility</p:attrName>
+                                        </p:attrNameLst>
+                                      </p:cBhvr>
+                                      <p:to>
+                                        <p:strVal val="visible"/>
+                                      </p:to>
+                                    </p:set>
+                                  </p:childTnLst>
+                                </p:cTn>
+                              </p:par>
+                            </p:childTnLst>
+                          </p:cTn>
+                        </p:par>
+                        <p:par>
+                          <p:cTn id="61" fill="hold">
+                            <p:stCondLst>
+                              <p:cond delay="0"/>
+                            </p:stCondLst>
+                            <p:childTnLst>
+                              <p:par>
+                                <p:cTn id="62" presetID="0" presetClass="path" presetSubtype="0" accel="50000" decel="50000" fill="hold" grpId="1" nodeType="afterEffect">
+                                  <p:stCondLst>
+                                    <p:cond delay="0"/>
+                                  </p:stCondLst>
+                                  <p:childTnLst>
+                                    <p:animMotion origin="layout" path="M -2.22222E-6 -2.59259E-6 C -0.04236 0.00139 -0.08455 0.00278 -0.17205 0.00185 C -0.25955 0.00093 -0.45312 0.01667 -0.52448 -0.00555 C -0.59583 -0.02778 -0.58698 -0.10648 -0.6 -0.13148 " pathEditMode="relative" rAng="0" ptsTypes="aaaA">
+                                      <p:cBhvr>
+                                        <p:cTn id="63" dur="2000" fill="hold"/>
+                                        <p:tgtEl>
+                                          <p:spTgt spid="54"/>
+                                        </p:tgtEl>
+                                        <p:attrNameLst>
+                                          <p:attrName>ppt_x</p:attrName>
+                                          <p:attrName>ppt_y</p:attrName>
+                                        </p:attrNameLst>
+                                      </p:cBhvr>
+                                      <p:rCtr x="-30000" y="-5741"/>
+                                    </p:animMotion>
+                                  </p:childTnLst>
+                                </p:cTn>
+                              </p:par>
+                              <p:par>
+                                <p:cTn id="64" presetID="22" presetClass="entr" presetSubtype="2" fill="hold" grpId="0" nodeType="withEffect">
+                                  <p:stCondLst>
+                                    <p:cond delay="0"/>
+                                  </p:stCondLst>
+                                  <p:childTnLst>
+                                    <p:set>
+                                      <p:cBhvr>
+                                        <p:cTn id="65" dur="1" fill="hold">
+                                          <p:stCondLst>
+                                            <p:cond delay="0"/>
+                                          </p:stCondLst>
+                                        </p:cTn>
+                                        <p:tgtEl>
+                                          <p:spTgt spid="53"/>
+                                        </p:tgtEl>
+                                        <p:attrNameLst>
+                                          <p:attrName>style.visibility</p:attrName>
+                                        </p:attrNameLst>
+                                      </p:cBhvr>
+                                      <p:to>
+                                        <p:strVal val="visible"/>
+                                      </p:to>
+                                    </p:set>
+                                    <p:animEffect transition="in" filter="wipe(right)">
+                                      <p:cBhvr>
+                                        <p:cTn id="66" dur="1500"/>
+                                        <p:tgtEl>
+                                          <p:spTgt spid="53"/>
+                                        </p:tgtEl>
+                                      </p:cBhvr>
+                                    </p:animEffect>
+                                  </p:childTnLst>
+                                </p:cTn>
+                              </p:par>
+                            </p:childTnLst>
+                          </p:cTn>
+                        </p:par>
+                      </p:childTnLst>
+                    </p:cTn>
+                  </p:par>
+                  <p:par>
+                    <p:cTn id="67" fill="hold">
+                      <p:stCondLst>
+                        <p:cond delay="indefinite"/>
+                      </p:stCondLst>
+                      <p:childTnLst>
+                        <p:par>
+                          <p:cTn id="68" fill="hold">
+                            <p:stCondLst>
+                              <p:cond delay="0"/>
+                            </p:stCondLst>
+                            <p:childTnLst>
+                              <p:par>
+                                <p:cTn id="69" presetID="22" presetClass="entr" presetSubtype="8" fill="hold" grpId="0" nodeType="clickEffect">
+                                  <p:stCondLst>
+                                    <p:cond delay="0"/>
+                                  </p:stCondLst>
+                                  <p:childTnLst>
+                                    <p:set>
+                                      <p:cBhvr>
+                                        <p:cTn id="70" dur="1" fill="hold">
+                                          <p:stCondLst>
+                                            <p:cond delay="0"/>
+                                          </p:stCondLst>
+                                        </p:cTn>
+                                        <p:tgtEl>
+                                          <p:spTgt spid="69"/>
+                                        </p:tgtEl>
+                                        <p:attrNameLst>
+                                          <p:attrName>style.visibility</p:attrName>
+                                        </p:attrNameLst>
+                                      </p:cBhvr>
+                                      <p:to>
+                                        <p:strVal val="visible"/>
+                                      </p:to>
+                                    </p:set>
+                                    <p:animEffect transition="in" filter="wipe(left)">
+                                      <p:cBhvr>
+                                        <p:cTn id="71" dur="500"/>
+                                        <p:tgtEl>
+                                          <p:spTgt spid="69"/>
+                                        </p:tgtEl>
+                                      </p:cBhvr>
+                                    </p:animEffect>
+                                  </p:childTnLst>
+                                </p:cTn>
+                              </p:par>
+                              <p:par>
+                                <p:cTn id="72" presetID="1" presetClass="exit" presetSubtype="0" fill="hold" grpId="2" nodeType="withEffect">
+                                  <p:stCondLst>
+                                    <p:cond delay="0"/>
+                                  </p:stCondLst>
+                                  <p:childTnLst>
+                                    <p:set>
+                                      <p:cBhvr>
+                                        <p:cTn id="73" dur="1" fill="hold">
+                                          <p:stCondLst>
+                                            <p:cond delay="0"/>
+                                          </p:stCondLst>
+                                        </p:cTn>
+                                        <p:tgtEl>
+                                          <p:spTgt spid="54"/>
+                                        </p:tgtEl>
+                                        <p:attrNameLst>
+                                          <p:attrName>style.visibility</p:attrName>
+                                        </p:attrNameLst>
+                                      </p:cBhvr>
+                                      <p:to>
+                                        <p:strVal val="hidden"/>
+                                      </p:to>
+                                    </p:set>
+                                  </p:childTnLst>
+                                </p:cTn>
+                              </p:par>
+                              <p:par>
+                                <p:cTn id="74" presetID="1" presetClass="exit" presetSubtype="0" fill="hold" grpId="1" nodeType="withEffect">
+                                  <p:stCondLst>
+                                    <p:cond delay="0"/>
+                                  </p:stCondLst>
+                                  <p:childTnLst>
+                                    <p:set>
+                                      <p:cBhvr>
+                                        <p:cTn id="75" dur="1" fill="hold">
+                                          <p:stCondLst>
+                                            <p:cond delay="0"/>
+                                          </p:stCondLst>
+                                        </p:cTn>
+                                        <p:tgtEl>
+                                          <p:spTgt spid="53"/>
+                                        </p:tgtEl>
+                                        <p:attrNameLst>
+                                          <p:attrName>style.visibility</p:attrName>
+                                        </p:attrNameLst>
+                                      </p:cBhvr>
+                                      <p:to>
+                                        <p:strVal val="hidden"/>
+                                      </p:to>
+                                    </p:set>
+                                  </p:childTnLst>
+                                </p:cTn>
+                              </p:par>
+                              <p:par>
+                                <p:cTn id="76" presetID="1" presetClass="entr" presetSubtype="0" fill="hold" grpId="0" nodeType="withEffect">
+                                  <p:stCondLst>
+                                    <p:cond delay="0"/>
+                                  </p:stCondLst>
+                                  <p:childTnLst>
+                                    <p:set>
+                                      <p:cBhvr>
+                                        <p:cTn id="77" dur="1" fill="hold">
+                                          <p:stCondLst>
+                                            <p:cond delay="0"/>
+                                          </p:stCondLst>
+                                        </p:cTn>
+                                        <p:tgtEl>
+                                          <p:spTgt spid="63"/>
+                                        </p:tgtEl>
+                                        <p:attrNameLst>
+                                          <p:attrName>style.visibility</p:attrName>
+                                        </p:attrNameLst>
+                                      </p:cBhvr>
+                                      <p:to>
+                                        <p:strVal val="visible"/>
+                                      </p:to>
+                                    </p:set>
+                                  </p:childTnLst>
+                                </p:cTn>
+                              </p:par>
+                            </p:childTnLst>
+                          </p:cTn>
+                        </p:par>
+                        <p:par>
+                          <p:cTn id="78" fill="hold">
+                            <p:stCondLst>
+                              <p:cond delay="500"/>
+                            </p:stCondLst>
+                            <p:childTnLst>
+                              <p:par>
+                                <p:cTn id="79" presetID="0" presetClass="path" presetSubtype="0" accel="50000" decel="50000" fill="hold" grpId="1" nodeType="afterEffect">
+                                  <p:stCondLst>
+                                    <p:cond delay="0"/>
+                                  </p:stCondLst>
+                                  <p:childTnLst>
+                                    <p:animMotion origin="layout" path="M 5E-6 1.48148E-6 C 0.00608 0.04097 -0.025 0.20347 0.03646 0.24629 C 0.09792 0.28912 0.27466 0.25486 0.36841 0.25741 C 0.46216 0.25995 0.55469 0.24792 0.59896 0.26111 C 0.64323 0.2743 0.62674 0.32037 0.63403 0.33611 " pathEditMode="relative" rAng="0" ptsTypes="aaaaa">
+                                      <p:cBhvr>
+                                        <p:cTn id="80" dur="500" fill="hold"/>
+                                        <p:tgtEl>
+                                          <p:spTgt spid="63"/>
+                                        </p:tgtEl>
+                                        <p:attrNameLst>
+                                          <p:attrName>ppt_x</p:attrName>
+                                          <p:attrName>ppt_y</p:attrName>
+                                        </p:attrNameLst>
+                                      </p:cBhvr>
+                                      <p:rCtr x="30903" y="16806"/>
+                                    </p:animMotion>
+                                  </p:childTnLst>
+                                </p:cTn>
+                              </p:par>
+                              <p:par>
+                                <p:cTn id="81" presetID="22" presetClass="entr" presetSubtype="4" fill="hold" nodeType="withEffect">
+                                  <p:stCondLst>
+                                    <p:cond delay="0"/>
+                                  </p:stCondLst>
+                                  <p:childTnLst>
+                                    <p:set>
+                                      <p:cBhvr>
+                                        <p:cTn id="82" dur="1" fill="hold">
+                                          <p:stCondLst>
+                                            <p:cond delay="0"/>
+                                          </p:stCondLst>
+                                        </p:cTn>
+                                        <p:tgtEl>
+                                          <p:spTgt spid="71"/>
+                                        </p:tgtEl>
+                                        <p:attrNameLst>
+                                          <p:attrName>style.visibility</p:attrName>
+                                        </p:attrNameLst>
+                                      </p:cBhvr>
+                                      <p:to>
+                                        <p:strVal val="visible"/>
+                                      </p:to>
+                                    </p:set>
+                                    <p:animEffect transition="in" filter="wipe(down)">
+                                      <p:cBhvr>
+                                        <p:cTn id="83" dur="100"/>
+                                        <p:tgtEl>
+                                          <p:spTgt spid="71"/>
+                                        </p:tgtEl>
+                                      </p:cBhvr>
+                                    </p:animEffect>
+                                  </p:childTnLst>
+                                </p:cTn>
+                              </p:par>
+                              <p:par>
+                                <p:cTn id="84" presetID="1" presetClass="entr" presetSubtype="0" fill="hold" grpId="0" nodeType="withEffect">
+                                  <p:stCondLst>
+                                    <p:cond delay="100"/>
+                                  </p:stCondLst>
+                                  <p:childTnLst>
+                                    <p:set>
+                                      <p:cBhvr>
+                                        <p:cTn id="85" dur="1" fill="hold">
+                                          <p:stCondLst>
+                                            <p:cond delay="0"/>
+                                          </p:stCondLst>
+                                        </p:cTn>
+                                        <p:tgtEl>
+                                          <p:spTgt spid="64"/>
+                                        </p:tgtEl>
+                                        <p:attrNameLst>
+                                          <p:attrName>style.visibility</p:attrName>
+                                        </p:attrNameLst>
+                                      </p:cBhvr>
+                                      <p:to>
+                                        <p:strVal val="visible"/>
+                                      </p:to>
+                                    </p:set>
+                                  </p:childTnLst>
+                                </p:cTn>
+                              </p:par>
+                            </p:childTnLst>
+                          </p:cTn>
+                        </p:par>
+                        <p:par>
+                          <p:cTn id="86" fill="hold">
+                            <p:stCondLst>
+                              <p:cond delay="1000"/>
+                            </p:stCondLst>
+                            <p:childTnLst>
+                              <p:par>
+                                <p:cTn id="87" presetID="0" presetClass="path" presetSubtype="0" accel="50000" decel="50000" fill="hold" grpId="1" nodeType="afterEffect">
+                                  <p:stCondLst>
+                                    <p:cond delay="0"/>
+                                  </p:stCondLst>
+                                  <p:childTnLst>
+                                    <p:animMotion origin="layout" path="M 5E-6 0 C 0.00799 0.04213 -0.03091 0.21157 0.04757 0.25347 C 0.12605 0.29537 0.36563 0.24977 0.47119 0.25162 C 0.57674 0.25347 0.64132 0.25069 0.68091 0.26458 C 0.72049 0.27847 0.70313 0.3206 0.70903 0.33542 " pathEditMode="relative" rAng="0" ptsTypes="aaaaa">
+                                      <p:cBhvr>
+                                        <p:cTn id="88" dur="500" fill="hold"/>
+                                        <p:tgtEl>
+                                          <p:spTgt spid="64"/>
+                                        </p:tgtEl>
+                                        <p:attrNameLst>
+                                          <p:attrName>ppt_x</p:attrName>
+                                          <p:attrName>ppt_y</p:attrName>
+                                        </p:attrNameLst>
+                                      </p:cBhvr>
+                                      <p:rCtr x="34479" y="16759"/>
+                                    </p:animMotion>
+                                  </p:childTnLst>
+                                </p:cTn>
+                              </p:par>
+                              <p:par>
+                                <p:cTn id="89" presetID="22" presetClass="entr" presetSubtype="4" fill="hold" nodeType="withEffect">
+                                  <p:stCondLst>
+                                    <p:cond delay="0"/>
+                                  </p:stCondLst>
+                                  <p:childTnLst>
+                                    <p:set>
+                                      <p:cBhvr>
+                                        <p:cTn id="90" dur="1" fill="hold">
+                                          <p:stCondLst>
+                                            <p:cond delay="0"/>
+                                          </p:stCondLst>
+                                        </p:cTn>
+                                        <p:tgtEl>
+                                          <p:spTgt spid="75"/>
+                                        </p:tgtEl>
+                                        <p:attrNameLst>
+                                          <p:attrName>style.visibility</p:attrName>
+                                        </p:attrNameLst>
+                                      </p:cBhvr>
+                                      <p:to>
+                                        <p:strVal val="visible"/>
+                                      </p:to>
+                                    </p:set>
+                                    <p:animEffect transition="in" filter="wipe(down)">
+                                      <p:cBhvr>
+                                        <p:cTn id="91" dur="100"/>
+                                        <p:tgtEl>
+                                          <p:spTgt spid="75"/>
+                                        </p:tgtEl>
+                                      </p:cBhvr>
+                                    </p:animEffect>
+                                  </p:childTnLst>
+                                </p:cTn>
+                              </p:par>
+                              <p:par>
+                                <p:cTn id="92" presetID="1" presetClass="entr" presetSubtype="0" fill="hold" grpId="0" nodeType="withEffect">
+                                  <p:stCondLst>
+                                    <p:cond delay="100"/>
+                                  </p:stCondLst>
+                                  <p:childTnLst>
+                                    <p:set>
+                                      <p:cBhvr>
+                                        <p:cTn id="93" dur="1" fill="hold">
+                                          <p:stCondLst>
+                                            <p:cond delay="0"/>
+                                          </p:stCondLst>
+                                        </p:cTn>
+                                        <p:tgtEl>
+                                          <p:spTgt spid="65"/>
+                                        </p:tgtEl>
+                                        <p:attrNameLst>
+                                          <p:attrName>style.visibility</p:attrName>
+                                        </p:attrNameLst>
+                                      </p:cBhvr>
+                                      <p:to>
+                                        <p:strVal val="visible"/>
+                                      </p:to>
+                                    </p:set>
+                                  </p:childTnLst>
+                                </p:cTn>
+                              </p:par>
+                            </p:childTnLst>
+                          </p:cTn>
+                        </p:par>
+                        <p:par>
+                          <p:cTn id="94" fill="hold">
+                            <p:stCondLst>
+                              <p:cond delay="1500"/>
+                            </p:stCondLst>
+                            <p:childTnLst>
+                              <p:par>
+                                <p:cTn id="95" presetID="0" presetClass="path" presetSubtype="0" accel="50000" decel="50000" fill="hold" grpId="1" nodeType="afterEffect">
+                                  <p:stCondLst>
+                                    <p:cond delay="0"/>
+                                  </p:stCondLst>
+                                  <p:childTnLst>
+                                    <p:animMotion origin="layout" path="M 5E-6 0 C 0.00626 0.04167 -0.02292 0.20764 0.03785 0.24977 C 0.09862 0.2919 0.25313 0.25162 0.36424 0.25347 C 0.47535 0.25532 0.64028 0.24745 0.70452 0.26088 C 0.76876 0.27431 0.74063 0.31875 0.75001 0.33403 " pathEditMode="relative" rAng="0" ptsTypes="aaaaa">
+                                      <p:cBhvr>
+                                        <p:cTn id="96" dur="500" fill="hold"/>
+                                        <p:tgtEl>
+                                          <p:spTgt spid="65"/>
+                                        </p:tgtEl>
+                                        <p:attrNameLst>
+                                          <p:attrName>ppt_x</p:attrName>
+                                          <p:attrName>ppt_y</p:attrName>
+                                        </p:attrNameLst>
+                                      </p:cBhvr>
+                                      <p:rCtr x="37292" y="16690"/>
+                                    </p:animMotion>
+                                  </p:childTnLst>
+                                </p:cTn>
+                              </p:par>
+                              <p:par>
+                                <p:cTn id="97" presetID="22" presetClass="entr" presetSubtype="4" fill="hold" nodeType="withEffect">
+                                  <p:stCondLst>
+                                    <p:cond delay="0"/>
+                                  </p:stCondLst>
+                                  <p:childTnLst>
+                                    <p:set>
+                                      <p:cBhvr>
+                                        <p:cTn id="98" dur="1" fill="hold">
+                                          <p:stCondLst>
+                                            <p:cond delay="0"/>
+                                          </p:stCondLst>
+                                        </p:cTn>
+                                        <p:tgtEl>
+                                          <p:spTgt spid="73"/>
+                                        </p:tgtEl>
+                                        <p:attrNameLst>
+                                          <p:attrName>style.visibility</p:attrName>
+                                        </p:attrNameLst>
+                                      </p:cBhvr>
+                                      <p:to>
+                                        <p:strVal val="visible"/>
+                                      </p:to>
+                                    </p:set>
+                                    <p:animEffect transition="in" filter="wipe(down)">
+                                      <p:cBhvr>
+                                        <p:cTn id="99" dur="100"/>
+                                        <p:tgtEl>
+                                          <p:spTgt spid="73"/>
+                                        </p:tgtEl>
+                                      </p:cBhvr>
+                                    </p:animEffect>
+                                  </p:childTnLst>
+                                </p:cTn>
+                              </p:par>
+                            </p:childTnLst>
+                          </p:cTn>
+                        </p:par>
+                        <p:par>
+                          <p:cTn id="100" fill="hold">
+                            <p:stCondLst>
+                              <p:cond delay="2000"/>
+                            </p:stCondLst>
+                            <p:childTnLst>
+                              <p:par>
+                                <p:cTn id="101" presetID="22" presetClass="entr" presetSubtype="2" fill="hold" grpId="0" nodeType="afterEffect">
+                                  <p:stCondLst>
+                                    <p:cond delay="0"/>
+                                  </p:stCondLst>
+                                  <p:childTnLst>
+                                    <p:set>
+                                      <p:cBhvr>
+                                        <p:cTn id="102" dur="1" fill="hold">
+                                          <p:stCondLst>
+                                            <p:cond delay="0"/>
+                                          </p:stCondLst>
+                                        </p:cTn>
+                                        <p:tgtEl>
+                                          <p:spTgt spid="77"/>
+                                        </p:tgtEl>
+                                        <p:attrNameLst>
+                                          <p:attrName>style.visibility</p:attrName>
+                                        </p:attrNameLst>
+                                      </p:cBhvr>
+                                      <p:to>
+                                        <p:strVal val="visible"/>
+                                      </p:to>
+                                    </p:set>
+                                    <p:animEffect transition="in" filter="wipe(right)">
+                                      <p:cBhvr>
+                                        <p:cTn id="103" dur="500"/>
+                                        <p:tgtEl>
+                                          <p:spTgt spid="77"/>
+                                        </p:tgtEl>
+                                      </p:cBhvr>
+                                    </p:animEffect>
+                                  </p:childTnLst>
+                                </p:cTn>
+                              </p:par>
+                            </p:childTnLst>
+                          </p:cTn>
+                        </p:par>
+                      </p:childTnLst>
+                    </p:cTn>
+                  </p:par>
+                </p:childTnLst>
+              </p:cTn>
+              <p:prevCondLst>
+                <p:cond evt="onPrev" delay="0">
+                  <p:tgtEl>
+                    <p:sldTgt/>
+                  </p:tgtEl>
+                </p:cond>
+              </p:prevCondLst>
+              <p:nextCondLst>
+                <p:cond evt="onNext" delay="0">
+                  <p:tgtEl>
+                    <p:sldTgt/>
+                  </p:tgtEl>
+                </p:cond>
+              </p:nextCondLst>
+            </p:seq>
+          </p:childTnLst>
+        </p:cTn>
+      </p:par>
+    </p:tnLst>
+    <p:bldLst>
+      <p:bldP spid="64" grpId="0"/>
+      <p:bldP spid="64" grpId="1"/>
+      <p:bldP spid="63" grpId="0"/>
+      <p:bldP spid="63" grpId="1"/>
+      <p:bldP spid="65" grpId="0"/>
+      <p:bldP spid="65" grpId="1"/>
+      <p:bldP spid="33" grpId="0"/>
+      <p:bldP spid="33" grpId="1"/>
+      <p:bldP spid="29" grpId="0"/>
+      <p:bldP spid="29" grpId="1"/>
+      <p:bldP spid="30" grpId="0"/>
+      <p:bldP spid="30" grpId="1"/>
+      <p:bldP spid="31" grpId="0"/>
+      <p:bldP spid="31" grpId="1"/>
+      <p:bldP spid="32" grpId="0"/>
+      <p:bldP spid="32" grpId="1" build="allAtOnce"/>
+      <p:bldP spid="32" grpId="2" build="allAtOnce"/>
+      <p:bldP spid="27" grpId="0" animBg="1"/>
+      <p:bldP spid="53" grpId="0" animBg="1"/>
+      <p:bldP spid="53" grpId="1" animBg="1"/>
+      <p:bldP spid="54" grpId="0"/>
+      <p:bldP spid="54" grpId="1"/>
+      <p:bldP spid="54" grpId="2"/>
+      <p:bldP spid="69" grpId="0" animBg="1"/>
+      <p:bldP spid="77" grpId="0" animBg="1"/>
+    </p:bldLst>
+  </p:timing>
+</p:sld>
+</file>
+
+<file path=ppt/slides/slide7.xml><?xml version="1.0" encoding="utf-8"?>
+<p:sld xmlns:a="http://schemas.openxmlformats.org/drawingml/2006/main" xmlns:r="http://schemas.openxmlformats.org/officeDocument/2006/relationships" xmlns:p="http://schemas.openxmlformats.org/presentationml/2006/main">
+  <p:cSld>
+    <p:spTree>
+      <p:nvGrpSpPr>
+        <p:cNvPr id="1" name=""/>
+        <p:cNvGrpSpPr/>
+        <p:nvPr/>
+      </p:nvGrpSpPr>
+      <p:grpSpPr>
+        <a:xfrm>
+          <a:off x="0" y="0"/>
+          <a:ext cx="0" cy="0"/>
+          <a:chOff x="0" y="0"/>
+          <a:chExt cx="0" cy="0"/>
+        </a:xfrm>
+      </p:grpSpPr>
+      <p:sp>
+        <p:nvSpPr>
+          <p:cNvPr id="2" name="Titel 1"/>
+          <p:cNvSpPr>
+            <a:spLocks noGrp="1"/>
+          </p:cNvSpPr>
+          <p:nvPr>
+            <p:ph type="title"/>
+          </p:nvPr>
+        </p:nvSpPr>
+        <p:spPr/>
+        <p:txBody>
+          <a:bodyPr/>
+          <a:lstStyle/>
+          <a:p>
+            <a:endParaRPr lang="de-DE"/>
+          </a:p>
+        </p:txBody>
+      </p:sp>
+      <p:sp>
+        <p:nvSpPr>
+          <p:cNvPr id="3" name="Inhaltsplatzhalter 2"/>
+          <p:cNvSpPr>
+            <a:spLocks noGrp="1"/>
+          </p:cNvSpPr>
+          <p:nvPr>
+            <p:ph idx="1"/>
+          </p:nvPr>
+        </p:nvSpPr>
+        <p:spPr/>
+        <p:txBody>
+          <a:bodyPr/>
+          <a:lstStyle/>
+          <a:p>
+            <a:endParaRPr lang="de-DE"/>
+          </a:p>
+        </p:txBody>
+      </p:sp>
+    </p:spTree>
+    <p:extLst>
+      <p:ext uri="{BB962C8B-B14F-4D97-AF65-F5344CB8AC3E}">
+        <p14:creationId xmlns:p14="http://schemas.microsoft.com/office/powerpoint/2010/main" val="780332271"/>
+      </p:ext>
+    </p:extLst>
+  </p:cSld>
+  <p:clrMapOvr>
+    <a:masterClrMapping/>
+  </p:clrMapOvr>
+  <p:timing>
+    <p:tnLst>
+      <p:par>
+        <p:cTn xmlns:p14="http://schemas.microsoft.com/office/powerpoint/2010/main" id="1" dur="indefinite" restart="never" nodeType="tmRoot"/>
+      </p:par>
+    </p:tnLst>
+  </p:timing>
+</p:sld>
+</file>
+
+<file path=ppt/slides/slide8.xml><?xml version="1.0" encoding="utf-8"?>
+<p:sld xmlns:a="http://schemas.openxmlformats.org/drawingml/2006/main" xmlns:r="http://schemas.openxmlformats.org/officeDocument/2006/relationships" xmlns:p="http://schemas.openxmlformats.org/presentationml/2006/main">
+  <p:cSld>
+    <p:spTree>
+      <p:nvGrpSpPr>
+        <p:cNvPr id="1" name=""/>
+        <p:cNvGrpSpPr/>
+        <p:nvPr/>
+      </p:nvGrpSpPr>
+      <p:grpSpPr>
+        <a:xfrm>
+          <a:off x="0" y="0"/>
+          <a:ext cx="0" cy="0"/>
+          <a:chOff x="0" y="0"/>
+          <a:chExt cx="0" cy="0"/>
+        </a:xfrm>
+      </p:grpSpPr>
+      <p:sp>
+        <p:nvSpPr>
+          <p:cNvPr id="2" name="Titel 1"/>
+          <p:cNvSpPr>
+            <a:spLocks noGrp="1"/>
+          </p:cNvSpPr>
+          <p:nvPr>
+            <p:ph type="title"/>
+          </p:nvPr>
+        </p:nvSpPr>
+        <p:spPr/>
+        <p:txBody>
+          <a:bodyPr/>
+          <a:lstStyle/>
+          <a:p>
+            <a:endParaRPr lang="de-DE"/>
+          </a:p>
+        </p:txBody>
+      </p:sp>
+      <p:sp>
+        <p:nvSpPr>
+          <p:cNvPr id="3" name="Inhaltsplatzhalter 2"/>
+          <p:cNvSpPr>
+            <a:spLocks noGrp="1"/>
+          </p:cNvSpPr>
+          <p:nvPr>
+            <p:ph idx="1"/>
+          </p:nvPr>
+        </p:nvSpPr>
+        <p:spPr/>
+        <p:txBody>
+          <a:bodyPr/>
+          <a:lstStyle/>
+          <a:p>
+            <a:endParaRPr lang="de-DE"/>
+          </a:p>
+        </p:txBody>
+      </p:sp>
+    </p:spTree>
+    <p:extLst>
+      <p:ext uri="{BB962C8B-B14F-4D97-AF65-F5344CB8AC3E}">
+        <p14:creationId xmlns:p14="http://schemas.microsoft.com/office/powerpoint/2010/main" val="4050807171"/>
+      </p:ext>
+    </p:extLst>
+  </p:cSld>
+  <p:clrMapOvr>
+    <a:masterClrMapping/>
+  </p:clrMapOvr>
+  <p:timing>
+    <p:tnLst>
+      <p:par>
+        <p:cTn xmlns:p14="http://schemas.microsoft.com/office/powerpoint/2010/main" id="1" dur="indefinite" restart="never" nodeType="tmRoot"/>
+      </p:par>
+    </p:tnLst>
+  </p:timing>
+</p:sld>
+</file>
+
+<file path=ppt/slides/slide9.xml><?xml version="1.0" encoding="utf-8"?>
+<p:sld xmlns:a="http://schemas.openxmlformats.org/drawingml/2006/main" xmlns:r="http://schemas.openxmlformats.org/officeDocument/2006/relationships" xmlns:p="http://schemas.openxmlformats.org/presentationml/2006/main">
+  <p:cSld>
+    <p:spTree>
+      <p:nvGrpSpPr>
+        <p:cNvPr id="1" name=""/>
+        <p:cNvGrpSpPr/>
+        <p:nvPr/>
+      </p:nvGrpSpPr>
+      <p:grpSpPr>
+        <a:xfrm>
+          <a:off x="0" y="0"/>
+          <a:ext cx="0" cy="0"/>
+          <a:chOff x="0" y="0"/>
+          <a:chExt cx="0" cy="0"/>
+        </a:xfrm>
+      </p:grpSpPr>
+      <p:sp>
+        <p:nvSpPr>
+          <p:cNvPr id="2" name="Titel 1"/>
+          <p:cNvSpPr>
+            <a:spLocks noGrp="1"/>
+          </p:cNvSpPr>
+          <p:nvPr>
+            <p:ph type="title"/>
+          </p:nvPr>
+        </p:nvSpPr>
+        <p:spPr/>
+        <p:txBody>
+          <a:bodyPr/>
+          <a:lstStyle/>
+          <a:p>
+            <a:endParaRPr lang="de-DE"/>
+          </a:p>
+        </p:txBody>
+      </p:sp>
+      <p:sp>
+        <p:nvSpPr>
+          <p:cNvPr id="3" name="Inhaltsplatzhalter 2"/>
+          <p:cNvSpPr>
+            <a:spLocks noGrp="1"/>
+          </p:cNvSpPr>
+          <p:nvPr>
+            <p:ph idx="1"/>
+          </p:nvPr>
+        </p:nvSpPr>
+        <p:spPr/>
+        <p:txBody>
+          <a:bodyPr/>
+          <a:lstStyle/>
+          <a:p>
+            <a:endParaRPr lang="de-DE"/>
+          </a:p>
+        </p:txBody>
+      </p:sp>
+    </p:spTree>
+    <p:extLst>
+      <p:ext uri="{BB962C8B-B14F-4D97-AF65-F5344CB8AC3E}">
+        <p14:creationId xmlns:p14="http://schemas.microsoft.com/office/powerpoint/2010/main" val="3337012022"/>
+      </p:ext>
+    </p:extLst>
+  </p:cSld>
+  <p:clrMapOvr>
+    <a:masterClrMapping/>
+  </p:clrMapOvr>
+  <p:timing>
+    <p:tnLst>
+      <p:par>
+        <p:cTn xmlns:p14="http://schemas.microsoft.com/office/powerpoint/2010/main" id="1" dur="indefinite" restart="never" nodeType="tmRoot"/>
+      </p:par>
+    </p:tnLst>
   </p:timing>
 </p:sld>
 </file>
@@ -13634,4 +21464,324 @@
   </a:objectDefaults>
   <a:extraClrSchemeLst/>
 </a:theme>
+</file>
+
+<file path=ppt/theme/theme2.xml><?xml version="1.0" encoding="utf-8"?>
+<a:theme xmlns:a="http://schemas.openxmlformats.org/drawingml/2006/main" name="Office-Design">
+  <a:themeElements>
+    <a:clrScheme name="Office">
+      <a:dk1>
+        <a:sysClr val="windowText" lastClr="000000"/>
+      </a:dk1>
+      <a:lt1>
+        <a:sysClr val="window" lastClr="FFFFFF"/>
+      </a:lt1>
+      <a:dk2>
+        <a:srgbClr val="1F497D"/>
+      </a:dk2>
+      <a:lt2>
+        <a:srgbClr val="EEECE1"/>
+      </a:lt2>
+      <a:accent1>
+        <a:srgbClr val="4F81BD"/>
+      </a:accent1>
+      <a:accent2>
+        <a:srgbClr val="C0504D"/>
+      </a:accent2>
+      <a:accent3>
+        <a:srgbClr val="9BBB59"/>
+      </a:accent3>
+      <a:accent4>
+        <a:srgbClr val="8064A2"/>
+      </a:accent4>
+      <a:accent5>
+        <a:srgbClr val="4BACC6"/>
+      </a:accent5>
+      <a:accent6>
+        <a:srgbClr val="F79646"/>
+      </a:accent6>
+      <a:hlink>
+        <a:srgbClr val="0000FF"/>
+      </a:hlink>
+      <a:folHlink>
+        <a:srgbClr val="800080"/>
+      </a:folHlink>
+    </a:clrScheme>
+    <a:fontScheme name="Office">
+      <a:majorFont>
+        <a:latin typeface="Calibri"/>
+        <a:ea typeface=""/>
+        <a:cs typeface=""/>
+        <a:font script="Jpan" typeface="ＭＳ Ｐゴシック"/>
+        <a:font script="Hang" typeface="맑은 고딕"/>
+        <a:font script="Hans" typeface="宋体"/>
+        <a:font script="Hant" typeface="新細明體"/>
+        <a:font script="Arab" typeface="Times New Roman"/>
+        <a:font script="Hebr" typeface="Times New Roman"/>
+        <a:font script="Thai" typeface="Angsana New"/>
+        <a:font script="Ethi" typeface="Nyala"/>
+        <a:font script="Beng" typeface="Vrinda"/>
+        <a:font script="Gujr" typeface="Shruti"/>
+        <a:font script="Khmr" typeface="MoolBoran"/>
+        <a:font script="Knda" typeface="Tunga"/>
+        <a:font script="Guru" typeface="Raavi"/>
+        <a:font script="Cans" typeface="Euphemia"/>
+        <a:font script="Cher" typeface="Plantagenet Cherokee"/>
+        <a:font script="Yiii" typeface="Microsoft Yi Baiti"/>
+        <a:font script="Tibt" typeface="Microsoft Himalaya"/>
+        <a:font script="Thaa" typeface="MV Boli"/>
+        <a:font script="Deva" typeface="Mangal"/>
+        <a:font script="Telu" typeface="Gautami"/>
+        <a:font script="Taml" typeface="Latha"/>
+        <a:font script="Syrc" typeface="Estrangelo Edessa"/>
+        <a:font script="Orya" typeface="Kalinga"/>
+        <a:font script="Mlym" typeface="Kartika"/>
+        <a:font script="Laoo" typeface="DokChampa"/>
+        <a:font script="Sinh" typeface="Iskoola Pota"/>
+        <a:font script="Mong" typeface="Mongolian Baiti"/>
+        <a:font script="Viet" typeface="Times New Roman"/>
+        <a:font script="Uigh" typeface="Microsoft Uighur"/>
+        <a:font script="Geor" typeface="Sylfaen"/>
+      </a:majorFont>
+      <a:minorFont>
+        <a:latin typeface="Calibri"/>
+        <a:ea typeface=""/>
+        <a:cs typeface=""/>
+        <a:font script="Jpan" typeface="ＭＳ Ｐゴシック"/>
+        <a:font script="Hang" typeface="맑은 고딕"/>
+        <a:font script="Hans" typeface="宋体"/>
+        <a:font script="Hant" typeface="新細明體"/>
+        <a:font script="Arab" typeface="Arial"/>
+        <a:font script="Hebr" typeface="Arial"/>
+        <a:font script="Thai" typeface="Cordia New"/>
+        <a:font script="Ethi" typeface="Nyala"/>
+        <a:font script="Beng" typeface="Vrinda"/>
+        <a:font script="Gujr" typeface="Shruti"/>
+        <a:font script="Khmr" typeface="DaunPenh"/>
+        <a:font script="Knda" typeface="Tunga"/>
+        <a:font script="Guru" typeface="Raavi"/>
+        <a:font script="Cans" typeface="Euphemia"/>
+        <a:font script="Cher" typeface="Plantagenet Cherokee"/>
+        <a:font script="Yiii" typeface="Microsoft Yi Baiti"/>
+        <a:font script="Tibt" typeface="Microsoft Himalaya"/>
+        <a:font script="Thaa" typeface="MV Boli"/>
+        <a:font script="Deva" typeface="Mangal"/>
+        <a:font script="Telu" typeface="Gautami"/>
+        <a:font script="Taml" typeface="Latha"/>
+        <a:font script="Syrc" typeface="Estrangelo Edessa"/>
+        <a:font script="Orya" typeface="Kalinga"/>
+        <a:font script="Mlym" typeface="Kartika"/>
+        <a:font script="Laoo" typeface="DokChampa"/>
+        <a:font script="Sinh" typeface="Iskoola Pota"/>
+        <a:font script="Mong" typeface="Mongolian Baiti"/>
+        <a:font script="Viet" typeface="Arial"/>
+        <a:font script="Uigh" typeface="Microsoft Uighur"/>
+        <a:font script="Geor" typeface="Sylfaen"/>
+      </a:minorFont>
+    </a:fontScheme>
+    <a:fmtScheme name="Office">
+      <a:fillStyleLst>
+        <a:solidFill>
+          <a:schemeClr val="phClr"/>
+        </a:solidFill>
+        <a:gradFill rotWithShape="1">
+          <a:gsLst>
+            <a:gs pos="0">
+              <a:schemeClr val="phClr">
+                <a:tint val="50000"/>
+                <a:satMod val="300000"/>
+              </a:schemeClr>
+            </a:gs>
+            <a:gs pos="35000">
+              <a:schemeClr val="phClr">
+                <a:tint val="37000"/>
+                <a:satMod val="300000"/>
+              </a:schemeClr>
+            </a:gs>
+            <a:gs pos="100000">
+              <a:schemeClr val="phClr">
+                <a:tint val="15000"/>
+                <a:satMod val="350000"/>
+              </a:schemeClr>
+            </a:gs>
+          </a:gsLst>
+          <a:lin ang="16200000" scaled="1"/>
+        </a:gradFill>
+        <a:gradFill rotWithShape="1">
+          <a:gsLst>
+            <a:gs pos="0">
+              <a:schemeClr val="phClr">
+                <a:tint val="100000"/>
+                <a:shade val="100000"/>
+                <a:satMod val="130000"/>
+              </a:schemeClr>
+            </a:gs>
+            <a:gs pos="100000">
+              <a:schemeClr val="phClr">
+                <a:tint val="50000"/>
+                <a:shade val="100000"/>
+                <a:satMod val="350000"/>
+              </a:schemeClr>
+            </a:gs>
+          </a:gsLst>
+          <a:lin ang="16200000" scaled="0"/>
+        </a:gradFill>
+      </a:fillStyleLst>
+      <a:lnStyleLst>
+        <a:ln w="9525" cap="flat" cmpd="sng" algn="ctr">
+          <a:solidFill>
+            <a:schemeClr val="phClr">
+              <a:shade val="95000"/>
+              <a:satMod val="105000"/>
+            </a:schemeClr>
+          </a:solidFill>
+          <a:prstDash val="solid"/>
+        </a:ln>
+        <a:ln w="25400" cap="flat" cmpd="sng" algn="ctr">
+          <a:solidFill>
+            <a:schemeClr val="phClr"/>
+          </a:solidFill>
+          <a:prstDash val="solid"/>
+        </a:ln>
+        <a:ln w="38100" cap="flat" cmpd="sng" algn="ctr">
+          <a:solidFill>
+            <a:schemeClr val="phClr"/>
+          </a:solidFill>
+          <a:prstDash val="solid"/>
+        </a:ln>
+      </a:lnStyleLst>
+      <a:effectStyleLst>
+        <a:effectStyle>
+          <a:effectLst>
+            <a:outerShdw blurRad="40000" dist="20000" dir="5400000" rotWithShape="0">
+              <a:srgbClr val="000000">
+                <a:alpha val="38000"/>
+              </a:srgbClr>
+            </a:outerShdw>
+          </a:effectLst>
+        </a:effectStyle>
+        <a:effectStyle>
+          <a:effectLst>
+            <a:outerShdw blurRad="40000" dist="23000" dir="5400000" rotWithShape="0">
+              <a:srgbClr val="000000">
+                <a:alpha val="35000"/>
+              </a:srgbClr>
+            </a:outerShdw>
+          </a:effectLst>
+        </a:effectStyle>
+        <a:effectStyle>
+          <a:effectLst>
+            <a:outerShdw blurRad="40000" dist="23000" dir="5400000" rotWithShape="0">
+              <a:srgbClr val="000000">
+                <a:alpha val="35000"/>
+              </a:srgbClr>
+            </a:outerShdw>
+          </a:effectLst>
+          <a:scene3d>
+            <a:camera prst="orthographicFront">
+              <a:rot lat="0" lon="0" rev="0"/>
+            </a:camera>
+            <a:lightRig rig="threePt" dir="t">
+              <a:rot lat="0" lon="0" rev="1200000"/>
+            </a:lightRig>
+          </a:scene3d>
+          <a:sp3d>
+            <a:bevelT w="63500" h="25400"/>
+          </a:sp3d>
+        </a:effectStyle>
+      </a:effectStyleLst>
+      <a:bgFillStyleLst>
+        <a:solidFill>
+          <a:schemeClr val="phClr"/>
+        </a:solidFill>
+        <a:gradFill rotWithShape="1">
+          <a:gsLst>
+            <a:gs pos="0">
+              <a:schemeClr val="phClr">
+                <a:tint val="40000"/>
+                <a:satMod val="350000"/>
+              </a:schemeClr>
+            </a:gs>
+            <a:gs pos="40000">
+              <a:schemeClr val="phClr">
+                <a:tint val="45000"/>
+                <a:shade val="99000"/>
+                <a:satMod val="350000"/>
+              </a:schemeClr>
+            </a:gs>
+            <a:gs pos="100000">
+              <a:schemeClr val="phClr">
+                <a:shade val="20000"/>
+                <a:satMod val="255000"/>
+              </a:schemeClr>
+            </a:gs>
+          </a:gsLst>
+          <a:path path="circle">
+            <a:fillToRect l="50000" t="-80000" r="50000" b="180000"/>
+          </a:path>
+        </a:gradFill>
+        <a:gradFill rotWithShape="1">
+          <a:gsLst>
+            <a:gs pos="0">
+              <a:schemeClr val="phClr">
+                <a:tint val="80000"/>
+                <a:satMod val="300000"/>
+              </a:schemeClr>
+            </a:gs>
+            <a:gs pos="100000">
+              <a:schemeClr val="phClr">
+                <a:shade val="30000"/>
+                <a:satMod val="200000"/>
+              </a:schemeClr>
+            </a:gs>
+          </a:gsLst>
+          <a:path path="circle">
+            <a:fillToRect l="50000" t="50000" r="50000" b="50000"/>
+          </a:path>
+        </a:gradFill>
+      </a:bgFillStyleLst>
+    </a:fmtScheme>
+  </a:themeElements>
+  <a:objectDefaults>
+    <a:spDef>
+      <a:spPr/>
+      <a:bodyPr/>
+      <a:lstStyle/>
+      <a:style>
+        <a:lnRef idx="1">
+          <a:schemeClr val="accent1"/>
+        </a:lnRef>
+        <a:fillRef idx="3">
+          <a:schemeClr val="accent1"/>
+        </a:fillRef>
+        <a:effectRef idx="2">
+          <a:schemeClr val="accent1"/>
+        </a:effectRef>
+        <a:fontRef idx="minor">
+          <a:schemeClr val="lt1"/>
+        </a:fontRef>
+      </a:style>
+    </a:spDef>
+    <a:lnDef>
+      <a:spPr/>
+      <a:bodyPr/>
+      <a:lstStyle/>
+      <a:style>
+        <a:lnRef idx="2">
+          <a:schemeClr val="accent1"/>
+        </a:lnRef>
+        <a:fillRef idx="0">
+          <a:schemeClr val="accent1"/>
+        </a:fillRef>
+        <a:effectRef idx="1">
+          <a:schemeClr val="accent1"/>
+        </a:effectRef>
+        <a:fontRef idx="minor">
+          <a:schemeClr val="tx1"/>
+        </a:fontRef>
+      </a:style>
+    </a:lnDef>
+  </a:objectDefaults>
+  <a:extraClrSchemeLst/>
+</a:theme>
 </file>